--- a/ppt/tokudb-index.pptx
+++ b/ppt/tokudb-index.pptx
@@ -8,7 +8,7 @@
     <p:notesMasterId r:id="rId5"/>
   </p:notesMasterIdLst>
   <p:handoutMasterIdLst>
-    <p:handoutMasterId r:id="rId21"/>
+    <p:handoutMasterId r:id="rId23"/>
   </p:handoutMasterIdLst>
   <p:sldIdLst>
     <p:sldId id="256" r:id="rId3"/>
@@ -26,8 +26,10 @@
     <p:sldId id="291" r:id="rId16"/>
     <p:sldId id="292" r:id="rId17"/>
     <p:sldId id="293" r:id="rId18"/>
-    <p:sldId id="275" r:id="rId19"/>
-    <p:sldId id="276" r:id="rId20"/>
+    <p:sldId id="303" r:id="rId19"/>
+    <p:sldId id="305" r:id="rId20"/>
+    <p:sldId id="275" r:id="rId21"/>
+    <p:sldId id="276" r:id="rId22"/>
   </p:sldIdLst>
   <p:sldSz cx="9144000" cy="6858000" type="screen4x3"/>
   <p:notesSz cx="6858000" cy="9144000"/>
@@ -1091,6 +1093,260 @@
 </file>
 
 <file path=ppt/notesSlides/notesSlide14.xml><?xml version="1.0" encoding="utf-8"?>
+<p:notes xmlns:a="http://schemas.openxmlformats.org/drawingml/2006/main" xmlns:r="http://schemas.openxmlformats.org/officeDocument/2006/relationships" xmlns:p="http://schemas.openxmlformats.org/presentationml/2006/main">
+  <p:cSld>
+    <p:spTree>
+      <p:nvGrpSpPr>
+        <p:cNvPr id="1" name=""/>
+        <p:cNvGrpSpPr/>
+        <p:nvPr/>
+      </p:nvGrpSpPr>
+      <p:grpSpPr>
+        <a:xfrm>
+          <a:off x="0" y="0"/>
+          <a:ext cx="0" cy="0"/>
+          <a:chOff x="0" y="0"/>
+          <a:chExt cx="0" cy="0"/>
+        </a:xfrm>
+      </p:grpSpPr>
+      <p:sp>
+        <p:nvSpPr>
+          <p:cNvPr id="54" name="Shape 54"/>
+          <p:cNvSpPr>
+            <a:spLocks noGrp="1" noRot="1" noChangeAspect="1"/>
+          </p:cNvSpPr>
+          <p:nvPr>
+            <p:ph type="sldImg"/>
+          </p:nvPr>
+        </p:nvSpPr>
+        <p:spPr>
+          <a:prstGeom prst="rect">
+            <a:avLst/>
+          </a:prstGeom>
+        </p:spPr>
+        <p:txBody>
+          <a:bodyPr/>
+          <a:lstStyle/>
+          <a:p>
+            <a:pPr lvl="0"/>
+          </a:p>
+        </p:txBody>
+      </p:sp>
+      <p:sp>
+        <p:nvSpPr>
+          <p:cNvPr id="55" name="Shape 55"/>
+          <p:cNvSpPr>
+            <a:spLocks noGrp="1"/>
+          </p:cNvSpPr>
+          <p:nvPr>
+            <p:ph type="body" sz="quarter" idx="1"/>
+          </p:nvPr>
+        </p:nvSpPr>
+        <p:spPr>
+          <a:prstGeom prst="rect">
+            <a:avLst/>
+          </a:prstGeom>
+        </p:spPr>
+        <p:txBody>
+          <a:bodyPr/>
+          <a:lstStyle/>
+          <a:p>
+            <a:pPr lvl="0" defTabSz="914400">
+              <a:lnSpc>
+                <a:spcPct val="100000"/>
+              </a:lnSpc>
+              <a:defRPr sz="1800"/>
+            </a:pPr>
+            <a:r>
+              <a:rPr sz="1200">
+                <a:latin typeface="Calibri"/>
+                <a:ea typeface="Calibri"/>
+                <a:cs typeface="Calibri"/>
+                <a:sym typeface="Calibri"/>
+              </a:rPr>
+              <a:t>1. golang</a:t>
+            </a:r>
+            <a:r>
+              <a:rPr sz="1200"/>
+              <a:t>的优点：并发编程。 具体版本支持：</a:t>
+            </a:r>
+            <a:r>
+              <a:rPr sz="1200">
+                <a:latin typeface="Calibri"/>
+                <a:ea typeface="Calibri"/>
+                <a:cs typeface="Calibri"/>
+                <a:sym typeface="Calibri"/>
+              </a:rPr>
+              <a:t> Google MySQL 5.1+, MariaDB 10.0+,  MySQL 5.6+</a:t>
+            </a:r>
+            <a:endParaRPr sz="1200">
+              <a:latin typeface="Calibri"/>
+              <a:ea typeface="Calibri"/>
+              <a:cs typeface="Calibri"/>
+              <a:sym typeface="Calibri"/>
+            </a:endParaRPr>
+          </a:p>
+          <a:p>
+            <a:pPr lvl="0" defTabSz="914400">
+              <a:lnSpc>
+                <a:spcPct val="100000"/>
+              </a:lnSpc>
+              <a:defRPr sz="1800"/>
+            </a:pPr>
+            <a:r>
+              <a:rPr sz="1200">
+                <a:latin typeface="Calibri"/>
+                <a:ea typeface="Calibri"/>
+                <a:cs typeface="Calibri"/>
+                <a:sym typeface="Calibri"/>
+              </a:rPr>
+              <a:t>2. </a:t>
+            </a:r>
+            <a:endParaRPr sz="1200">
+              <a:latin typeface="Calibri"/>
+              <a:ea typeface="Calibri"/>
+              <a:cs typeface="Calibri"/>
+              <a:sym typeface="Calibri"/>
+            </a:endParaRPr>
+          </a:p>
+        </p:txBody>
+      </p:sp>
+    </p:spTree>
+  </p:cSld>
+  <p:clrMapOvr>
+    <a:masterClrMapping/>
+  </p:clrMapOvr>
+</p:notes>
+</file>
+
+<file path=ppt/notesSlides/notesSlide15.xml><?xml version="1.0" encoding="utf-8"?>
+<p:notes xmlns:a="http://schemas.openxmlformats.org/drawingml/2006/main" xmlns:r="http://schemas.openxmlformats.org/officeDocument/2006/relationships" xmlns:p="http://schemas.openxmlformats.org/presentationml/2006/main">
+  <p:cSld>
+    <p:spTree>
+      <p:nvGrpSpPr>
+        <p:cNvPr id="1" name=""/>
+        <p:cNvGrpSpPr/>
+        <p:nvPr/>
+      </p:nvGrpSpPr>
+      <p:grpSpPr>
+        <a:xfrm>
+          <a:off x="0" y="0"/>
+          <a:ext cx="0" cy="0"/>
+          <a:chOff x="0" y="0"/>
+          <a:chExt cx="0" cy="0"/>
+        </a:xfrm>
+      </p:grpSpPr>
+      <p:sp>
+        <p:nvSpPr>
+          <p:cNvPr id="54" name="Shape 54"/>
+          <p:cNvSpPr>
+            <a:spLocks noGrp="1" noRot="1" noChangeAspect="1"/>
+          </p:cNvSpPr>
+          <p:nvPr>
+            <p:ph type="sldImg"/>
+          </p:nvPr>
+        </p:nvSpPr>
+        <p:spPr>
+          <a:prstGeom prst="rect">
+            <a:avLst/>
+          </a:prstGeom>
+        </p:spPr>
+        <p:txBody>
+          <a:bodyPr/>
+          <a:lstStyle/>
+          <a:p>
+            <a:pPr lvl="0"/>
+          </a:p>
+        </p:txBody>
+      </p:sp>
+      <p:sp>
+        <p:nvSpPr>
+          <p:cNvPr id="55" name="Shape 55"/>
+          <p:cNvSpPr>
+            <a:spLocks noGrp="1"/>
+          </p:cNvSpPr>
+          <p:nvPr>
+            <p:ph type="body" sz="quarter" idx="1"/>
+          </p:nvPr>
+        </p:nvSpPr>
+        <p:spPr>
+          <a:prstGeom prst="rect">
+            <a:avLst/>
+          </a:prstGeom>
+        </p:spPr>
+        <p:txBody>
+          <a:bodyPr/>
+          <a:lstStyle/>
+          <a:p>
+            <a:pPr lvl="0" defTabSz="914400">
+              <a:lnSpc>
+                <a:spcPct val="100000"/>
+              </a:lnSpc>
+              <a:defRPr sz="1800"/>
+            </a:pPr>
+            <a:r>
+              <a:rPr sz="1200">
+                <a:latin typeface="Calibri"/>
+                <a:ea typeface="Calibri"/>
+                <a:cs typeface="Calibri"/>
+                <a:sym typeface="Calibri"/>
+              </a:rPr>
+              <a:t>1. golang</a:t>
+            </a:r>
+            <a:r>
+              <a:rPr sz="1200"/>
+              <a:t>的优点：并发编程。 具体版本支持：</a:t>
+            </a:r>
+            <a:r>
+              <a:rPr sz="1200">
+                <a:latin typeface="Calibri"/>
+                <a:ea typeface="Calibri"/>
+                <a:cs typeface="Calibri"/>
+                <a:sym typeface="Calibri"/>
+              </a:rPr>
+              <a:t> Google MySQL 5.1+, MariaDB 10.0+,  MySQL 5.6+</a:t>
+            </a:r>
+            <a:endParaRPr sz="1200">
+              <a:latin typeface="Calibri"/>
+              <a:ea typeface="Calibri"/>
+              <a:cs typeface="Calibri"/>
+              <a:sym typeface="Calibri"/>
+            </a:endParaRPr>
+          </a:p>
+          <a:p>
+            <a:pPr lvl="0" defTabSz="914400">
+              <a:lnSpc>
+                <a:spcPct val="100000"/>
+              </a:lnSpc>
+              <a:defRPr sz="1800"/>
+            </a:pPr>
+            <a:r>
+              <a:rPr sz="1200">
+                <a:latin typeface="Calibri"/>
+                <a:ea typeface="Calibri"/>
+                <a:cs typeface="Calibri"/>
+                <a:sym typeface="Calibri"/>
+              </a:rPr>
+              <a:t>2. </a:t>
+            </a:r>
+            <a:endParaRPr sz="1200">
+              <a:latin typeface="Calibri"/>
+              <a:ea typeface="Calibri"/>
+              <a:cs typeface="Calibri"/>
+              <a:sym typeface="Calibri"/>
+            </a:endParaRPr>
+          </a:p>
+        </p:txBody>
+      </p:sp>
+    </p:spTree>
+  </p:cSld>
+  <p:clrMapOvr>
+    <a:masterClrMapping/>
+  </p:clrMapOvr>
+</p:notes>
+</file>
+
+<file path=ppt/notesSlides/notesSlide16.xml><?xml version="1.0" encoding="utf-8"?>
 <p:notes xmlns:a="http://schemas.openxmlformats.org/drawingml/2006/main" xmlns:r="http://schemas.openxmlformats.org/officeDocument/2006/relationships" xmlns:p="http://schemas.openxmlformats.org/presentationml/2006/main">
   <p:cSld>
     <p:spTree>
@@ -5733,13 +5989,7 @@
               <a:rPr lang="en-US" altLang="zh-CN" sz="4400">
                 <a:ea typeface="宋体" charset="0"/>
               </a:rPr>
-              <a:t>Point</a:t>
-            </a:r>
-            <a:r>
-              <a:rPr lang="en-US" altLang="zh-CN" sz="4400">
-                <a:ea typeface="宋体" charset="0"/>
-              </a:rPr>
-              <a:t>-Query</a:t>
+              <a:t>Point-Query</a:t>
             </a:r>
             <a:endParaRPr lang="en-US" altLang="zh-CN" sz="4400">
               <a:ea typeface="宋体" charset="0"/>
@@ -7937,7 +8187,6 @@
             </a:pPr>
             <a:r>
               <a:rPr lang="zh-CN" sz="2000" b="1">
-                <a:ln/>
                 <a:solidFill>
                   <a:schemeClr val="tx1"/>
                 </a:solidFill>
@@ -7953,7 +8202,6 @@
               <a:t>事务举例：</a:t>
             </a:r>
             <a:endParaRPr lang="zh-CN" sz="2000" b="1">
-              <a:ln/>
               <a:solidFill>
                 <a:schemeClr val="tx1"/>
               </a:solidFill>
@@ -9048,6 +9296,7195 @@
       </p:grpSpPr>
       <p:sp>
         <p:nvSpPr>
+          <p:cNvPr id="52" name="Shape 52"/>
+          <p:cNvSpPr>
+            <a:spLocks noGrp="1"/>
+          </p:cNvSpPr>
+          <p:nvPr>
+            <p:ph type="title"/>
+          </p:nvPr>
+        </p:nvSpPr>
+        <p:spPr>
+          <a:xfrm>
+            <a:off x="457200" y="274638"/>
+            <a:ext cx="8229600" cy="1143001"/>
+          </a:xfrm>
+          <a:prstGeom prst="rect">
+            <a:avLst/>
+          </a:prstGeom>
+        </p:spPr>
+        <p:txBody>
+          <a:bodyPr/>
+          <a:lstStyle/>
+          <a:p>
+            <a:pPr lvl="0">
+              <a:defRPr sz="1800"/>
+            </a:pPr>
+            <a:r>
+              <a:rPr lang="zh-CN" altLang="zh-CN" sz="4400">
+                <a:ea typeface="宋体" charset="0"/>
+              </a:rPr>
+              <a:t>总结（一）</a:t>
+            </a:r>
+            <a:endParaRPr lang="zh-CN" altLang="zh-CN" sz="4400">
+              <a:ea typeface="宋体" charset="0"/>
+            </a:endParaRPr>
+          </a:p>
+        </p:txBody>
+      </p:sp>
+      <p:sp>
+        <p:nvSpPr>
+          <p:cNvPr id="15" name="矩形 14"/>
+          <p:cNvSpPr/>
+          <p:nvPr/>
+        </p:nvSpPr>
+        <p:spPr>
+          <a:xfrm>
+            <a:off x="1043940" y="1340485"/>
+            <a:ext cx="288290" cy="215900"/>
+          </a:xfrm>
+          <a:prstGeom prst="rect">
+            <a:avLst/>
+          </a:prstGeom>
+          <a:solidFill>
+            <a:schemeClr val="accent5"/>
+          </a:solidFill>
+          <a:ln w="25400" cap="flat">
+            <a:solidFill>
+              <a:srgbClr val="4F81BD"/>
+            </a:solidFill>
+            <a:prstDash val="solid"/>
+            <a:bevel/>
+          </a:ln>
+          <a:effectLst>
+            <a:outerShdw blurRad="38100" dist="23000" dir="5400000" rotWithShape="0">
+              <a:srgbClr val="000000">
+                <a:alpha val="35000"/>
+              </a:srgbClr>
+            </a:outerShdw>
+          </a:effectLst>
+        </p:spPr>
+        <p:style>
+          <a:lnRef idx="0">
+            <a:scrgbClr r="0" g="0" b="0"/>
+          </a:lnRef>
+          <a:fillRef idx="0">
+            <a:scrgbClr r="0" g="0" b="0"/>
+          </a:fillRef>
+          <a:effectRef idx="0">
+            <a:scrgbClr r="0" g="0" b="0"/>
+          </a:effectRef>
+          <a:fontRef idx="none"/>
+        </p:style>
+        <p:txBody>
+          <a:bodyPr rot="0" vertOverflow="overflow" horzOverflow="overflow" vert="horz" wrap="square" lIns="45719" tIns="45719" rIns="45719" bIns="45719" numCol="1" spcCol="38100" rtlCol="0" anchor="ctr" forceAA="0">
+            <a:spAutoFit/>
+          </a:bodyPr>
+          <a:p>
+            <a:pPr marL="0" marR="0" indent="0" algn="l" defTabSz="914400" rtl="0" fontAlgn="auto" latinLnBrk="1" hangingPunct="0">
+              <a:lnSpc>
+                <a:spcPct val="100000"/>
+              </a:lnSpc>
+              <a:spcBef>
+                <a:spcPts val="0"/>
+              </a:spcBef>
+              <a:spcAft>
+                <a:spcPts val="0"/>
+              </a:spcAft>
+              <a:buClrTx/>
+              <a:buSzTx/>
+              <a:buFontTx/>
+              <a:buNone/>
+            </a:pPr>
+            <a:endParaRPr kumimoji="0" lang="zh-CN" altLang="en-US" sz="1800" b="0" i="0" u="none" strike="noStrike" cap="none" spc="0" normalizeH="0" baseline="0">
+              <a:ln>
+                <a:noFill/>
+              </a:ln>
+              <a:solidFill>
+                <a:srgbClr val="000000"/>
+              </a:solidFill>
+              <a:effectLst/>
+              <a:uFillTx/>
+              <a:latin typeface="Calibri"/>
+              <a:ea typeface="Calibri"/>
+              <a:cs typeface="Calibri"/>
+              <a:sym typeface="Calibri"/>
+            </a:endParaRPr>
+          </a:p>
+        </p:txBody>
+      </p:sp>
+      <p:sp>
+        <p:nvSpPr>
+          <p:cNvPr id="16" name="矩形 15"/>
+          <p:cNvSpPr/>
+          <p:nvPr/>
+        </p:nvSpPr>
+        <p:spPr>
+          <a:xfrm>
+            <a:off x="1332230" y="1340485"/>
+            <a:ext cx="288290" cy="215900"/>
+          </a:xfrm>
+          <a:prstGeom prst="rect">
+            <a:avLst/>
+          </a:prstGeom>
+          <a:solidFill>
+            <a:srgbClr val="FFFFFF"/>
+          </a:solidFill>
+          <a:ln w="25400" cap="flat">
+            <a:solidFill>
+              <a:srgbClr val="4F81BD"/>
+            </a:solidFill>
+            <a:prstDash val="solid"/>
+            <a:bevel/>
+          </a:ln>
+          <a:effectLst>
+            <a:outerShdw blurRad="38100" dist="23000" dir="5400000" rotWithShape="0">
+              <a:srgbClr val="000000">
+                <a:alpha val="35000"/>
+              </a:srgbClr>
+            </a:outerShdw>
+          </a:effectLst>
+        </p:spPr>
+        <p:style>
+          <a:lnRef idx="0">
+            <a:scrgbClr r="0" g="0" b="0"/>
+          </a:lnRef>
+          <a:fillRef idx="0">
+            <a:scrgbClr r="0" g="0" b="0"/>
+          </a:fillRef>
+          <a:effectRef idx="0">
+            <a:scrgbClr r="0" g="0" b="0"/>
+          </a:effectRef>
+          <a:fontRef idx="none"/>
+        </p:style>
+        <p:txBody>
+          <a:bodyPr rot="0" vertOverflow="overflow" horzOverflow="overflow" vert="horz" wrap="square" lIns="45719" tIns="45719" rIns="45719" bIns="45719" numCol="1" spcCol="38100" rtlCol="0" anchor="ctr" forceAA="0">
+            <a:spAutoFit/>
+          </a:bodyPr>
+          <a:p>
+            <a:pPr marL="0" marR="0" indent="0" algn="l" defTabSz="914400" rtl="0" fontAlgn="auto" latinLnBrk="1" hangingPunct="0">
+              <a:lnSpc>
+                <a:spcPct val="100000"/>
+              </a:lnSpc>
+              <a:spcBef>
+                <a:spcPts val="0"/>
+              </a:spcBef>
+              <a:spcAft>
+                <a:spcPts val="0"/>
+              </a:spcAft>
+              <a:buClrTx/>
+              <a:buSzTx/>
+              <a:buFontTx/>
+              <a:buNone/>
+            </a:pPr>
+            <a:endParaRPr kumimoji="0" lang="zh-CN" altLang="en-US" sz="1800" b="0" i="0" u="none" strike="noStrike" cap="none" spc="0" normalizeH="0" baseline="0">
+              <a:ln>
+                <a:noFill/>
+              </a:ln>
+              <a:solidFill>
+                <a:srgbClr val="000000"/>
+              </a:solidFill>
+              <a:effectLst/>
+              <a:uFillTx/>
+              <a:latin typeface="Calibri"/>
+              <a:ea typeface="Calibri"/>
+              <a:cs typeface="Calibri"/>
+              <a:sym typeface="Calibri"/>
+            </a:endParaRPr>
+          </a:p>
+        </p:txBody>
+      </p:sp>
+      <p:sp>
+        <p:nvSpPr>
+          <p:cNvPr id="17" name="矩形 16"/>
+          <p:cNvSpPr/>
+          <p:nvPr/>
+        </p:nvSpPr>
+        <p:spPr>
+          <a:xfrm>
+            <a:off x="1620520" y="1340485"/>
+            <a:ext cx="288290" cy="215900"/>
+          </a:xfrm>
+          <a:prstGeom prst="rect">
+            <a:avLst/>
+          </a:prstGeom>
+          <a:solidFill>
+            <a:schemeClr val="accent5"/>
+          </a:solidFill>
+          <a:ln w="25400" cap="flat">
+            <a:solidFill>
+              <a:srgbClr val="4F81BD"/>
+            </a:solidFill>
+            <a:prstDash val="solid"/>
+            <a:bevel/>
+          </a:ln>
+          <a:effectLst>
+            <a:outerShdw blurRad="38100" dist="23000" dir="5400000" rotWithShape="0">
+              <a:srgbClr val="000000">
+                <a:alpha val="35000"/>
+              </a:srgbClr>
+            </a:outerShdw>
+          </a:effectLst>
+        </p:spPr>
+        <p:style>
+          <a:lnRef idx="0">
+            <a:scrgbClr r="0" g="0" b="0"/>
+          </a:lnRef>
+          <a:fillRef idx="0">
+            <a:scrgbClr r="0" g="0" b="0"/>
+          </a:fillRef>
+          <a:effectRef idx="0">
+            <a:scrgbClr r="0" g="0" b="0"/>
+          </a:effectRef>
+          <a:fontRef idx="none"/>
+        </p:style>
+        <p:txBody>
+          <a:bodyPr rot="0" vertOverflow="overflow" horzOverflow="overflow" vert="horz" wrap="square" lIns="45719" tIns="45719" rIns="45719" bIns="45719" numCol="1" spcCol="38100" rtlCol="0" anchor="ctr" forceAA="0">
+            <a:spAutoFit/>
+          </a:bodyPr>
+          <a:p>
+            <a:pPr marL="0" marR="0" indent="0" algn="l" defTabSz="914400" rtl="0" fontAlgn="auto" latinLnBrk="1" hangingPunct="0">
+              <a:lnSpc>
+                <a:spcPct val="100000"/>
+              </a:lnSpc>
+              <a:spcBef>
+                <a:spcPts val="0"/>
+              </a:spcBef>
+              <a:spcAft>
+                <a:spcPts val="0"/>
+              </a:spcAft>
+              <a:buClrTx/>
+              <a:buSzTx/>
+              <a:buFontTx/>
+              <a:buNone/>
+            </a:pPr>
+            <a:endParaRPr kumimoji="0" lang="zh-CN" altLang="en-US" sz="1800" b="0" i="0" u="none" strike="noStrike" cap="none" spc="0" normalizeH="0" baseline="0">
+              <a:ln>
+                <a:noFill/>
+              </a:ln>
+              <a:solidFill>
+                <a:srgbClr val="000000"/>
+              </a:solidFill>
+              <a:effectLst/>
+              <a:uFillTx/>
+              <a:latin typeface="Calibri"/>
+              <a:ea typeface="Calibri"/>
+              <a:cs typeface="Calibri"/>
+              <a:sym typeface="Calibri"/>
+            </a:endParaRPr>
+          </a:p>
+        </p:txBody>
+      </p:sp>
+      <p:sp>
+        <p:nvSpPr>
+          <p:cNvPr id="18" name="矩形 17"/>
+          <p:cNvSpPr/>
+          <p:nvPr/>
+        </p:nvSpPr>
+        <p:spPr>
+          <a:xfrm>
+            <a:off x="1908175" y="1340485"/>
+            <a:ext cx="288290" cy="215900"/>
+          </a:xfrm>
+          <a:prstGeom prst="rect">
+            <a:avLst/>
+          </a:prstGeom>
+          <a:solidFill>
+            <a:srgbClr val="FFFFFF"/>
+          </a:solidFill>
+          <a:ln w="25400" cap="flat">
+            <a:solidFill>
+              <a:srgbClr val="4F81BD"/>
+            </a:solidFill>
+            <a:prstDash val="solid"/>
+            <a:bevel/>
+          </a:ln>
+          <a:effectLst>
+            <a:outerShdw blurRad="38100" dist="23000" dir="5400000" rotWithShape="0">
+              <a:srgbClr val="000000">
+                <a:alpha val="35000"/>
+              </a:srgbClr>
+            </a:outerShdw>
+          </a:effectLst>
+        </p:spPr>
+        <p:style>
+          <a:lnRef idx="0">
+            <a:scrgbClr r="0" g="0" b="0"/>
+          </a:lnRef>
+          <a:fillRef idx="0">
+            <a:scrgbClr r="0" g="0" b="0"/>
+          </a:fillRef>
+          <a:effectRef idx="0">
+            <a:scrgbClr r="0" g="0" b="0"/>
+          </a:effectRef>
+          <a:fontRef idx="none"/>
+        </p:style>
+        <p:txBody>
+          <a:bodyPr rot="0" vertOverflow="overflow" horzOverflow="overflow" vert="horz" wrap="square" lIns="45719" tIns="45719" rIns="45719" bIns="45719" numCol="1" spcCol="38100" rtlCol="0" anchor="ctr" forceAA="0">
+            <a:spAutoFit/>
+          </a:bodyPr>
+          <a:p>
+            <a:pPr marL="0" marR="0" indent="0" algn="l" defTabSz="914400" rtl="0" fontAlgn="auto" latinLnBrk="1" hangingPunct="0">
+              <a:lnSpc>
+                <a:spcPct val="100000"/>
+              </a:lnSpc>
+              <a:spcBef>
+                <a:spcPts val="0"/>
+              </a:spcBef>
+              <a:spcAft>
+                <a:spcPts val="0"/>
+              </a:spcAft>
+              <a:buClrTx/>
+              <a:buSzTx/>
+              <a:buFontTx/>
+              <a:buNone/>
+            </a:pPr>
+            <a:endParaRPr kumimoji="0" lang="zh-CN" altLang="en-US" sz="1800" b="0" i="0" u="none" strike="noStrike" cap="none" spc="0" normalizeH="0" baseline="0">
+              <a:ln>
+                <a:noFill/>
+              </a:ln>
+              <a:solidFill>
+                <a:srgbClr val="000000"/>
+              </a:solidFill>
+              <a:effectLst/>
+              <a:uFillTx/>
+              <a:latin typeface="Calibri"/>
+              <a:ea typeface="Calibri"/>
+              <a:cs typeface="Calibri"/>
+              <a:sym typeface="Calibri"/>
+            </a:endParaRPr>
+          </a:p>
+        </p:txBody>
+      </p:sp>
+      <p:sp>
+        <p:nvSpPr>
+          <p:cNvPr id="19" name="矩形 18"/>
+          <p:cNvSpPr/>
+          <p:nvPr/>
+        </p:nvSpPr>
+        <p:spPr>
+          <a:xfrm>
+            <a:off x="2196465" y="1340485"/>
+            <a:ext cx="288290" cy="215900"/>
+          </a:xfrm>
+          <a:prstGeom prst="rect">
+            <a:avLst/>
+          </a:prstGeom>
+          <a:solidFill>
+            <a:schemeClr val="accent5"/>
+          </a:solidFill>
+          <a:ln w="25400" cap="flat">
+            <a:solidFill>
+              <a:srgbClr val="4F81BD"/>
+            </a:solidFill>
+            <a:prstDash val="solid"/>
+            <a:bevel/>
+          </a:ln>
+          <a:effectLst>
+            <a:outerShdw blurRad="38100" dist="23000" dir="5400000" rotWithShape="0">
+              <a:srgbClr val="000000">
+                <a:alpha val="35000"/>
+              </a:srgbClr>
+            </a:outerShdw>
+          </a:effectLst>
+        </p:spPr>
+        <p:style>
+          <a:lnRef idx="0">
+            <a:scrgbClr r="0" g="0" b="0"/>
+          </a:lnRef>
+          <a:fillRef idx="0">
+            <a:scrgbClr r="0" g="0" b="0"/>
+          </a:fillRef>
+          <a:effectRef idx="0">
+            <a:scrgbClr r="0" g="0" b="0"/>
+          </a:effectRef>
+          <a:fontRef idx="none"/>
+        </p:style>
+        <p:txBody>
+          <a:bodyPr rot="0" vertOverflow="overflow" horzOverflow="overflow" vert="horz" wrap="square" lIns="45719" tIns="45719" rIns="45719" bIns="45719" numCol="1" spcCol="38100" rtlCol="0" anchor="ctr" forceAA="0">
+            <a:spAutoFit/>
+          </a:bodyPr>
+          <a:p>
+            <a:pPr marL="0" marR="0" indent="0" algn="l" defTabSz="914400" rtl="0" fontAlgn="auto" latinLnBrk="1" hangingPunct="0">
+              <a:lnSpc>
+                <a:spcPct val="100000"/>
+              </a:lnSpc>
+              <a:spcBef>
+                <a:spcPts val="0"/>
+              </a:spcBef>
+              <a:spcAft>
+                <a:spcPts val="0"/>
+              </a:spcAft>
+              <a:buClrTx/>
+              <a:buSzTx/>
+              <a:buFontTx/>
+              <a:buNone/>
+            </a:pPr>
+            <a:endParaRPr kumimoji="0" lang="zh-CN" altLang="en-US" sz="1800" b="0" i="0" u="none" strike="noStrike" cap="none" spc="0" normalizeH="0" baseline="0">
+              <a:ln>
+                <a:noFill/>
+              </a:ln>
+              <a:solidFill>
+                <a:srgbClr val="000000"/>
+              </a:solidFill>
+              <a:effectLst/>
+              <a:uFillTx/>
+              <a:latin typeface="Calibri"/>
+              <a:ea typeface="Calibri"/>
+              <a:cs typeface="Calibri"/>
+              <a:sym typeface="Calibri"/>
+            </a:endParaRPr>
+          </a:p>
+        </p:txBody>
+      </p:sp>
+      <p:sp>
+        <p:nvSpPr>
+          <p:cNvPr id="20" name="矩形 19"/>
+          <p:cNvSpPr/>
+          <p:nvPr/>
+        </p:nvSpPr>
+        <p:spPr>
+          <a:xfrm>
+            <a:off x="2484120" y="1340485"/>
+            <a:ext cx="288290" cy="215900"/>
+          </a:xfrm>
+          <a:prstGeom prst="rect">
+            <a:avLst/>
+          </a:prstGeom>
+          <a:solidFill>
+            <a:srgbClr val="FFFFFF"/>
+          </a:solidFill>
+          <a:ln w="25400" cap="flat">
+            <a:solidFill>
+              <a:srgbClr val="4F81BD"/>
+            </a:solidFill>
+            <a:prstDash val="solid"/>
+            <a:bevel/>
+          </a:ln>
+          <a:effectLst>
+            <a:outerShdw blurRad="38100" dist="23000" dir="5400000" rotWithShape="0">
+              <a:srgbClr val="000000">
+                <a:alpha val="35000"/>
+              </a:srgbClr>
+            </a:outerShdw>
+          </a:effectLst>
+        </p:spPr>
+        <p:style>
+          <a:lnRef idx="0">
+            <a:scrgbClr r="0" g="0" b="0"/>
+          </a:lnRef>
+          <a:fillRef idx="0">
+            <a:scrgbClr r="0" g="0" b="0"/>
+          </a:fillRef>
+          <a:effectRef idx="0">
+            <a:scrgbClr r="0" g="0" b="0"/>
+          </a:effectRef>
+          <a:fontRef idx="none"/>
+        </p:style>
+        <p:txBody>
+          <a:bodyPr rot="0" vertOverflow="overflow" horzOverflow="overflow" vert="horz" wrap="square" lIns="45719" tIns="45719" rIns="45719" bIns="45719" numCol="1" spcCol="38100" rtlCol="0" anchor="ctr" forceAA="0">
+            <a:spAutoFit/>
+          </a:bodyPr>
+          <a:p>
+            <a:pPr marL="0" marR="0" indent="0" algn="l" defTabSz="914400" rtl="0" fontAlgn="auto" latinLnBrk="1" hangingPunct="0">
+              <a:lnSpc>
+                <a:spcPct val="100000"/>
+              </a:lnSpc>
+              <a:spcBef>
+                <a:spcPts val="0"/>
+              </a:spcBef>
+              <a:spcAft>
+                <a:spcPts val="0"/>
+              </a:spcAft>
+              <a:buClrTx/>
+              <a:buSzTx/>
+              <a:buFontTx/>
+              <a:buNone/>
+            </a:pPr>
+            <a:endParaRPr kumimoji="0" lang="zh-CN" altLang="en-US" sz="1800" b="0" i="0" u="none" strike="noStrike" cap="none" spc="0" normalizeH="0" baseline="0">
+              <a:ln>
+                <a:noFill/>
+              </a:ln>
+              <a:solidFill>
+                <a:srgbClr val="000000"/>
+              </a:solidFill>
+              <a:effectLst/>
+              <a:uFillTx/>
+              <a:latin typeface="Calibri"/>
+              <a:ea typeface="Calibri"/>
+              <a:cs typeface="Calibri"/>
+              <a:sym typeface="Calibri"/>
+            </a:endParaRPr>
+          </a:p>
+        </p:txBody>
+      </p:sp>
+      <p:cxnSp>
+        <p:nvCxnSpPr>
+          <p:cNvPr id="39" name="直接箭头连接符 38"/>
+          <p:cNvCxnSpPr>
+            <a:stCxn id="16" idx="2"/>
+            <a:endCxn id="44" idx="0"/>
+          </p:cNvCxnSpPr>
+          <p:nvPr/>
+        </p:nvCxnSpPr>
+        <p:spPr>
+          <a:xfrm flipH="1">
+            <a:off x="900430" y="1556385"/>
+            <a:ext cx="575945" cy="792480"/>
+          </a:xfrm>
+          <a:prstGeom prst="straightConnector1">
+            <a:avLst/>
+          </a:prstGeom>
+          <a:noFill/>
+          <a:ln w="25400" cap="flat">
+            <a:solidFill>
+              <a:srgbClr val="4F81BD"/>
+            </a:solidFill>
+            <a:prstDash val="solid"/>
+            <a:bevel/>
+            <a:tailEnd type="arrow"/>
+          </a:ln>
+          <a:effectLst>
+            <a:outerShdw blurRad="38100" dist="20000" dir="5400000" rotWithShape="0">
+              <a:srgbClr val="000000">
+                <a:alpha val="38000"/>
+              </a:srgbClr>
+            </a:outerShdw>
+          </a:effectLst>
+        </p:spPr>
+        <p:style>
+          <a:lnRef idx="0">
+            <a:scrgbClr r="0" g="0" b="0"/>
+          </a:lnRef>
+          <a:fillRef idx="0">
+            <a:scrgbClr r="0" g="0" b="0"/>
+          </a:fillRef>
+          <a:effectRef idx="0">
+            <a:scrgbClr r="0" g="0" b="0"/>
+          </a:effectRef>
+          <a:fontRef idx="none"/>
+        </p:style>
+      </p:cxnSp>
+      <p:cxnSp>
+        <p:nvCxnSpPr>
+          <p:cNvPr id="40" name="直接箭头连接符 39"/>
+          <p:cNvCxnSpPr>
+            <a:stCxn id="18" idx="2"/>
+            <a:endCxn id="50" idx="0"/>
+          </p:cNvCxnSpPr>
+          <p:nvPr/>
+        </p:nvCxnSpPr>
+        <p:spPr>
+          <a:xfrm>
+            <a:off x="2052320" y="1556385"/>
+            <a:ext cx="864235" cy="1008380"/>
+          </a:xfrm>
+          <a:prstGeom prst="straightConnector1">
+            <a:avLst/>
+          </a:prstGeom>
+          <a:noFill/>
+          <a:ln w="25400" cap="flat">
+            <a:solidFill>
+              <a:srgbClr val="4F81BD"/>
+            </a:solidFill>
+            <a:prstDash val="solid"/>
+            <a:bevel/>
+            <a:tailEnd type="arrow"/>
+          </a:ln>
+          <a:effectLst>
+            <a:outerShdw blurRad="38100" dist="20000" dir="5400000" rotWithShape="0">
+              <a:srgbClr val="000000">
+                <a:alpha val="38000"/>
+              </a:srgbClr>
+            </a:outerShdw>
+          </a:effectLst>
+        </p:spPr>
+        <p:style>
+          <a:lnRef idx="0">
+            <a:scrgbClr r="0" g="0" b="0"/>
+          </a:lnRef>
+          <a:fillRef idx="0">
+            <a:scrgbClr r="0" g="0" b="0"/>
+          </a:fillRef>
+          <a:effectRef idx="0">
+            <a:scrgbClr r="0" g="0" b="0"/>
+          </a:effectRef>
+          <a:fontRef idx="none"/>
+        </p:style>
+      </p:cxnSp>
+      <p:cxnSp>
+        <p:nvCxnSpPr>
+          <p:cNvPr id="41" name="直接箭头连接符 40"/>
+          <p:cNvCxnSpPr>
+            <a:stCxn id="20" idx="2"/>
+            <a:endCxn id="57" idx="0"/>
+          </p:cNvCxnSpPr>
+          <p:nvPr/>
+        </p:nvCxnSpPr>
+        <p:spPr>
+          <a:xfrm>
+            <a:off x="2628265" y="1556385"/>
+            <a:ext cx="1224280" cy="575945"/>
+          </a:xfrm>
+          <a:prstGeom prst="straightConnector1">
+            <a:avLst/>
+          </a:prstGeom>
+          <a:noFill/>
+          <a:ln w="25400" cap="flat">
+            <a:solidFill>
+              <a:srgbClr val="4F81BD"/>
+            </a:solidFill>
+            <a:prstDash val="solid"/>
+            <a:bevel/>
+            <a:tailEnd type="arrow"/>
+          </a:ln>
+          <a:effectLst>
+            <a:outerShdw blurRad="38100" dist="20000" dir="5400000" rotWithShape="0">
+              <a:srgbClr val="000000">
+                <a:alpha val="38000"/>
+              </a:srgbClr>
+            </a:outerShdw>
+          </a:effectLst>
+        </p:spPr>
+        <p:style>
+          <a:lnRef idx="0">
+            <a:scrgbClr r="0" g="0" b="0"/>
+          </a:lnRef>
+          <a:fillRef idx="0">
+            <a:scrgbClr r="0" g="0" b="0"/>
+          </a:fillRef>
+          <a:effectRef idx="0">
+            <a:scrgbClr r="0" g="0" b="0"/>
+          </a:effectRef>
+          <a:fontRef idx="none"/>
+        </p:style>
+      </p:cxnSp>
+      <p:sp>
+        <p:nvSpPr>
+          <p:cNvPr id="42" name="矩形 41"/>
+          <p:cNvSpPr/>
+          <p:nvPr/>
+        </p:nvSpPr>
+        <p:spPr>
+          <a:xfrm>
+            <a:off x="179705" y="2348865"/>
+            <a:ext cx="288290" cy="215900"/>
+          </a:xfrm>
+          <a:prstGeom prst="rect">
+            <a:avLst/>
+          </a:prstGeom>
+          <a:solidFill>
+            <a:schemeClr val="accent5"/>
+          </a:solidFill>
+          <a:ln w="25400" cap="flat">
+            <a:solidFill>
+              <a:srgbClr val="4F81BD"/>
+            </a:solidFill>
+            <a:prstDash val="solid"/>
+            <a:bevel/>
+          </a:ln>
+          <a:effectLst>
+            <a:outerShdw blurRad="38100" dist="23000" dir="5400000" rotWithShape="0">
+              <a:srgbClr val="000000">
+                <a:alpha val="35000"/>
+              </a:srgbClr>
+            </a:outerShdw>
+          </a:effectLst>
+        </p:spPr>
+        <p:style>
+          <a:lnRef idx="0">
+            <a:scrgbClr r="0" g="0" b="0"/>
+          </a:lnRef>
+          <a:fillRef idx="0">
+            <a:scrgbClr r="0" g="0" b="0"/>
+          </a:fillRef>
+          <a:effectRef idx="0">
+            <a:scrgbClr r="0" g="0" b="0"/>
+          </a:effectRef>
+          <a:fontRef idx="none"/>
+        </p:style>
+        <p:txBody>
+          <a:bodyPr rot="0" vertOverflow="overflow" horzOverflow="overflow" vert="horz" wrap="square" lIns="45719" tIns="45719" rIns="45719" bIns="45719" numCol="1" spcCol="38100" rtlCol="0" anchor="ctr" forceAA="0">
+            <a:spAutoFit/>
+          </a:bodyPr>
+          <a:p>
+            <a:pPr marL="0" marR="0" indent="0" algn="l" defTabSz="914400" rtl="0" fontAlgn="auto" latinLnBrk="1" hangingPunct="0">
+              <a:lnSpc>
+                <a:spcPct val="100000"/>
+              </a:lnSpc>
+              <a:spcBef>
+                <a:spcPts val="0"/>
+              </a:spcBef>
+              <a:spcAft>
+                <a:spcPts val="0"/>
+              </a:spcAft>
+              <a:buClrTx/>
+              <a:buSzTx/>
+              <a:buFontTx/>
+              <a:buNone/>
+            </a:pPr>
+            <a:endParaRPr kumimoji="0" lang="zh-CN" altLang="en-US" sz="1800" b="0" i="0" u="none" strike="noStrike" cap="none" spc="0" normalizeH="0" baseline="0">
+              <a:ln>
+                <a:noFill/>
+              </a:ln>
+              <a:solidFill>
+                <a:srgbClr val="000000"/>
+              </a:solidFill>
+              <a:effectLst/>
+              <a:uFillTx/>
+              <a:latin typeface="Calibri"/>
+              <a:ea typeface="Calibri"/>
+              <a:cs typeface="Calibri"/>
+              <a:sym typeface="Calibri"/>
+            </a:endParaRPr>
+          </a:p>
+        </p:txBody>
+      </p:sp>
+      <p:sp>
+        <p:nvSpPr>
+          <p:cNvPr id="43" name="矩形 42"/>
+          <p:cNvSpPr/>
+          <p:nvPr/>
+        </p:nvSpPr>
+        <p:spPr>
+          <a:xfrm>
+            <a:off x="467995" y="2348865"/>
+            <a:ext cx="288290" cy="215900"/>
+          </a:xfrm>
+          <a:prstGeom prst="rect">
+            <a:avLst/>
+          </a:prstGeom>
+          <a:solidFill>
+            <a:srgbClr val="FFFFFF"/>
+          </a:solidFill>
+          <a:ln w="25400" cap="flat">
+            <a:solidFill>
+              <a:srgbClr val="4F81BD"/>
+            </a:solidFill>
+            <a:prstDash val="solid"/>
+            <a:bevel/>
+          </a:ln>
+          <a:effectLst>
+            <a:outerShdw blurRad="38100" dist="23000" dir="5400000" rotWithShape="0">
+              <a:srgbClr val="000000">
+                <a:alpha val="35000"/>
+              </a:srgbClr>
+            </a:outerShdw>
+          </a:effectLst>
+        </p:spPr>
+        <p:style>
+          <a:lnRef idx="0">
+            <a:scrgbClr r="0" g="0" b="0"/>
+          </a:lnRef>
+          <a:fillRef idx="0">
+            <a:scrgbClr r="0" g="0" b="0"/>
+          </a:fillRef>
+          <a:effectRef idx="0">
+            <a:scrgbClr r="0" g="0" b="0"/>
+          </a:effectRef>
+          <a:fontRef idx="none"/>
+        </p:style>
+        <p:txBody>
+          <a:bodyPr rot="0" vertOverflow="overflow" horzOverflow="overflow" vert="horz" wrap="square" lIns="45719" tIns="45719" rIns="45719" bIns="45719" numCol="1" spcCol="38100" rtlCol="0" anchor="ctr" forceAA="0">
+            <a:spAutoFit/>
+          </a:bodyPr>
+          <a:p>
+            <a:pPr marL="0" marR="0" indent="0" algn="l" defTabSz="914400" rtl="0" fontAlgn="auto" latinLnBrk="1" hangingPunct="0">
+              <a:lnSpc>
+                <a:spcPct val="100000"/>
+              </a:lnSpc>
+              <a:spcBef>
+                <a:spcPts val="0"/>
+              </a:spcBef>
+              <a:spcAft>
+                <a:spcPts val="0"/>
+              </a:spcAft>
+              <a:buClrTx/>
+              <a:buSzTx/>
+              <a:buFontTx/>
+              <a:buNone/>
+            </a:pPr>
+            <a:endParaRPr kumimoji="0" lang="zh-CN" altLang="en-US" sz="1800" b="0" i="0" u="none" strike="noStrike" cap="none" spc="0" normalizeH="0" baseline="0">
+              <a:ln>
+                <a:noFill/>
+              </a:ln>
+              <a:solidFill>
+                <a:srgbClr val="000000"/>
+              </a:solidFill>
+              <a:effectLst/>
+              <a:uFillTx/>
+              <a:latin typeface="Calibri"/>
+              <a:ea typeface="Calibri"/>
+              <a:cs typeface="Calibri"/>
+              <a:sym typeface="Calibri"/>
+            </a:endParaRPr>
+          </a:p>
+        </p:txBody>
+      </p:sp>
+      <p:sp>
+        <p:nvSpPr>
+          <p:cNvPr id="44" name="矩形 43"/>
+          <p:cNvSpPr/>
+          <p:nvPr/>
+        </p:nvSpPr>
+        <p:spPr>
+          <a:xfrm>
+            <a:off x="756285" y="2348865"/>
+            <a:ext cx="288290" cy="215900"/>
+          </a:xfrm>
+          <a:prstGeom prst="rect">
+            <a:avLst/>
+          </a:prstGeom>
+          <a:solidFill>
+            <a:schemeClr val="accent5"/>
+          </a:solidFill>
+          <a:ln w="25400" cap="flat">
+            <a:solidFill>
+              <a:srgbClr val="4F81BD"/>
+            </a:solidFill>
+            <a:prstDash val="solid"/>
+            <a:bevel/>
+          </a:ln>
+          <a:effectLst>
+            <a:outerShdw blurRad="38100" dist="23000" dir="5400000" rotWithShape="0">
+              <a:srgbClr val="000000">
+                <a:alpha val="35000"/>
+              </a:srgbClr>
+            </a:outerShdw>
+          </a:effectLst>
+        </p:spPr>
+        <p:style>
+          <a:lnRef idx="0">
+            <a:scrgbClr r="0" g="0" b="0"/>
+          </a:lnRef>
+          <a:fillRef idx="0">
+            <a:scrgbClr r="0" g="0" b="0"/>
+          </a:fillRef>
+          <a:effectRef idx="0">
+            <a:scrgbClr r="0" g="0" b="0"/>
+          </a:effectRef>
+          <a:fontRef idx="none"/>
+        </p:style>
+        <p:txBody>
+          <a:bodyPr rot="0" vertOverflow="overflow" horzOverflow="overflow" vert="horz" wrap="square" lIns="45719" tIns="45719" rIns="45719" bIns="45719" numCol="1" spcCol="38100" rtlCol="0" anchor="ctr" forceAA="0">
+            <a:spAutoFit/>
+          </a:bodyPr>
+          <a:p>
+            <a:pPr marL="0" marR="0" indent="0" algn="l" defTabSz="914400" rtl="0" fontAlgn="auto" latinLnBrk="1" hangingPunct="0">
+              <a:lnSpc>
+                <a:spcPct val="100000"/>
+              </a:lnSpc>
+              <a:spcBef>
+                <a:spcPts val="0"/>
+              </a:spcBef>
+              <a:spcAft>
+                <a:spcPts val="0"/>
+              </a:spcAft>
+              <a:buClrTx/>
+              <a:buSzTx/>
+              <a:buFontTx/>
+              <a:buNone/>
+            </a:pPr>
+            <a:endParaRPr kumimoji="0" lang="zh-CN" altLang="en-US" sz="1800" b="0" i="0" u="none" strike="noStrike" cap="none" spc="0" normalizeH="0" baseline="0">
+              <a:ln>
+                <a:noFill/>
+              </a:ln>
+              <a:solidFill>
+                <a:srgbClr val="000000"/>
+              </a:solidFill>
+              <a:effectLst/>
+              <a:uFillTx/>
+              <a:latin typeface="Calibri"/>
+              <a:ea typeface="Calibri"/>
+              <a:cs typeface="Calibri"/>
+              <a:sym typeface="Calibri"/>
+            </a:endParaRPr>
+          </a:p>
+        </p:txBody>
+      </p:sp>
+      <p:sp>
+        <p:nvSpPr>
+          <p:cNvPr id="45" name="矩形 44"/>
+          <p:cNvSpPr/>
+          <p:nvPr/>
+        </p:nvSpPr>
+        <p:spPr>
+          <a:xfrm>
+            <a:off x="1043940" y="2348865"/>
+            <a:ext cx="288290" cy="215900"/>
+          </a:xfrm>
+          <a:prstGeom prst="rect">
+            <a:avLst/>
+          </a:prstGeom>
+          <a:solidFill>
+            <a:srgbClr val="FFFFFF"/>
+          </a:solidFill>
+          <a:ln w="25400" cap="flat">
+            <a:solidFill>
+              <a:srgbClr val="4F81BD"/>
+            </a:solidFill>
+            <a:prstDash val="solid"/>
+            <a:bevel/>
+          </a:ln>
+          <a:effectLst>
+            <a:outerShdw blurRad="38100" dist="23000" dir="5400000" rotWithShape="0">
+              <a:srgbClr val="000000">
+                <a:alpha val="35000"/>
+              </a:srgbClr>
+            </a:outerShdw>
+          </a:effectLst>
+        </p:spPr>
+        <p:style>
+          <a:lnRef idx="0">
+            <a:scrgbClr r="0" g="0" b="0"/>
+          </a:lnRef>
+          <a:fillRef idx="0">
+            <a:scrgbClr r="0" g="0" b="0"/>
+          </a:fillRef>
+          <a:effectRef idx="0">
+            <a:scrgbClr r="0" g="0" b="0"/>
+          </a:effectRef>
+          <a:fontRef idx="none"/>
+        </p:style>
+        <p:txBody>
+          <a:bodyPr rot="0" vertOverflow="overflow" horzOverflow="overflow" vert="horz" wrap="square" lIns="45719" tIns="45719" rIns="45719" bIns="45719" numCol="1" spcCol="38100" rtlCol="0" anchor="ctr" forceAA="0">
+            <a:spAutoFit/>
+          </a:bodyPr>
+          <a:p>
+            <a:pPr marL="0" marR="0" indent="0" algn="l" defTabSz="914400" rtl="0" fontAlgn="auto" latinLnBrk="1" hangingPunct="0">
+              <a:lnSpc>
+                <a:spcPct val="100000"/>
+              </a:lnSpc>
+              <a:spcBef>
+                <a:spcPts val="0"/>
+              </a:spcBef>
+              <a:spcAft>
+                <a:spcPts val="0"/>
+              </a:spcAft>
+              <a:buClrTx/>
+              <a:buSzTx/>
+              <a:buFontTx/>
+              <a:buNone/>
+            </a:pPr>
+            <a:endParaRPr kumimoji="0" lang="zh-CN" altLang="en-US" sz="1800" b="0" i="0" u="none" strike="noStrike" cap="none" spc="0" normalizeH="0" baseline="0">
+              <a:ln>
+                <a:noFill/>
+              </a:ln>
+              <a:solidFill>
+                <a:srgbClr val="000000"/>
+              </a:solidFill>
+              <a:effectLst/>
+              <a:uFillTx/>
+              <a:latin typeface="Calibri"/>
+              <a:ea typeface="Calibri"/>
+              <a:cs typeface="Calibri"/>
+              <a:sym typeface="Calibri"/>
+            </a:endParaRPr>
+          </a:p>
+        </p:txBody>
+      </p:sp>
+      <p:sp>
+        <p:nvSpPr>
+          <p:cNvPr id="46" name="矩形 45"/>
+          <p:cNvSpPr/>
+          <p:nvPr/>
+        </p:nvSpPr>
+        <p:spPr>
+          <a:xfrm>
+            <a:off x="1332230" y="2348865"/>
+            <a:ext cx="288290" cy="215900"/>
+          </a:xfrm>
+          <a:prstGeom prst="rect">
+            <a:avLst/>
+          </a:prstGeom>
+          <a:solidFill>
+            <a:schemeClr val="accent5"/>
+          </a:solidFill>
+          <a:ln w="25400" cap="flat">
+            <a:solidFill>
+              <a:srgbClr val="4F81BD"/>
+            </a:solidFill>
+            <a:prstDash val="solid"/>
+            <a:bevel/>
+          </a:ln>
+          <a:effectLst>
+            <a:outerShdw blurRad="38100" dist="23000" dir="5400000" rotWithShape="0">
+              <a:srgbClr val="000000">
+                <a:alpha val="35000"/>
+              </a:srgbClr>
+            </a:outerShdw>
+          </a:effectLst>
+        </p:spPr>
+        <p:style>
+          <a:lnRef idx="0">
+            <a:scrgbClr r="0" g="0" b="0"/>
+          </a:lnRef>
+          <a:fillRef idx="0">
+            <a:scrgbClr r="0" g="0" b="0"/>
+          </a:fillRef>
+          <a:effectRef idx="0">
+            <a:scrgbClr r="0" g="0" b="0"/>
+          </a:effectRef>
+          <a:fontRef idx="none"/>
+        </p:style>
+        <p:txBody>
+          <a:bodyPr rot="0" vertOverflow="overflow" horzOverflow="overflow" vert="horz" wrap="square" lIns="45719" tIns="45719" rIns="45719" bIns="45719" numCol="1" spcCol="38100" rtlCol="0" anchor="ctr" forceAA="0">
+            <a:spAutoFit/>
+          </a:bodyPr>
+          <a:p>
+            <a:pPr marL="0" marR="0" indent="0" algn="l" defTabSz="914400" rtl="0" fontAlgn="auto" latinLnBrk="1" hangingPunct="0">
+              <a:lnSpc>
+                <a:spcPct val="100000"/>
+              </a:lnSpc>
+              <a:spcBef>
+                <a:spcPts val="0"/>
+              </a:spcBef>
+              <a:spcAft>
+                <a:spcPts val="0"/>
+              </a:spcAft>
+              <a:buClrTx/>
+              <a:buSzTx/>
+              <a:buFontTx/>
+              <a:buNone/>
+            </a:pPr>
+            <a:endParaRPr kumimoji="0" lang="zh-CN" altLang="en-US" sz="1800" b="0" i="0" u="none" strike="noStrike" cap="none" spc="0" normalizeH="0" baseline="0">
+              <a:ln>
+                <a:noFill/>
+              </a:ln>
+              <a:solidFill>
+                <a:srgbClr val="000000"/>
+              </a:solidFill>
+              <a:effectLst/>
+              <a:uFillTx/>
+              <a:latin typeface="Calibri"/>
+              <a:ea typeface="Calibri"/>
+              <a:cs typeface="Calibri"/>
+              <a:sym typeface="Calibri"/>
+            </a:endParaRPr>
+          </a:p>
+        </p:txBody>
+      </p:sp>
+      <p:sp>
+        <p:nvSpPr>
+          <p:cNvPr id="47" name="矩形 46"/>
+          <p:cNvSpPr/>
+          <p:nvPr/>
+        </p:nvSpPr>
+        <p:spPr>
+          <a:xfrm>
+            <a:off x="1619885" y="2348865"/>
+            <a:ext cx="288290" cy="215900"/>
+          </a:xfrm>
+          <a:prstGeom prst="rect">
+            <a:avLst/>
+          </a:prstGeom>
+          <a:solidFill>
+            <a:srgbClr val="FFFFFF"/>
+          </a:solidFill>
+          <a:ln w="25400" cap="flat">
+            <a:solidFill>
+              <a:srgbClr val="4F81BD"/>
+            </a:solidFill>
+            <a:prstDash val="solid"/>
+            <a:bevel/>
+          </a:ln>
+          <a:effectLst>
+            <a:outerShdw blurRad="38100" dist="23000" dir="5400000" rotWithShape="0">
+              <a:srgbClr val="000000">
+                <a:alpha val="35000"/>
+              </a:srgbClr>
+            </a:outerShdw>
+          </a:effectLst>
+        </p:spPr>
+        <p:style>
+          <a:lnRef idx="0">
+            <a:scrgbClr r="0" g="0" b="0"/>
+          </a:lnRef>
+          <a:fillRef idx="0">
+            <a:scrgbClr r="0" g="0" b="0"/>
+          </a:fillRef>
+          <a:effectRef idx="0">
+            <a:scrgbClr r="0" g="0" b="0"/>
+          </a:effectRef>
+          <a:fontRef idx="none"/>
+        </p:style>
+        <p:txBody>
+          <a:bodyPr rot="0" vertOverflow="overflow" horzOverflow="overflow" vert="horz" wrap="square" lIns="45719" tIns="45719" rIns="45719" bIns="45719" numCol="1" spcCol="38100" rtlCol="0" anchor="ctr" forceAA="0">
+            <a:spAutoFit/>
+          </a:bodyPr>
+          <a:p>
+            <a:pPr marL="0" marR="0" indent="0" algn="l" defTabSz="914400" rtl="0" fontAlgn="auto" latinLnBrk="1" hangingPunct="0">
+              <a:lnSpc>
+                <a:spcPct val="100000"/>
+              </a:lnSpc>
+              <a:spcBef>
+                <a:spcPts val="0"/>
+              </a:spcBef>
+              <a:spcAft>
+                <a:spcPts val="0"/>
+              </a:spcAft>
+              <a:buClrTx/>
+              <a:buSzTx/>
+              <a:buFontTx/>
+              <a:buNone/>
+            </a:pPr>
+            <a:endParaRPr kumimoji="0" lang="zh-CN" altLang="en-US" sz="1800" b="0" i="0" u="none" strike="noStrike" cap="none" spc="0" normalizeH="0" baseline="0">
+              <a:ln>
+                <a:noFill/>
+              </a:ln>
+              <a:solidFill>
+                <a:srgbClr val="000000"/>
+              </a:solidFill>
+              <a:effectLst/>
+              <a:uFillTx/>
+              <a:latin typeface="Calibri"/>
+              <a:ea typeface="Calibri"/>
+              <a:cs typeface="Calibri"/>
+              <a:sym typeface="Calibri"/>
+            </a:endParaRPr>
+          </a:p>
+        </p:txBody>
+      </p:sp>
+      <p:sp>
+        <p:nvSpPr>
+          <p:cNvPr id="48" name="矩形 47"/>
+          <p:cNvSpPr/>
+          <p:nvPr/>
+        </p:nvSpPr>
+        <p:spPr>
+          <a:xfrm>
+            <a:off x="2195830" y="2564765"/>
+            <a:ext cx="288290" cy="215900"/>
+          </a:xfrm>
+          <a:prstGeom prst="rect">
+            <a:avLst/>
+          </a:prstGeom>
+          <a:solidFill>
+            <a:schemeClr val="accent5"/>
+          </a:solidFill>
+          <a:ln w="25400" cap="flat">
+            <a:solidFill>
+              <a:srgbClr val="4F81BD"/>
+            </a:solidFill>
+            <a:prstDash val="solid"/>
+            <a:bevel/>
+          </a:ln>
+          <a:effectLst>
+            <a:outerShdw blurRad="38100" dist="23000" dir="5400000" rotWithShape="0">
+              <a:srgbClr val="000000">
+                <a:alpha val="35000"/>
+              </a:srgbClr>
+            </a:outerShdw>
+          </a:effectLst>
+        </p:spPr>
+        <p:style>
+          <a:lnRef idx="0">
+            <a:scrgbClr r="0" g="0" b="0"/>
+          </a:lnRef>
+          <a:fillRef idx="0">
+            <a:scrgbClr r="0" g="0" b="0"/>
+          </a:fillRef>
+          <a:effectRef idx="0">
+            <a:scrgbClr r="0" g="0" b="0"/>
+          </a:effectRef>
+          <a:fontRef idx="none"/>
+        </p:style>
+        <p:txBody>
+          <a:bodyPr rot="0" vertOverflow="overflow" horzOverflow="overflow" vert="horz" wrap="square" lIns="45719" tIns="45719" rIns="45719" bIns="45719" numCol="1" spcCol="38100" rtlCol="0" anchor="ctr" forceAA="0">
+            <a:spAutoFit/>
+          </a:bodyPr>
+          <a:p>
+            <a:pPr marL="0" marR="0" indent="0" algn="l" defTabSz="914400" rtl="0" fontAlgn="auto" latinLnBrk="1" hangingPunct="0">
+              <a:lnSpc>
+                <a:spcPct val="100000"/>
+              </a:lnSpc>
+              <a:spcBef>
+                <a:spcPts val="0"/>
+              </a:spcBef>
+              <a:spcAft>
+                <a:spcPts val="0"/>
+              </a:spcAft>
+              <a:buClrTx/>
+              <a:buSzTx/>
+              <a:buFontTx/>
+              <a:buNone/>
+            </a:pPr>
+            <a:endParaRPr kumimoji="0" lang="zh-CN" altLang="en-US" sz="1800" b="0" i="0" u="none" strike="noStrike" cap="none" spc="0" normalizeH="0" baseline="0">
+              <a:ln>
+                <a:noFill/>
+              </a:ln>
+              <a:solidFill>
+                <a:srgbClr val="000000"/>
+              </a:solidFill>
+              <a:effectLst/>
+              <a:uFillTx/>
+              <a:latin typeface="Calibri"/>
+              <a:ea typeface="Calibri"/>
+              <a:cs typeface="Calibri"/>
+              <a:sym typeface="Calibri"/>
+            </a:endParaRPr>
+          </a:p>
+        </p:txBody>
+      </p:sp>
+      <p:sp>
+        <p:nvSpPr>
+          <p:cNvPr id="49" name="矩形 48"/>
+          <p:cNvSpPr/>
+          <p:nvPr/>
+        </p:nvSpPr>
+        <p:spPr>
+          <a:xfrm>
+            <a:off x="2484120" y="2564765"/>
+            <a:ext cx="288290" cy="215900"/>
+          </a:xfrm>
+          <a:prstGeom prst="rect">
+            <a:avLst/>
+          </a:prstGeom>
+          <a:solidFill>
+            <a:srgbClr val="FFFFFF"/>
+          </a:solidFill>
+          <a:ln w="25400" cap="flat">
+            <a:solidFill>
+              <a:srgbClr val="4F81BD"/>
+            </a:solidFill>
+            <a:prstDash val="solid"/>
+            <a:bevel/>
+          </a:ln>
+          <a:effectLst>
+            <a:outerShdw blurRad="38100" dist="23000" dir="5400000" rotWithShape="0">
+              <a:srgbClr val="000000">
+                <a:alpha val="35000"/>
+              </a:srgbClr>
+            </a:outerShdw>
+          </a:effectLst>
+        </p:spPr>
+        <p:style>
+          <a:lnRef idx="0">
+            <a:scrgbClr r="0" g="0" b="0"/>
+          </a:lnRef>
+          <a:fillRef idx="0">
+            <a:scrgbClr r="0" g="0" b="0"/>
+          </a:fillRef>
+          <a:effectRef idx="0">
+            <a:scrgbClr r="0" g="0" b="0"/>
+          </a:effectRef>
+          <a:fontRef idx="none"/>
+        </p:style>
+        <p:txBody>
+          <a:bodyPr rot="0" vertOverflow="overflow" horzOverflow="overflow" vert="horz" wrap="square" lIns="45719" tIns="45719" rIns="45719" bIns="45719" numCol="1" spcCol="38100" rtlCol="0" anchor="ctr" forceAA="0">
+            <a:spAutoFit/>
+          </a:bodyPr>
+          <a:p>
+            <a:pPr marL="0" marR="0" indent="0" algn="l" defTabSz="914400" rtl="0" fontAlgn="auto" latinLnBrk="1" hangingPunct="0">
+              <a:lnSpc>
+                <a:spcPct val="100000"/>
+              </a:lnSpc>
+              <a:spcBef>
+                <a:spcPts val="0"/>
+              </a:spcBef>
+              <a:spcAft>
+                <a:spcPts val="0"/>
+              </a:spcAft>
+              <a:buClrTx/>
+              <a:buSzTx/>
+              <a:buFontTx/>
+              <a:buNone/>
+            </a:pPr>
+            <a:endParaRPr kumimoji="0" lang="zh-CN" altLang="en-US" sz="1800" b="0" i="0" u="none" strike="noStrike" cap="none" spc="0" normalizeH="0" baseline="0">
+              <a:ln>
+                <a:noFill/>
+              </a:ln>
+              <a:solidFill>
+                <a:srgbClr val="000000"/>
+              </a:solidFill>
+              <a:effectLst/>
+              <a:uFillTx/>
+              <a:latin typeface="Calibri"/>
+              <a:ea typeface="Calibri"/>
+              <a:cs typeface="Calibri"/>
+              <a:sym typeface="Calibri"/>
+            </a:endParaRPr>
+          </a:p>
+        </p:txBody>
+      </p:sp>
+      <p:sp>
+        <p:nvSpPr>
+          <p:cNvPr id="50" name="矩形 49"/>
+          <p:cNvSpPr/>
+          <p:nvPr/>
+        </p:nvSpPr>
+        <p:spPr>
+          <a:xfrm>
+            <a:off x="2772410" y="2564765"/>
+            <a:ext cx="288290" cy="215900"/>
+          </a:xfrm>
+          <a:prstGeom prst="rect">
+            <a:avLst/>
+          </a:prstGeom>
+          <a:solidFill>
+            <a:schemeClr val="accent5"/>
+          </a:solidFill>
+          <a:ln w="25400" cap="flat">
+            <a:solidFill>
+              <a:srgbClr val="4F81BD"/>
+            </a:solidFill>
+            <a:prstDash val="solid"/>
+            <a:bevel/>
+          </a:ln>
+          <a:effectLst>
+            <a:outerShdw blurRad="38100" dist="23000" dir="5400000" rotWithShape="0">
+              <a:srgbClr val="000000">
+                <a:alpha val="35000"/>
+              </a:srgbClr>
+            </a:outerShdw>
+          </a:effectLst>
+        </p:spPr>
+        <p:style>
+          <a:lnRef idx="0">
+            <a:scrgbClr r="0" g="0" b="0"/>
+          </a:lnRef>
+          <a:fillRef idx="0">
+            <a:scrgbClr r="0" g="0" b="0"/>
+          </a:fillRef>
+          <a:effectRef idx="0">
+            <a:scrgbClr r="0" g="0" b="0"/>
+          </a:effectRef>
+          <a:fontRef idx="none"/>
+        </p:style>
+        <p:txBody>
+          <a:bodyPr rot="0" vertOverflow="overflow" horzOverflow="overflow" vert="horz" wrap="square" lIns="45719" tIns="45719" rIns="45719" bIns="45719" numCol="1" spcCol="38100" rtlCol="0" anchor="ctr" forceAA="0">
+            <a:spAutoFit/>
+          </a:bodyPr>
+          <a:p>
+            <a:pPr marL="0" marR="0" indent="0" algn="l" defTabSz="914400" rtl="0" fontAlgn="auto" latinLnBrk="1" hangingPunct="0">
+              <a:lnSpc>
+                <a:spcPct val="100000"/>
+              </a:lnSpc>
+              <a:spcBef>
+                <a:spcPts val="0"/>
+              </a:spcBef>
+              <a:spcAft>
+                <a:spcPts val="0"/>
+              </a:spcAft>
+              <a:buClrTx/>
+              <a:buSzTx/>
+              <a:buFontTx/>
+              <a:buNone/>
+            </a:pPr>
+            <a:endParaRPr kumimoji="0" lang="zh-CN" altLang="en-US" sz="1800" b="0" i="0" u="none" strike="noStrike" cap="none" spc="0" normalizeH="0" baseline="0">
+              <a:ln>
+                <a:noFill/>
+              </a:ln>
+              <a:solidFill>
+                <a:srgbClr val="000000"/>
+              </a:solidFill>
+              <a:effectLst/>
+              <a:uFillTx/>
+              <a:latin typeface="Calibri"/>
+              <a:ea typeface="Calibri"/>
+              <a:cs typeface="Calibri"/>
+              <a:sym typeface="Calibri"/>
+            </a:endParaRPr>
+          </a:p>
+        </p:txBody>
+      </p:sp>
+      <p:sp>
+        <p:nvSpPr>
+          <p:cNvPr id="51" name="矩形 50"/>
+          <p:cNvSpPr/>
+          <p:nvPr/>
+        </p:nvSpPr>
+        <p:spPr>
+          <a:xfrm>
+            <a:off x="3060065" y="2564765"/>
+            <a:ext cx="288290" cy="215900"/>
+          </a:xfrm>
+          <a:prstGeom prst="rect">
+            <a:avLst/>
+          </a:prstGeom>
+          <a:solidFill>
+            <a:srgbClr val="FFFFFF"/>
+          </a:solidFill>
+          <a:ln w="25400" cap="flat">
+            <a:solidFill>
+              <a:srgbClr val="4F81BD"/>
+            </a:solidFill>
+            <a:prstDash val="solid"/>
+            <a:bevel/>
+          </a:ln>
+          <a:effectLst>
+            <a:outerShdw blurRad="38100" dist="23000" dir="5400000" rotWithShape="0">
+              <a:srgbClr val="000000">
+                <a:alpha val="35000"/>
+              </a:srgbClr>
+            </a:outerShdw>
+          </a:effectLst>
+        </p:spPr>
+        <p:style>
+          <a:lnRef idx="0">
+            <a:scrgbClr r="0" g="0" b="0"/>
+          </a:lnRef>
+          <a:fillRef idx="0">
+            <a:scrgbClr r="0" g="0" b="0"/>
+          </a:fillRef>
+          <a:effectRef idx="0">
+            <a:scrgbClr r="0" g="0" b="0"/>
+          </a:effectRef>
+          <a:fontRef idx="none"/>
+        </p:style>
+        <p:txBody>
+          <a:bodyPr rot="0" vertOverflow="overflow" horzOverflow="overflow" vert="horz" wrap="square" lIns="45719" tIns="45719" rIns="45719" bIns="45719" numCol="1" spcCol="38100" rtlCol="0" anchor="ctr" forceAA="0">
+            <a:spAutoFit/>
+          </a:bodyPr>
+          <a:p>
+            <a:pPr marL="0" marR="0" indent="0" algn="l" defTabSz="914400" rtl="0" fontAlgn="auto" latinLnBrk="1" hangingPunct="0">
+              <a:lnSpc>
+                <a:spcPct val="100000"/>
+              </a:lnSpc>
+              <a:spcBef>
+                <a:spcPts val="0"/>
+              </a:spcBef>
+              <a:spcAft>
+                <a:spcPts val="0"/>
+              </a:spcAft>
+              <a:buClrTx/>
+              <a:buSzTx/>
+              <a:buFontTx/>
+              <a:buNone/>
+            </a:pPr>
+            <a:endParaRPr kumimoji="0" lang="zh-CN" altLang="en-US" sz="1800" b="0" i="0" u="none" strike="noStrike" cap="none" spc="0" normalizeH="0" baseline="0">
+              <a:ln>
+                <a:noFill/>
+              </a:ln>
+              <a:solidFill>
+                <a:srgbClr val="000000"/>
+              </a:solidFill>
+              <a:effectLst/>
+              <a:uFillTx/>
+              <a:latin typeface="Calibri"/>
+              <a:ea typeface="Calibri"/>
+              <a:cs typeface="Calibri"/>
+              <a:sym typeface="Calibri"/>
+            </a:endParaRPr>
+          </a:p>
+        </p:txBody>
+      </p:sp>
+      <p:sp>
+        <p:nvSpPr>
+          <p:cNvPr id="54" name="矩形 53"/>
+          <p:cNvSpPr/>
+          <p:nvPr/>
+        </p:nvSpPr>
+        <p:spPr>
+          <a:xfrm>
+            <a:off x="3348355" y="2564765"/>
+            <a:ext cx="288290" cy="215900"/>
+          </a:xfrm>
+          <a:prstGeom prst="rect">
+            <a:avLst/>
+          </a:prstGeom>
+          <a:solidFill>
+            <a:schemeClr val="accent5"/>
+          </a:solidFill>
+          <a:ln w="25400" cap="flat">
+            <a:solidFill>
+              <a:srgbClr val="4F81BD"/>
+            </a:solidFill>
+            <a:prstDash val="solid"/>
+            <a:bevel/>
+          </a:ln>
+          <a:effectLst>
+            <a:outerShdw blurRad="38100" dist="23000" dir="5400000" rotWithShape="0">
+              <a:srgbClr val="000000">
+                <a:alpha val="35000"/>
+              </a:srgbClr>
+            </a:outerShdw>
+          </a:effectLst>
+        </p:spPr>
+        <p:style>
+          <a:lnRef idx="0">
+            <a:scrgbClr r="0" g="0" b="0"/>
+          </a:lnRef>
+          <a:fillRef idx="0">
+            <a:scrgbClr r="0" g="0" b="0"/>
+          </a:fillRef>
+          <a:effectRef idx="0">
+            <a:scrgbClr r="0" g="0" b="0"/>
+          </a:effectRef>
+          <a:fontRef idx="none"/>
+        </p:style>
+        <p:txBody>
+          <a:bodyPr rot="0" vertOverflow="overflow" horzOverflow="overflow" vert="horz" wrap="square" lIns="45719" tIns="45719" rIns="45719" bIns="45719" numCol="1" spcCol="38100" rtlCol="0" anchor="ctr" forceAA="0">
+            <a:spAutoFit/>
+          </a:bodyPr>
+          <a:p>
+            <a:pPr marL="0" marR="0" indent="0" algn="l" defTabSz="914400" rtl="0" fontAlgn="auto" latinLnBrk="1" hangingPunct="0">
+              <a:lnSpc>
+                <a:spcPct val="100000"/>
+              </a:lnSpc>
+              <a:spcBef>
+                <a:spcPts val="0"/>
+              </a:spcBef>
+              <a:spcAft>
+                <a:spcPts val="0"/>
+              </a:spcAft>
+              <a:buClrTx/>
+              <a:buSzTx/>
+              <a:buFontTx/>
+              <a:buNone/>
+            </a:pPr>
+            <a:endParaRPr kumimoji="0" lang="zh-CN" altLang="en-US" sz="1800" b="0" i="0" u="none" strike="noStrike" cap="none" spc="0" normalizeH="0" baseline="0">
+              <a:ln>
+                <a:noFill/>
+              </a:ln>
+              <a:solidFill>
+                <a:srgbClr val="000000"/>
+              </a:solidFill>
+              <a:effectLst/>
+              <a:uFillTx/>
+              <a:latin typeface="Calibri"/>
+              <a:ea typeface="Calibri"/>
+              <a:cs typeface="Calibri"/>
+              <a:sym typeface="Calibri"/>
+            </a:endParaRPr>
+          </a:p>
+        </p:txBody>
+      </p:sp>
+      <p:sp>
+        <p:nvSpPr>
+          <p:cNvPr id="55" name="矩形 54"/>
+          <p:cNvSpPr/>
+          <p:nvPr/>
+        </p:nvSpPr>
+        <p:spPr>
+          <a:xfrm>
+            <a:off x="3636010" y="2564765"/>
+            <a:ext cx="288290" cy="215900"/>
+          </a:xfrm>
+          <a:prstGeom prst="rect">
+            <a:avLst/>
+          </a:prstGeom>
+          <a:solidFill>
+            <a:srgbClr val="FFFFFF"/>
+          </a:solidFill>
+          <a:ln w="25400" cap="flat">
+            <a:solidFill>
+              <a:srgbClr val="4F81BD"/>
+            </a:solidFill>
+            <a:prstDash val="solid"/>
+            <a:bevel/>
+          </a:ln>
+          <a:effectLst>
+            <a:outerShdw blurRad="38100" dist="23000" dir="5400000" rotWithShape="0">
+              <a:srgbClr val="000000">
+                <a:alpha val="35000"/>
+              </a:srgbClr>
+            </a:outerShdw>
+          </a:effectLst>
+        </p:spPr>
+        <p:style>
+          <a:lnRef idx="0">
+            <a:scrgbClr r="0" g="0" b="0"/>
+          </a:lnRef>
+          <a:fillRef idx="0">
+            <a:scrgbClr r="0" g="0" b="0"/>
+          </a:fillRef>
+          <a:effectRef idx="0">
+            <a:scrgbClr r="0" g="0" b="0"/>
+          </a:effectRef>
+          <a:fontRef idx="none"/>
+        </p:style>
+        <p:txBody>
+          <a:bodyPr rot="0" vertOverflow="overflow" horzOverflow="overflow" vert="horz" wrap="square" lIns="45719" tIns="45719" rIns="45719" bIns="45719" numCol="1" spcCol="38100" rtlCol="0" anchor="ctr" forceAA="0">
+            <a:spAutoFit/>
+          </a:bodyPr>
+          <a:p>
+            <a:pPr marL="0" marR="0" indent="0" algn="l" defTabSz="914400" rtl="0" fontAlgn="auto" latinLnBrk="1" hangingPunct="0">
+              <a:lnSpc>
+                <a:spcPct val="100000"/>
+              </a:lnSpc>
+              <a:spcBef>
+                <a:spcPts val="0"/>
+              </a:spcBef>
+              <a:spcAft>
+                <a:spcPts val="0"/>
+              </a:spcAft>
+              <a:buClrTx/>
+              <a:buSzTx/>
+              <a:buFontTx/>
+              <a:buNone/>
+            </a:pPr>
+            <a:endParaRPr kumimoji="0" lang="zh-CN" altLang="en-US" sz="1800" b="0" i="0" u="none" strike="noStrike" cap="none" spc="0" normalizeH="0" baseline="0">
+              <a:ln>
+                <a:noFill/>
+              </a:ln>
+              <a:solidFill>
+                <a:srgbClr val="000000"/>
+              </a:solidFill>
+              <a:effectLst/>
+              <a:uFillTx/>
+              <a:latin typeface="Calibri"/>
+              <a:ea typeface="Calibri"/>
+              <a:cs typeface="Calibri"/>
+              <a:sym typeface="Calibri"/>
+            </a:endParaRPr>
+          </a:p>
+        </p:txBody>
+      </p:sp>
+      <p:sp>
+        <p:nvSpPr>
+          <p:cNvPr id="56" name="矩形 55"/>
+          <p:cNvSpPr/>
+          <p:nvPr/>
+        </p:nvSpPr>
+        <p:spPr>
+          <a:xfrm>
+            <a:off x="3420110" y="2132330"/>
+            <a:ext cx="288290" cy="215900"/>
+          </a:xfrm>
+          <a:prstGeom prst="rect">
+            <a:avLst/>
+          </a:prstGeom>
+          <a:solidFill>
+            <a:schemeClr val="accent5"/>
+          </a:solidFill>
+          <a:ln w="25400" cap="flat">
+            <a:solidFill>
+              <a:srgbClr val="4F81BD"/>
+            </a:solidFill>
+            <a:prstDash val="solid"/>
+            <a:bevel/>
+          </a:ln>
+          <a:effectLst>
+            <a:outerShdw blurRad="38100" dist="23000" dir="5400000" rotWithShape="0">
+              <a:srgbClr val="000000">
+                <a:alpha val="35000"/>
+              </a:srgbClr>
+            </a:outerShdw>
+          </a:effectLst>
+        </p:spPr>
+        <p:style>
+          <a:lnRef idx="0">
+            <a:scrgbClr r="0" g="0" b="0"/>
+          </a:lnRef>
+          <a:fillRef idx="0">
+            <a:scrgbClr r="0" g="0" b="0"/>
+          </a:fillRef>
+          <a:effectRef idx="0">
+            <a:scrgbClr r="0" g="0" b="0"/>
+          </a:effectRef>
+          <a:fontRef idx="none"/>
+        </p:style>
+        <p:txBody>
+          <a:bodyPr rot="0" vertOverflow="overflow" horzOverflow="overflow" vert="horz" wrap="square" lIns="45719" tIns="45719" rIns="45719" bIns="45719" numCol="1" spcCol="38100" rtlCol="0" anchor="ctr" forceAA="0">
+            <a:spAutoFit/>
+          </a:bodyPr>
+          <a:p>
+            <a:pPr marL="0" marR="0" indent="0" algn="l" defTabSz="914400" rtl="0" fontAlgn="auto" latinLnBrk="1" hangingPunct="0">
+              <a:lnSpc>
+                <a:spcPct val="100000"/>
+              </a:lnSpc>
+              <a:spcBef>
+                <a:spcPts val="0"/>
+              </a:spcBef>
+              <a:spcAft>
+                <a:spcPts val="0"/>
+              </a:spcAft>
+              <a:buClrTx/>
+              <a:buSzTx/>
+              <a:buFontTx/>
+              <a:buNone/>
+            </a:pPr>
+            <a:endParaRPr kumimoji="0" lang="zh-CN" altLang="en-US" sz="1800" b="0" i="0" u="none" strike="noStrike" cap="none" spc="0" normalizeH="0" baseline="0">
+              <a:ln>
+                <a:noFill/>
+              </a:ln>
+              <a:solidFill>
+                <a:srgbClr val="000000"/>
+              </a:solidFill>
+              <a:effectLst/>
+              <a:uFillTx/>
+              <a:latin typeface="Calibri"/>
+              <a:ea typeface="Calibri"/>
+              <a:cs typeface="Calibri"/>
+              <a:sym typeface="Calibri"/>
+            </a:endParaRPr>
+          </a:p>
+        </p:txBody>
+      </p:sp>
+      <p:sp>
+        <p:nvSpPr>
+          <p:cNvPr id="57" name="矩形 56"/>
+          <p:cNvSpPr/>
+          <p:nvPr/>
+        </p:nvSpPr>
+        <p:spPr>
+          <a:xfrm>
+            <a:off x="3708400" y="2132330"/>
+            <a:ext cx="288290" cy="215900"/>
+          </a:xfrm>
+          <a:prstGeom prst="rect">
+            <a:avLst/>
+          </a:prstGeom>
+          <a:solidFill>
+            <a:srgbClr val="FFFFFF"/>
+          </a:solidFill>
+          <a:ln w="25400" cap="flat">
+            <a:solidFill>
+              <a:srgbClr val="4F81BD"/>
+            </a:solidFill>
+            <a:prstDash val="solid"/>
+            <a:bevel/>
+          </a:ln>
+          <a:effectLst>
+            <a:outerShdw blurRad="38100" dist="23000" dir="5400000" rotWithShape="0">
+              <a:srgbClr val="000000">
+                <a:alpha val="35000"/>
+              </a:srgbClr>
+            </a:outerShdw>
+          </a:effectLst>
+        </p:spPr>
+        <p:style>
+          <a:lnRef idx="0">
+            <a:scrgbClr r="0" g="0" b="0"/>
+          </a:lnRef>
+          <a:fillRef idx="0">
+            <a:scrgbClr r="0" g="0" b="0"/>
+          </a:fillRef>
+          <a:effectRef idx="0">
+            <a:scrgbClr r="0" g="0" b="0"/>
+          </a:effectRef>
+          <a:fontRef idx="none"/>
+        </p:style>
+        <p:txBody>
+          <a:bodyPr rot="0" vertOverflow="overflow" horzOverflow="overflow" vert="horz" wrap="square" lIns="45719" tIns="45719" rIns="45719" bIns="45719" numCol="1" spcCol="38100" rtlCol="0" anchor="ctr" forceAA="0">
+            <a:spAutoFit/>
+          </a:bodyPr>
+          <a:p>
+            <a:pPr marL="0" marR="0" indent="0" algn="l" defTabSz="914400" rtl="0" fontAlgn="auto" latinLnBrk="1" hangingPunct="0">
+              <a:lnSpc>
+                <a:spcPct val="100000"/>
+              </a:lnSpc>
+              <a:spcBef>
+                <a:spcPts val="0"/>
+              </a:spcBef>
+              <a:spcAft>
+                <a:spcPts val="0"/>
+              </a:spcAft>
+              <a:buClrTx/>
+              <a:buSzTx/>
+              <a:buFontTx/>
+              <a:buNone/>
+            </a:pPr>
+            <a:endParaRPr kumimoji="0" lang="zh-CN" altLang="en-US" sz="1800" b="0" i="0" u="none" strike="noStrike" cap="none" spc="0" normalizeH="0" baseline="0">
+              <a:ln>
+                <a:noFill/>
+              </a:ln>
+              <a:solidFill>
+                <a:srgbClr val="000000"/>
+              </a:solidFill>
+              <a:effectLst/>
+              <a:uFillTx/>
+              <a:latin typeface="Calibri"/>
+              <a:ea typeface="Calibri"/>
+              <a:cs typeface="Calibri"/>
+              <a:sym typeface="Calibri"/>
+            </a:endParaRPr>
+          </a:p>
+        </p:txBody>
+      </p:sp>
+      <p:sp>
+        <p:nvSpPr>
+          <p:cNvPr id="58" name="矩形 57"/>
+          <p:cNvSpPr/>
+          <p:nvPr/>
+        </p:nvSpPr>
+        <p:spPr>
+          <a:xfrm>
+            <a:off x="3996690" y="2132330"/>
+            <a:ext cx="288290" cy="215900"/>
+          </a:xfrm>
+          <a:prstGeom prst="rect">
+            <a:avLst/>
+          </a:prstGeom>
+          <a:solidFill>
+            <a:schemeClr val="accent5"/>
+          </a:solidFill>
+          <a:ln w="25400" cap="flat">
+            <a:solidFill>
+              <a:srgbClr val="4F81BD"/>
+            </a:solidFill>
+            <a:prstDash val="solid"/>
+            <a:bevel/>
+          </a:ln>
+          <a:effectLst>
+            <a:outerShdw blurRad="38100" dist="23000" dir="5400000" rotWithShape="0">
+              <a:srgbClr val="000000">
+                <a:alpha val="35000"/>
+              </a:srgbClr>
+            </a:outerShdw>
+          </a:effectLst>
+        </p:spPr>
+        <p:style>
+          <a:lnRef idx="0">
+            <a:scrgbClr r="0" g="0" b="0"/>
+          </a:lnRef>
+          <a:fillRef idx="0">
+            <a:scrgbClr r="0" g="0" b="0"/>
+          </a:fillRef>
+          <a:effectRef idx="0">
+            <a:scrgbClr r="0" g="0" b="0"/>
+          </a:effectRef>
+          <a:fontRef idx="none"/>
+        </p:style>
+        <p:txBody>
+          <a:bodyPr rot="0" vertOverflow="overflow" horzOverflow="overflow" vert="horz" wrap="square" lIns="45719" tIns="45719" rIns="45719" bIns="45719" numCol="1" spcCol="38100" rtlCol="0" anchor="ctr" forceAA="0">
+            <a:spAutoFit/>
+          </a:bodyPr>
+          <a:p>
+            <a:pPr marL="0" marR="0" indent="0" algn="l" defTabSz="914400" rtl="0" fontAlgn="auto" latinLnBrk="1" hangingPunct="0">
+              <a:lnSpc>
+                <a:spcPct val="100000"/>
+              </a:lnSpc>
+              <a:spcBef>
+                <a:spcPts val="0"/>
+              </a:spcBef>
+              <a:spcAft>
+                <a:spcPts val="0"/>
+              </a:spcAft>
+              <a:buClrTx/>
+              <a:buSzTx/>
+              <a:buFontTx/>
+              <a:buNone/>
+            </a:pPr>
+            <a:endParaRPr kumimoji="0" lang="zh-CN" altLang="en-US" sz="1800" b="0" i="0" u="none" strike="noStrike" cap="none" spc="0" normalizeH="0" baseline="0">
+              <a:ln>
+                <a:noFill/>
+              </a:ln>
+              <a:solidFill>
+                <a:srgbClr val="000000"/>
+              </a:solidFill>
+              <a:effectLst/>
+              <a:uFillTx/>
+              <a:latin typeface="Calibri"/>
+              <a:ea typeface="Calibri"/>
+              <a:cs typeface="Calibri"/>
+              <a:sym typeface="Calibri"/>
+            </a:endParaRPr>
+          </a:p>
+        </p:txBody>
+      </p:sp>
+      <p:sp>
+        <p:nvSpPr>
+          <p:cNvPr id="59" name="矩形 58"/>
+          <p:cNvSpPr/>
+          <p:nvPr/>
+        </p:nvSpPr>
+        <p:spPr>
+          <a:xfrm>
+            <a:off x="4284345" y="2132330"/>
+            <a:ext cx="288290" cy="215900"/>
+          </a:xfrm>
+          <a:prstGeom prst="rect">
+            <a:avLst/>
+          </a:prstGeom>
+          <a:solidFill>
+            <a:srgbClr val="FFFFFF"/>
+          </a:solidFill>
+          <a:ln w="25400" cap="flat">
+            <a:solidFill>
+              <a:srgbClr val="4F81BD"/>
+            </a:solidFill>
+            <a:prstDash val="solid"/>
+            <a:bevel/>
+          </a:ln>
+          <a:effectLst>
+            <a:outerShdw blurRad="38100" dist="23000" dir="5400000" rotWithShape="0">
+              <a:srgbClr val="000000">
+                <a:alpha val="35000"/>
+              </a:srgbClr>
+            </a:outerShdw>
+          </a:effectLst>
+        </p:spPr>
+        <p:style>
+          <a:lnRef idx="0">
+            <a:scrgbClr r="0" g="0" b="0"/>
+          </a:lnRef>
+          <a:fillRef idx="0">
+            <a:scrgbClr r="0" g="0" b="0"/>
+          </a:fillRef>
+          <a:effectRef idx="0">
+            <a:scrgbClr r="0" g="0" b="0"/>
+          </a:effectRef>
+          <a:fontRef idx="none"/>
+        </p:style>
+        <p:txBody>
+          <a:bodyPr rot="0" vertOverflow="overflow" horzOverflow="overflow" vert="horz" wrap="square" lIns="45719" tIns="45719" rIns="45719" bIns="45719" numCol="1" spcCol="38100" rtlCol="0" anchor="ctr" forceAA="0">
+            <a:spAutoFit/>
+          </a:bodyPr>
+          <a:p>
+            <a:pPr marL="0" marR="0" indent="0" algn="l" defTabSz="914400" rtl="0" fontAlgn="auto" latinLnBrk="1" hangingPunct="0">
+              <a:lnSpc>
+                <a:spcPct val="100000"/>
+              </a:lnSpc>
+              <a:spcBef>
+                <a:spcPts val="0"/>
+              </a:spcBef>
+              <a:spcAft>
+                <a:spcPts val="0"/>
+              </a:spcAft>
+              <a:buClrTx/>
+              <a:buSzTx/>
+              <a:buFontTx/>
+              <a:buNone/>
+            </a:pPr>
+            <a:endParaRPr kumimoji="0" lang="zh-CN" altLang="en-US" sz="1800" b="0" i="0" u="none" strike="noStrike" cap="none" spc="0" normalizeH="0" baseline="0">
+              <a:ln>
+                <a:noFill/>
+              </a:ln>
+              <a:solidFill>
+                <a:srgbClr val="000000"/>
+              </a:solidFill>
+              <a:effectLst/>
+              <a:uFillTx/>
+              <a:latin typeface="Calibri"/>
+              <a:ea typeface="Calibri"/>
+              <a:cs typeface="Calibri"/>
+              <a:sym typeface="Calibri"/>
+            </a:endParaRPr>
+          </a:p>
+        </p:txBody>
+      </p:sp>
+      <p:sp>
+        <p:nvSpPr>
+          <p:cNvPr id="60" name="矩形 59"/>
+          <p:cNvSpPr/>
+          <p:nvPr/>
+        </p:nvSpPr>
+        <p:spPr>
+          <a:xfrm>
+            <a:off x="4572635" y="2132330"/>
+            <a:ext cx="288290" cy="215900"/>
+          </a:xfrm>
+          <a:prstGeom prst="rect">
+            <a:avLst/>
+          </a:prstGeom>
+          <a:solidFill>
+            <a:schemeClr val="accent5"/>
+          </a:solidFill>
+          <a:ln w="25400" cap="flat">
+            <a:solidFill>
+              <a:srgbClr val="4F81BD"/>
+            </a:solidFill>
+            <a:prstDash val="solid"/>
+            <a:bevel/>
+          </a:ln>
+          <a:effectLst>
+            <a:outerShdw blurRad="38100" dist="23000" dir="5400000" rotWithShape="0">
+              <a:srgbClr val="000000">
+                <a:alpha val="35000"/>
+              </a:srgbClr>
+            </a:outerShdw>
+          </a:effectLst>
+        </p:spPr>
+        <p:style>
+          <a:lnRef idx="0">
+            <a:scrgbClr r="0" g="0" b="0"/>
+          </a:lnRef>
+          <a:fillRef idx="0">
+            <a:scrgbClr r="0" g="0" b="0"/>
+          </a:fillRef>
+          <a:effectRef idx="0">
+            <a:scrgbClr r="0" g="0" b="0"/>
+          </a:effectRef>
+          <a:fontRef idx="none"/>
+        </p:style>
+        <p:txBody>
+          <a:bodyPr rot="0" vertOverflow="overflow" horzOverflow="overflow" vert="horz" wrap="square" lIns="45719" tIns="45719" rIns="45719" bIns="45719" numCol="1" spcCol="38100" rtlCol="0" anchor="ctr" forceAA="0">
+            <a:spAutoFit/>
+          </a:bodyPr>
+          <a:p>
+            <a:pPr marL="0" marR="0" indent="0" algn="l" defTabSz="914400" rtl="0" fontAlgn="auto" latinLnBrk="1" hangingPunct="0">
+              <a:lnSpc>
+                <a:spcPct val="100000"/>
+              </a:lnSpc>
+              <a:spcBef>
+                <a:spcPts val="0"/>
+              </a:spcBef>
+              <a:spcAft>
+                <a:spcPts val="0"/>
+              </a:spcAft>
+              <a:buClrTx/>
+              <a:buSzTx/>
+              <a:buFontTx/>
+              <a:buNone/>
+            </a:pPr>
+            <a:endParaRPr kumimoji="0" lang="zh-CN" altLang="en-US" sz="1800" b="0" i="0" u="none" strike="noStrike" cap="none" spc="0" normalizeH="0" baseline="0">
+              <a:ln>
+                <a:noFill/>
+              </a:ln>
+              <a:solidFill>
+                <a:srgbClr val="000000"/>
+              </a:solidFill>
+              <a:effectLst/>
+              <a:uFillTx/>
+              <a:latin typeface="Calibri"/>
+              <a:ea typeface="Calibri"/>
+              <a:cs typeface="Calibri"/>
+              <a:sym typeface="Calibri"/>
+            </a:endParaRPr>
+          </a:p>
+        </p:txBody>
+      </p:sp>
+      <p:sp>
+        <p:nvSpPr>
+          <p:cNvPr id="61" name="矩形 60"/>
+          <p:cNvSpPr/>
+          <p:nvPr/>
+        </p:nvSpPr>
+        <p:spPr>
+          <a:xfrm>
+            <a:off x="4860290" y="2132330"/>
+            <a:ext cx="288290" cy="215900"/>
+          </a:xfrm>
+          <a:prstGeom prst="rect">
+            <a:avLst/>
+          </a:prstGeom>
+          <a:solidFill>
+            <a:srgbClr val="FFFFFF"/>
+          </a:solidFill>
+          <a:ln w="25400" cap="flat">
+            <a:solidFill>
+              <a:srgbClr val="4F81BD"/>
+            </a:solidFill>
+            <a:prstDash val="solid"/>
+            <a:bevel/>
+          </a:ln>
+          <a:effectLst>
+            <a:outerShdw blurRad="38100" dist="23000" dir="5400000" rotWithShape="0">
+              <a:srgbClr val="000000">
+                <a:alpha val="35000"/>
+              </a:srgbClr>
+            </a:outerShdw>
+          </a:effectLst>
+        </p:spPr>
+        <p:style>
+          <a:lnRef idx="0">
+            <a:scrgbClr r="0" g="0" b="0"/>
+          </a:lnRef>
+          <a:fillRef idx="0">
+            <a:scrgbClr r="0" g="0" b="0"/>
+          </a:fillRef>
+          <a:effectRef idx="0">
+            <a:scrgbClr r="0" g="0" b="0"/>
+          </a:effectRef>
+          <a:fontRef idx="none"/>
+        </p:style>
+        <p:txBody>
+          <a:bodyPr rot="0" vertOverflow="overflow" horzOverflow="overflow" vert="horz" wrap="square" lIns="45719" tIns="45719" rIns="45719" bIns="45719" numCol="1" spcCol="38100" rtlCol="0" anchor="ctr" forceAA="0">
+            <a:spAutoFit/>
+          </a:bodyPr>
+          <a:p>
+            <a:pPr marL="0" marR="0" indent="0" algn="l" defTabSz="914400" rtl="0" fontAlgn="auto" latinLnBrk="1" hangingPunct="0">
+              <a:lnSpc>
+                <a:spcPct val="100000"/>
+              </a:lnSpc>
+              <a:spcBef>
+                <a:spcPts val="0"/>
+              </a:spcBef>
+              <a:spcAft>
+                <a:spcPts val="0"/>
+              </a:spcAft>
+              <a:buClrTx/>
+              <a:buSzTx/>
+              <a:buFontTx/>
+              <a:buNone/>
+            </a:pPr>
+            <a:endParaRPr kumimoji="0" lang="zh-CN" altLang="en-US" sz="1800" b="0" i="0" u="none" strike="noStrike" cap="none" spc="0" normalizeH="0" baseline="0">
+              <a:ln>
+                <a:noFill/>
+              </a:ln>
+              <a:solidFill>
+                <a:srgbClr val="000000"/>
+              </a:solidFill>
+              <a:effectLst/>
+              <a:uFillTx/>
+              <a:latin typeface="Calibri"/>
+              <a:ea typeface="Calibri"/>
+              <a:cs typeface="Calibri"/>
+              <a:sym typeface="Calibri"/>
+            </a:endParaRPr>
+          </a:p>
+        </p:txBody>
+      </p:sp>
+      <p:sp>
+        <p:nvSpPr>
+          <p:cNvPr id="62" name="矩形 61"/>
+          <p:cNvSpPr/>
+          <p:nvPr/>
+        </p:nvSpPr>
+        <p:spPr>
+          <a:xfrm>
+            <a:off x="539115" y="5661025"/>
+            <a:ext cx="288290" cy="215900"/>
+          </a:xfrm>
+          <a:prstGeom prst="rect">
+            <a:avLst/>
+          </a:prstGeom>
+          <a:solidFill>
+            <a:srgbClr val="FFFFFF"/>
+          </a:solidFill>
+          <a:ln w="25400" cap="flat">
+            <a:solidFill>
+              <a:srgbClr val="4F81BD"/>
+            </a:solidFill>
+            <a:prstDash val="solid"/>
+            <a:bevel/>
+          </a:ln>
+          <a:effectLst>
+            <a:outerShdw blurRad="38100" dist="23000" dir="5400000" rotWithShape="0">
+              <a:srgbClr val="000000">
+                <a:alpha val="35000"/>
+              </a:srgbClr>
+            </a:outerShdw>
+          </a:effectLst>
+        </p:spPr>
+        <p:style>
+          <a:lnRef idx="0">
+            <a:scrgbClr r="0" g="0" b="0"/>
+          </a:lnRef>
+          <a:fillRef idx="0">
+            <a:scrgbClr r="0" g="0" b="0"/>
+          </a:fillRef>
+          <a:effectRef idx="0">
+            <a:scrgbClr r="0" g="0" b="0"/>
+          </a:effectRef>
+          <a:fontRef idx="none"/>
+        </p:style>
+        <p:txBody>
+          <a:bodyPr rot="0" vertOverflow="overflow" horzOverflow="overflow" vert="horz" wrap="square" lIns="45719" tIns="45719" rIns="45719" bIns="45719" numCol="1" spcCol="38100" rtlCol="0" anchor="ctr" forceAA="0">
+            <a:spAutoFit/>
+          </a:bodyPr>
+          <a:p>
+            <a:pPr marL="0" marR="0" indent="0" algn="l" defTabSz="914400" rtl="0" fontAlgn="auto" latinLnBrk="1" hangingPunct="0">
+              <a:lnSpc>
+                <a:spcPct val="100000"/>
+              </a:lnSpc>
+              <a:spcBef>
+                <a:spcPts val="0"/>
+              </a:spcBef>
+              <a:spcAft>
+                <a:spcPts val="0"/>
+              </a:spcAft>
+              <a:buClrTx/>
+              <a:buSzTx/>
+              <a:buFontTx/>
+              <a:buNone/>
+            </a:pPr>
+            <a:endParaRPr kumimoji="0" lang="zh-CN" altLang="en-US" sz="1800" b="0" i="0" u="none" strike="noStrike" cap="none" spc="0" normalizeH="0" baseline="0">
+              <a:ln>
+                <a:noFill/>
+              </a:ln>
+              <a:solidFill>
+                <a:srgbClr val="000000"/>
+              </a:solidFill>
+              <a:effectLst/>
+              <a:uFillTx/>
+              <a:latin typeface="Calibri"/>
+              <a:ea typeface="Calibri"/>
+              <a:cs typeface="Calibri"/>
+              <a:sym typeface="Calibri"/>
+            </a:endParaRPr>
+          </a:p>
+        </p:txBody>
+      </p:sp>
+      <p:sp>
+        <p:nvSpPr>
+          <p:cNvPr id="63" name="矩形 62"/>
+          <p:cNvSpPr/>
+          <p:nvPr/>
+        </p:nvSpPr>
+        <p:spPr>
+          <a:xfrm>
+            <a:off x="539750" y="5949315"/>
+            <a:ext cx="288290" cy="215900"/>
+          </a:xfrm>
+          <a:prstGeom prst="rect">
+            <a:avLst/>
+          </a:prstGeom>
+          <a:solidFill>
+            <a:schemeClr val="bg1"/>
+          </a:solidFill>
+          <a:ln w="25400" cap="flat">
+            <a:solidFill>
+              <a:srgbClr val="4F81BD"/>
+            </a:solidFill>
+            <a:prstDash val="solid"/>
+            <a:bevel/>
+          </a:ln>
+          <a:effectLst>
+            <a:outerShdw blurRad="38100" dist="23000" dir="5400000" rotWithShape="0">
+              <a:srgbClr val="000000">
+                <a:alpha val="35000"/>
+              </a:srgbClr>
+            </a:outerShdw>
+          </a:effectLst>
+        </p:spPr>
+        <p:style>
+          <a:lnRef idx="0">
+            <a:scrgbClr r="0" g="0" b="0"/>
+          </a:lnRef>
+          <a:fillRef idx="0">
+            <a:scrgbClr r="0" g="0" b="0"/>
+          </a:fillRef>
+          <a:effectRef idx="0">
+            <a:scrgbClr r="0" g="0" b="0"/>
+          </a:effectRef>
+          <a:fontRef idx="none"/>
+        </p:style>
+        <p:txBody>
+          <a:bodyPr rot="0" vertOverflow="overflow" horzOverflow="overflow" vert="horz" wrap="square" lIns="45719" tIns="45719" rIns="45719" bIns="45719" numCol="1" spcCol="38100" rtlCol="0" anchor="ctr" forceAA="0">
+            <a:spAutoFit/>
+          </a:bodyPr>
+          <a:p>
+            <a:pPr marL="0" marR="0" indent="0" algn="l" defTabSz="914400" rtl="0" fontAlgn="auto" latinLnBrk="1" hangingPunct="0">
+              <a:lnSpc>
+                <a:spcPct val="100000"/>
+              </a:lnSpc>
+              <a:spcBef>
+                <a:spcPts val="0"/>
+              </a:spcBef>
+              <a:spcAft>
+                <a:spcPts val="0"/>
+              </a:spcAft>
+              <a:buClrTx/>
+              <a:buSzTx/>
+              <a:buFontTx/>
+              <a:buNone/>
+            </a:pPr>
+            <a:endParaRPr kumimoji="0" lang="zh-CN" altLang="en-US" sz="1800" b="0" i="0" u="none" strike="noStrike" cap="none" spc="0" normalizeH="0" baseline="0">
+              <a:ln>
+                <a:noFill/>
+              </a:ln>
+              <a:solidFill>
+                <a:srgbClr val="000000"/>
+              </a:solidFill>
+              <a:effectLst/>
+              <a:uFillTx/>
+              <a:latin typeface="Calibri"/>
+              <a:ea typeface="Calibri"/>
+              <a:cs typeface="Calibri"/>
+              <a:sym typeface="Calibri"/>
+            </a:endParaRPr>
+          </a:p>
+        </p:txBody>
+      </p:sp>
+      <p:sp>
+        <p:nvSpPr>
+          <p:cNvPr id="64" name="矩形 63"/>
+          <p:cNvSpPr/>
+          <p:nvPr/>
+        </p:nvSpPr>
+        <p:spPr>
+          <a:xfrm>
+            <a:off x="970915" y="5949315"/>
+            <a:ext cx="288290" cy="215900"/>
+          </a:xfrm>
+          <a:prstGeom prst="rect">
+            <a:avLst/>
+          </a:prstGeom>
+          <a:solidFill>
+            <a:schemeClr val="bg1"/>
+          </a:solidFill>
+          <a:ln w="25400" cap="flat">
+            <a:solidFill>
+              <a:srgbClr val="4F81BD"/>
+            </a:solidFill>
+            <a:prstDash val="solid"/>
+            <a:bevel/>
+          </a:ln>
+          <a:effectLst>
+            <a:outerShdw blurRad="38100" dist="23000" dir="5400000" rotWithShape="0">
+              <a:srgbClr val="000000">
+                <a:alpha val="35000"/>
+              </a:srgbClr>
+            </a:outerShdw>
+          </a:effectLst>
+        </p:spPr>
+        <p:style>
+          <a:lnRef idx="0">
+            <a:scrgbClr r="0" g="0" b="0"/>
+          </a:lnRef>
+          <a:fillRef idx="0">
+            <a:scrgbClr r="0" g="0" b="0"/>
+          </a:fillRef>
+          <a:effectRef idx="0">
+            <a:scrgbClr r="0" g="0" b="0"/>
+          </a:effectRef>
+          <a:fontRef idx="none"/>
+        </p:style>
+        <p:txBody>
+          <a:bodyPr rot="0" vertOverflow="overflow" horzOverflow="overflow" vert="horz" wrap="square" lIns="45719" tIns="45719" rIns="45719" bIns="45719" numCol="1" spcCol="38100" rtlCol="0" anchor="ctr" forceAA="0">
+            <a:spAutoFit/>
+          </a:bodyPr>
+          <a:p>
+            <a:pPr marL="0" marR="0" indent="0" algn="l" defTabSz="914400" rtl="0" fontAlgn="auto" latinLnBrk="1" hangingPunct="0">
+              <a:lnSpc>
+                <a:spcPct val="100000"/>
+              </a:lnSpc>
+              <a:spcBef>
+                <a:spcPts val="0"/>
+              </a:spcBef>
+              <a:spcAft>
+                <a:spcPts val="0"/>
+              </a:spcAft>
+              <a:buClrTx/>
+              <a:buSzTx/>
+              <a:buFontTx/>
+              <a:buNone/>
+            </a:pPr>
+            <a:endParaRPr kumimoji="0" lang="zh-CN" altLang="en-US" sz="1800" b="0" i="0" u="none" strike="noStrike" cap="none" spc="0" normalizeH="0" baseline="0">
+              <a:ln>
+                <a:noFill/>
+              </a:ln>
+              <a:solidFill>
+                <a:srgbClr val="000000"/>
+              </a:solidFill>
+              <a:effectLst/>
+              <a:uFillTx/>
+              <a:latin typeface="Calibri"/>
+              <a:ea typeface="Calibri"/>
+              <a:cs typeface="Calibri"/>
+              <a:sym typeface="Calibri"/>
+            </a:endParaRPr>
+          </a:p>
+        </p:txBody>
+      </p:sp>
+      <p:sp>
+        <p:nvSpPr>
+          <p:cNvPr id="65" name="矩形 64"/>
+          <p:cNvSpPr/>
+          <p:nvPr/>
+        </p:nvSpPr>
+        <p:spPr>
+          <a:xfrm>
+            <a:off x="539115" y="6237605"/>
+            <a:ext cx="288290" cy="215900"/>
+          </a:xfrm>
+          <a:prstGeom prst="rect">
+            <a:avLst/>
+          </a:prstGeom>
+          <a:solidFill>
+            <a:srgbClr val="FFFFFF"/>
+          </a:solidFill>
+          <a:ln w="25400" cap="flat">
+            <a:solidFill>
+              <a:srgbClr val="4F81BD"/>
+            </a:solidFill>
+            <a:prstDash val="solid"/>
+            <a:bevel/>
+          </a:ln>
+          <a:effectLst>
+            <a:outerShdw blurRad="38100" dist="23000" dir="5400000" rotWithShape="0">
+              <a:srgbClr val="000000">
+                <a:alpha val="35000"/>
+              </a:srgbClr>
+            </a:outerShdw>
+          </a:effectLst>
+        </p:spPr>
+        <p:style>
+          <a:lnRef idx="0">
+            <a:scrgbClr r="0" g="0" b="0"/>
+          </a:lnRef>
+          <a:fillRef idx="0">
+            <a:scrgbClr r="0" g="0" b="0"/>
+          </a:fillRef>
+          <a:effectRef idx="0">
+            <a:scrgbClr r="0" g="0" b="0"/>
+          </a:effectRef>
+          <a:fontRef idx="none"/>
+        </p:style>
+        <p:txBody>
+          <a:bodyPr rot="0" vertOverflow="overflow" horzOverflow="overflow" vert="horz" wrap="square" lIns="45719" tIns="45719" rIns="45719" bIns="45719" numCol="1" spcCol="38100" rtlCol="0" anchor="ctr" forceAA="0">
+            <a:spAutoFit/>
+          </a:bodyPr>
+          <a:p>
+            <a:pPr marL="0" marR="0" indent="0" algn="l" defTabSz="914400" rtl="0" fontAlgn="auto" latinLnBrk="1" hangingPunct="0">
+              <a:lnSpc>
+                <a:spcPct val="100000"/>
+              </a:lnSpc>
+              <a:spcBef>
+                <a:spcPts val="0"/>
+              </a:spcBef>
+              <a:spcAft>
+                <a:spcPts val="0"/>
+              </a:spcAft>
+              <a:buClrTx/>
+              <a:buSzTx/>
+              <a:buFontTx/>
+              <a:buNone/>
+            </a:pPr>
+            <a:endParaRPr kumimoji="0" lang="zh-CN" altLang="en-US" sz="1800" b="0" i="0" u="none" strike="noStrike" cap="none" spc="0" normalizeH="0" baseline="0">
+              <a:ln>
+                <a:noFill/>
+              </a:ln>
+              <a:solidFill>
+                <a:srgbClr val="000000"/>
+              </a:solidFill>
+              <a:effectLst/>
+              <a:uFillTx/>
+              <a:latin typeface="Calibri"/>
+              <a:ea typeface="Calibri"/>
+              <a:cs typeface="Calibri"/>
+              <a:sym typeface="Calibri"/>
+            </a:endParaRPr>
+          </a:p>
+        </p:txBody>
+      </p:sp>
+      <p:sp>
+        <p:nvSpPr>
+          <p:cNvPr id="66" name="矩形 65"/>
+          <p:cNvSpPr/>
+          <p:nvPr/>
+        </p:nvSpPr>
+        <p:spPr>
+          <a:xfrm>
+            <a:off x="970915" y="6237605"/>
+            <a:ext cx="288290" cy="215900"/>
+          </a:xfrm>
+          <a:prstGeom prst="rect">
+            <a:avLst/>
+          </a:prstGeom>
+          <a:solidFill>
+            <a:srgbClr val="FFFFFF"/>
+          </a:solidFill>
+          <a:ln w="25400" cap="flat">
+            <a:solidFill>
+              <a:srgbClr val="4F81BD"/>
+            </a:solidFill>
+            <a:prstDash val="solid"/>
+            <a:bevel/>
+          </a:ln>
+          <a:effectLst>
+            <a:outerShdw blurRad="38100" dist="23000" dir="5400000" rotWithShape="0">
+              <a:srgbClr val="000000">
+                <a:alpha val="35000"/>
+              </a:srgbClr>
+            </a:outerShdw>
+          </a:effectLst>
+        </p:spPr>
+        <p:style>
+          <a:lnRef idx="0">
+            <a:scrgbClr r="0" g="0" b="0"/>
+          </a:lnRef>
+          <a:fillRef idx="0">
+            <a:scrgbClr r="0" g="0" b="0"/>
+          </a:fillRef>
+          <a:effectRef idx="0">
+            <a:scrgbClr r="0" g="0" b="0"/>
+          </a:effectRef>
+          <a:fontRef idx="none"/>
+        </p:style>
+        <p:txBody>
+          <a:bodyPr rot="0" vertOverflow="overflow" horzOverflow="overflow" vert="horz" wrap="square" lIns="45719" tIns="45719" rIns="45719" bIns="45719" numCol="1" spcCol="38100" rtlCol="0" anchor="ctr" forceAA="0">
+            <a:spAutoFit/>
+          </a:bodyPr>
+          <a:p>
+            <a:pPr marL="0" marR="0" indent="0" algn="l" defTabSz="914400" rtl="0" fontAlgn="auto" latinLnBrk="1" hangingPunct="0">
+              <a:lnSpc>
+                <a:spcPct val="100000"/>
+              </a:lnSpc>
+              <a:spcBef>
+                <a:spcPts val="0"/>
+              </a:spcBef>
+              <a:spcAft>
+                <a:spcPts val="0"/>
+              </a:spcAft>
+              <a:buClrTx/>
+              <a:buSzTx/>
+              <a:buFontTx/>
+              <a:buNone/>
+            </a:pPr>
+            <a:endParaRPr kumimoji="0" lang="zh-CN" altLang="en-US" sz="1800" b="0" i="0" u="none" strike="noStrike" cap="none" spc="0" normalizeH="0" baseline="0">
+              <a:ln>
+                <a:noFill/>
+              </a:ln>
+              <a:solidFill>
+                <a:srgbClr val="000000"/>
+              </a:solidFill>
+              <a:effectLst/>
+              <a:uFillTx/>
+              <a:latin typeface="Calibri"/>
+              <a:ea typeface="Calibri"/>
+              <a:cs typeface="Calibri"/>
+              <a:sym typeface="Calibri"/>
+            </a:endParaRPr>
+          </a:p>
+        </p:txBody>
+      </p:sp>
+      <p:sp>
+        <p:nvSpPr>
+          <p:cNvPr id="67" name="矩形 66"/>
+          <p:cNvSpPr/>
+          <p:nvPr/>
+        </p:nvSpPr>
+        <p:spPr>
+          <a:xfrm>
+            <a:off x="1403350" y="6237605"/>
+            <a:ext cx="288290" cy="215900"/>
+          </a:xfrm>
+          <a:prstGeom prst="rect">
+            <a:avLst/>
+          </a:prstGeom>
+          <a:solidFill>
+            <a:srgbClr val="FFFFFF"/>
+          </a:solidFill>
+          <a:ln w="25400" cap="flat">
+            <a:solidFill>
+              <a:srgbClr val="4F81BD"/>
+            </a:solidFill>
+            <a:prstDash val="solid"/>
+            <a:bevel/>
+          </a:ln>
+          <a:effectLst>
+            <a:outerShdw blurRad="38100" dist="23000" dir="5400000" rotWithShape="0">
+              <a:srgbClr val="000000">
+                <a:alpha val="35000"/>
+              </a:srgbClr>
+            </a:outerShdw>
+          </a:effectLst>
+        </p:spPr>
+        <p:style>
+          <a:lnRef idx="0">
+            <a:scrgbClr r="0" g="0" b="0"/>
+          </a:lnRef>
+          <a:fillRef idx="0">
+            <a:scrgbClr r="0" g="0" b="0"/>
+          </a:fillRef>
+          <a:effectRef idx="0">
+            <a:scrgbClr r="0" g="0" b="0"/>
+          </a:effectRef>
+          <a:fontRef idx="none"/>
+        </p:style>
+        <p:txBody>
+          <a:bodyPr rot="0" vertOverflow="overflow" horzOverflow="overflow" vert="horz" wrap="square" lIns="45719" tIns="45719" rIns="45719" bIns="45719" numCol="1" spcCol="38100" rtlCol="0" anchor="ctr" forceAA="0">
+            <a:spAutoFit/>
+          </a:bodyPr>
+          <a:p>
+            <a:pPr marL="0" marR="0" indent="0" algn="l" defTabSz="914400" rtl="0" fontAlgn="auto" latinLnBrk="1" hangingPunct="0">
+              <a:lnSpc>
+                <a:spcPct val="100000"/>
+              </a:lnSpc>
+              <a:spcBef>
+                <a:spcPts val="0"/>
+              </a:spcBef>
+              <a:spcAft>
+                <a:spcPts val="0"/>
+              </a:spcAft>
+              <a:buClrTx/>
+              <a:buSzTx/>
+              <a:buFontTx/>
+              <a:buNone/>
+            </a:pPr>
+            <a:endParaRPr kumimoji="0" lang="zh-CN" altLang="en-US" sz="1800" b="0" i="0" u="none" strike="noStrike" cap="none" spc="0" normalizeH="0" baseline="0">
+              <a:ln>
+                <a:noFill/>
+              </a:ln>
+              <a:solidFill>
+                <a:srgbClr val="000000"/>
+              </a:solidFill>
+              <a:effectLst/>
+              <a:uFillTx/>
+              <a:latin typeface="Calibri"/>
+              <a:ea typeface="Calibri"/>
+              <a:cs typeface="Calibri"/>
+              <a:sym typeface="Calibri"/>
+            </a:endParaRPr>
+          </a:p>
+        </p:txBody>
+      </p:sp>
+      <p:sp>
+        <p:nvSpPr>
+          <p:cNvPr id="68" name="矩形 67"/>
+          <p:cNvSpPr/>
+          <p:nvPr/>
+        </p:nvSpPr>
+        <p:spPr>
+          <a:xfrm>
+            <a:off x="1763395" y="6237605"/>
+            <a:ext cx="288290" cy="215900"/>
+          </a:xfrm>
+          <a:prstGeom prst="rect">
+            <a:avLst/>
+          </a:prstGeom>
+          <a:solidFill>
+            <a:srgbClr val="FFFFFF"/>
+          </a:solidFill>
+          <a:ln w="25400" cap="flat">
+            <a:solidFill>
+              <a:srgbClr val="4F81BD"/>
+            </a:solidFill>
+            <a:prstDash val="solid"/>
+            <a:bevel/>
+          </a:ln>
+          <a:effectLst>
+            <a:outerShdw blurRad="38100" dist="23000" dir="5400000" rotWithShape="0">
+              <a:srgbClr val="000000">
+                <a:alpha val="35000"/>
+              </a:srgbClr>
+            </a:outerShdw>
+          </a:effectLst>
+        </p:spPr>
+        <p:style>
+          <a:lnRef idx="0">
+            <a:scrgbClr r="0" g="0" b="0"/>
+          </a:lnRef>
+          <a:fillRef idx="0">
+            <a:scrgbClr r="0" g="0" b="0"/>
+          </a:fillRef>
+          <a:effectRef idx="0">
+            <a:scrgbClr r="0" g="0" b="0"/>
+          </a:effectRef>
+          <a:fontRef idx="none"/>
+        </p:style>
+        <p:txBody>
+          <a:bodyPr rot="0" vertOverflow="overflow" horzOverflow="overflow" vert="horz" wrap="square" lIns="45719" tIns="45719" rIns="45719" bIns="45719" numCol="1" spcCol="38100" rtlCol="0" anchor="ctr" forceAA="0">
+            <a:spAutoFit/>
+          </a:bodyPr>
+          <a:p>
+            <a:pPr marL="0" marR="0" indent="0" algn="l" defTabSz="914400" rtl="0" fontAlgn="auto" latinLnBrk="1" hangingPunct="0">
+              <a:lnSpc>
+                <a:spcPct val="100000"/>
+              </a:lnSpc>
+              <a:spcBef>
+                <a:spcPts val="0"/>
+              </a:spcBef>
+              <a:spcAft>
+                <a:spcPts val="0"/>
+              </a:spcAft>
+              <a:buClrTx/>
+              <a:buSzTx/>
+              <a:buFontTx/>
+              <a:buNone/>
+            </a:pPr>
+            <a:endParaRPr kumimoji="0" lang="zh-CN" altLang="en-US" sz="1800" b="0" i="0" u="none" strike="noStrike" cap="none" spc="0" normalizeH="0" baseline="0">
+              <a:ln>
+                <a:noFill/>
+              </a:ln>
+              <a:solidFill>
+                <a:srgbClr val="000000"/>
+              </a:solidFill>
+              <a:effectLst/>
+              <a:uFillTx/>
+              <a:latin typeface="Calibri"/>
+              <a:ea typeface="Calibri"/>
+              <a:cs typeface="Calibri"/>
+              <a:sym typeface="Calibri"/>
+            </a:endParaRPr>
+          </a:p>
+        </p:txBody>
+      </p:sp>
+      <p:sp>
+        <p:nvSpPr>
+          <p:cNvPr id="85" name="矩形 84"/>
+          <p:cNvSpPr/>
+          <p:nvPr/>
+        </p:nvSpPr>
+        <p:spPr>
+          <a:xfrm>
+            <a:off x="5003800" y="3429000"/>
+            <a:ext cx="288290" cy="215900"/>
+          </a:xfrm>
+          <a:prstGeom prst="rect">
+            <a:avLst/>
+          </a:prstGeom>
+          <a:solidFill>
+            <a:schemeClr val="accent5"/>
+          </a:solidFill>
+          <a:ln w="25400" cap="flat">
+            <a:solidFill>
+              <a:srgbClr val="4F81BD"/>
+            </a:solidFill>
+            <a:prstDash val="solid"/>
+            <a:bevel/>
+          </a:ln>
+          <a:effectLst>
+            <a:outerShdw blurRad="38100" dist="23000" dir="5400000" rotWithShape="0">
+              <a:srgbClr val="000000">
+                <a:alpha val="35000"/>
+              </a:srgbClr>
+            </a:outerShdw>
+          </a:effectLst>
+        </p:spPr>
+        <p:style>
+          <a:lnRef idx="0">
+            <a:scrgbClr r="0" g="0" b="0"/>
+          </a:lnRef>
+          <a:fillRef idx="0">
+            <a:scrgbClr r="0" g="0" b="0"/>
+          </a:fillRef>
+          <a:effectRef idx="0">
+            <a:scrgbClr r="0" g="0" b="0"/>
+          </a:effectRef>
+          <a:fontRef idx="none"/>
+        </p:style>
+        <p:txBody>
+          <a:bodyPr rot="0" vertOverflow="overflow" horzOverflow="overflow" vert="horz" wrap="square" lIns="45719" tIns="45719" rIns="45719" bIns="45719" numCol="1" spcCol="38100" rtlCol="0" anchor="ctr" forceAA="0">
+            <a:spAutoFit/>
+          </a:bodyPr>
+          <a:p>
+            <a:pPr marL="0" marR="0" indent="0" algn="l" defTabSz="914400" rtl="0" fontAlgn="auto" latinLnBrk="1" hangingPunct="0">
+              <a:lnSpc>
+                <a:spcPct val="100000"/>
+              </a:lnSpc>
+              <a:spcBef>
+                <a:spcPts val="0"/>
+              </a:spcBef>
+              <a:spcAft>
+                <a:spcPts val="0"/>
+              </a:spcAft>
+              <a:buClrTx/>
+              <a:buSzTx/>
+              <a:buFontTx/>
+              <a:buNone/>
+            </a:pPr>
+            <a:endParaRPr kumimoji="0" lang="zh-CN" altLang="en-US" sz="1800" b="0" i="0" u="none" strike="noStrike" cap="none" spc="0" normalizeH="0" baseline="0">
+              <a:ln>
+                <a:noFill/>
+              </a:ln>
+              <a:solidFill>
+                <a:srgbClr val="000000"/>
+              </a:solidFill>
+              <a:effectLst/>
+              <a:uFillTx/>
+              <a:latin typeface="Calibri"/>
+              <a:ea typeface="Calibri"/>
+              <a:cs typeface="Calibri"/>
+              <a:sym typeface="Calibri"/>
+            </a:endParaRPr>
+          </a:p>
+        </p:txBody>
+      </p:sp>
+      <p:sp>
+        <p:nvSpPr>
+          <p:cNvPr id="86" name="矩形 85"/>
+          <p:cNvSpPr/>
+          <p:nvPr/>
+        </p:nvSpPr>
+        <p:spPr>
+          <a:xfrm>
+            <a:off x="5292090" y="3429000"/>
+            <a:ext cx="288290" cy="215900"/>
+          </a:xfrm>
+          <a:prstGeom prst="rect">
+            <a:avLst/>
+          </a:prstGeom>
+          <a:solidFill>
+            <a:srgbClr val="FFFFFF"/>
+          </a:solidFill>
+          <a:ln w="25400" cap="flat">
+            <a:solidFill>
+              <a:srgbClr val="4F81BD"/>
+            </a:solidFill>
+            <a:prstDash val="solid"/>
+            <a:bevel/>
+          </a:ln>
+          <a:effectLst>
+            <a:outerShdw blurRad="38100" dist="23000" dir="5400000" rotWithShape="0">
+              <a:srgbClr val="000000">
+                <a:alpha val="35000"/>
+              </a:srgbClr>
+            </a:outerShdw>
+          </a:effectLst>
+        </p:spPr>
+        <p:style>
+          <a:lnRef idx="0">
+            <a:scrgbClr r="0" g="0" b="0"/>
+          </a:lnRef>
+          <a:fillRef idx="0">
+            <a:scrgbClr r="0" g="0" b="0"/>
+          </a:fillRef>
+          <a:effectRef idx="0">
+            <a:scrgbClr r="0" g="0" b="0"/>
+          </a:effectRef>
+          <a:fontRef idx="none"/>
+        </p:style>
+        <p:txBody>
+          <a:bodyPr rot="0" vertOverflow="overflow" horzOverflow="overflow" vert="horz" wrap="square" lIns="45719" tIns="45719" rIns="45719" bIns="45719" numCol="1" spcCol="38100" rtlCol="0" anchor="ctr" forceAA="0">
+            <a:spAutoFit/>
+          </a:bodyPr>
+          <a:p>
+            <a:pPr marL="0" marR="0" indent="0" algn="l" defTabSz="914400" rtl="0" fontAlgn="auto" latinLnBrk="1" hangingPunct="0">
+              <a:lnSpc>
+                <a:spcPct val="100000"/>
+              </a:lnSpc>
+              <a:spcBef>
+                <a:spcPts val="0"/>
+              </a:spcBef>
+              <a:spcAft>
+                <a:spcPts val="0"/>
+              </a:spcAft>
+              <a:buClrTx/>
+              <a:buSzTx/>
+              <a:buFontTx/>
+              <a:buNone/>
+            </a:pPr>
+            <a:endParaRPr kumimoji="0" lang="zh-CN" altLang="en-US" sz="1800" b="0" i="0" u="none" strike="noStrike" cap="none" spc="0" normalizeH="0" baseline="0">
+              <a:ln>
+                <a:noFill/>
+              </a:ln>
+              <a:solidFill>
+                <a:srgbClr val="000000"/>
+              </a:solidFill>
+              <a:effectLst/>
+              <a:uFillTx/>
+              <a:latin typeface="Calibri"/>
+              <a:ea typeface="Calibri"/>
+              <a:cs typeface="Calibri"/>
+              <a:sym typeface="Calibri"/>
+            </a:endParaRPr>
+          </a:p>
+        </p:txBody>
+      </p:sp>
+      <p:sp>
+        <p:nvSpPr>
+          <p:cNvPr id="87" name="矩形 86"/>
+          <p:cNvSpPr/>
+          <p:nvPr/>
+        </p:nvSpPr>
+        <p:spPr>
+          <a:xfrm>
+            <a:off x="5580380" y="3429000"/>
+            <a:ext cx="288290" cy="215900"/>
+          </a:xfrm>
+          <a:prstGeom prst="rect">
+            <a:avLst/>
+          </a:prstGeom>
+          <a:solidFill>
+            <a:schemeClr val="accent5"/>
+          </a:solidFill>
+          <a:ln w="25400" cap="flat">
+            <a:solidFill>
+              <a:srgbClr val="4F81BD"/>
+            </a:solidFill>
+            <a:prstDash val="solid"/>
+            <a:bevel/>
+          </a:ln>
+          <a:effectLst>
+            <a:outerShdw blurRad="38100" dist="23000" dir="5400000" rotWithShape="0">
+              <a:srgbClr val="000000">
+                <a:alpha val="35000"/>
+              </a:srgbClr>
+            </a:outerShdw>
+          </a:effectLst>
+        </p:spPr>
+        <p:style>
+          <a:lnRef idx="0">
+            <a:scrgbClr r="0" g="0" b="0"/>
+          </a:lnRef>
+          <a:fillRef idx="0">
+            <a:scrgbClr r="0" g="0" b="0"/>
+          </a:fillRef>
+          <a:effectRef idx="0">
+            <a:scrgbClr r="0" g="0" b="0"/>
+          </a:effectRef>
+          <a:fontRef idx="none"/>
+        </p:style>
+        <p:txBody>
+          <a:bodyPr rot="0" vertOverflow="overflow" horzOverflow="overflow" vert="horz" wrap="square" lIns="45719" tIns="45719" rIns="45719" bIns="45719" numCol="1" spcCol="38100" rtlCol="0" anchor="ctr" forceAA="0">
+            <a:spAutoFit/>
+          </a:bodyPr>
+          <a:p>
+            <a:pPr marL="0" marR="0" indent="0" algn="l" defTabSz="914400" rtl="0" fontAlgn="auto" latinLnBrk="1" hangingPunct="0">
+              <a:lnSpc>
+                <a:spcPct val="100000"/>
+              </a:lnSpc>
+              <a:spcBef>
+                <a:spcPts val="0"/>
+              </a:spcBef>
+              <a:spcAft>
+                <a:spcPts val="0"/>
+              </a:spcAft>
+              <a:buClrTx/>
+              <a:buSzTx/>
+              <a:buFontTx/>
+              <a:buNone/>
+            </a:pPr>
+            <a:endParaRPr kumimoji="0" lang="zh-CN" altLang="en-US" sz="1800" b="0" i="0" u="none" strike="noStrike" cap="none" spc="0" normalizeH="0" baseline="0">
+              <a:ln>
+                <a:noFill/>
+              </a:ln>
+              <a:solidFill>
+                <a:srgbClr val="000000"/>
+              </a:solidFill>
+              <a:effectLst/>
+              <a:uFillTx/>
+              <a:latin typeface="Calibri"/>
+              <a:ea typeface="Calibri"/>
+              <a:cs typeface="Calibri"/>
+              <a:sym typeface="Calibri"/>
+            </a:endParaRPr>
+          </a:p>
+        </p:txBody>
+      </p:sp>
+      <p:sp>
+        <p:nvSpPr>
+          <p:cNvPr id="88" name="矩形 87"/>
+          <p:cNvSpPr/>
+          <p:nvPr/>
+        </p:nvSpPr>
+        <p:spPr>
+          <a:xfrm>
+            <a:off x="5868035" y="3429000"/>
+            <a:ext cx="288290" cy="215900"/>
+          </a:xfrm>
+          <a:prstGeom prst="rect">
+            <a:avLst/>
+          </a:prstGeom>
+          <a:solidFill>
+            <a:srgbClr val="FFFFFF"/>
+          </a:solidFill>
+          <a:ln w="25400" cap="flat">
+            <a:solidFill>
+              <a:srgbClr val="4F81BD"/>
+            </a:solidFill>
+            <a:prstDash val="solid"/>
+            <a:bevel/>
+          </a:ln>
+          <a:effectLst>
+            <a:outerShdw blurRad="38100" dist="23000" dir="5400000" rotWithShape="0">
+              <a:srgbClr val="000000">
+                <a:alpha val="35000"/>
+              </a:srgbClr>
+            </a:outerShdw>
+          </a:effectLst>
+        </p:spPr>
+        <p:style>
+          <a:lnRef idx="0">
+            <a:scrgbClr r="0" g="0" b="0"/>
+          </a:lnRef>
+          <a:fillRef idx="0">
+            <a:scrgbClr r="0" g="0" b="0"/>
+          </a:fillRef>
+          <a:effectRef idx="0">
+            <a:scrgbClr r="0" g="0" b="0"/>
+          </a:effectRef>
+          <a:fontRef idx="none"/>
+        </p:style>
+        <p:txBody>
+          <a:bodyPr rot="0" vertOverflow="overflow" horzOverflow="overflow" vert="horz" wrap="square" lIns="45719" tIns="45719" rIns="45719" bIns="45719" numCol="1" spcCol="38100" rtlCol="0" anchor="ctr" forceAA="0">
+            <a:spAutoFit/>
+          </a:bodyPr>
+          <a:p>
+            <a:pPr marL="0" marR="0" indent="0" algn="l" defTabSz="914400" rtl="0" fontAlgn="auto" latinLnBrk="1" hangingPunct="0">
+              <a:lnSpc>
+                <a:spcPct val="100000"/>
+              </a:lnSpc>
+              <a:spcBef>
+                <a:spcPts val="0"/>
+              </a:spcBef>
+              <a:spcAft>
+                <a:spcPts val="0"/>
+              </a:spcAft>
+              <a:buClrTx/>
+              <a:buSzTx/>
+              <a:buFontTx/>
+              <a:buNone/>
+            </a:pPr>
+            <a:endParaRPr kumimoji="0" lang="zh-CN" altLang="en-US" sz="1800" b="0" i="0" u="none" strike="noStrike" cap="none" spc="0" normalizeH="0" baseline="0">
+              <a:ln>
+                <a:noFill/>
+              </a:ln>
+              <a:solidFill>
+                <a:srgbClr val="000000"/>
+              </a:solidFill>
+              <a:effectLst/>
+              <a:uFillTx/>
+              <a:latin typeface="Calibri"/>
+              <a:ea typeface="Calibri"/>
+              <a:cs typeface="Calibri"/>
+              <a:sym typeface="Calibri"/>
+            </a:endParaRPr>
+          </a:p>
+        </p:txBody>
+      </p:sp>
+      <p:sp>
+        <p:nvSpPr>
+          <p:cNvPr id="89" name="矩形 88"/>
+          <p:cNvSpPr/>
+          <p:nvPr/>
+        </p:nvSpPr>
+        <p:spPr>
+          <a:xfrm>
+            <a:off x="6156325" y="3429000"/>
+            <a:ext cx="288290" cy="215900"/>
+          </a:xfrm>
+          <a:prstGeom prst="rect">
+            <a:avLst/>
+          </a:prstGeom>
+          <a:solidFill>
+            <a:schemeClr val="accent5"/>
+          </a:solidFill>
+          <a:ln w="25400" cap="flat">
+            <a:solidFill>
+              <a:srgbClr val="4F81BD"/>
+            </a:solidFill>
+            <a:prstDash val="solid"/>
+            <a:bevel/>
+          </a:ln>
+          <a:effectLst>
+            <a:outerShdw blurRad="38100" dist="23000" dir="5400000" rotWithShape="0">
+              <a:srgbClr val="000000">
+                <a:alpha val="35000"/>
+              </a:srgbClr>
+            </a:outerShdw>
+          </a:effectLst>
+        </p:spPr>
+        <p:style>
+          <a:lnRef idx="0">
+            <a:scrgbClr r="0" g="0" b="0"/>
+          </a:lnRef>
+          <a:fillRef idx="0">
+            <a:scrgbClr r="0" g="0" b="0"/>
+          </a:fillRef>
+          <a:effectRef idx="0">
+            <a:scrgbClr r="0" g="0" b="0"/>
+          </a:effectRef>
+          <a:fontRef idx="none"/>
+        </p:style>
+        <p:txBody>
+          <a:bodyPr rot="0" vertOverflow="overflow" horzOverflow="overflow" vert="horz" wrap="square" lIns="45719" tIns="45719" rIns="45719" bIns="45719" numCol="1" spcCol="38100" rtlCol="0" anchor="ctr" forceAA="0">
+            <a:spAutoFit/>
+          </a:bodyPr>
+          <a:p>
+            <a:pPr marL="0" marR="0" indent="0" algn="l" defTabSz="914400" rtl="0" fontAlgn="auto" latinLnBrk="1" hangingPunct="0">
+              <a:lnSpc>
+                <a:spcPct val="100000"/>
+              </a:lnSpc>
+              <a:spcBef>
+                <a:spcPts val="0"/>
+              </a:spcBef>
+              <a:spcAft>
+                <a:spcPts val="0"/>
+              </a:spcAft>
+              <a:buClrTx/>
+              <a:buSzTx/>
+              <a:buFontTx/>
+              <a:buNone/>
+            </a:pPr>
+            <a:endParaRPr kumimoji="0" lang="zh-CN" altLang="en-US" sz="1800" b="0" i="0" u="none" strike="noStrike" cap="none" spc="0" normalizeH="0" baseline="0">
+              <a:ln>
+                <a:noFill/>
+              </a:ln>
+              <a:solidFill>
+                <a:srgbClr val="000000"/>
+              </a:solidFill>
+              <a:effectLst/>
+              <a:uFillTx/>
+              <a:latin typeface="Calibri"/>
+              <a:ea typeface="Calibri"/>
+              <a:cs typeface="Calibri"/>
+              <a:sym typeface="Calibri"/>
+            </a:endParaRPr>
+          </a:p>
+        </p:txBody>
+      </p:sp>
+      <p:sp>
+        <p:nvSpPr>
+          <p:cNvPr id="90" name="矩形 89"/>
+          <p:cNvSpPr/>
+          <p:nvPr/>
+        </p:nvSpPr>
+        <p:spPr>
+          <a:xfrm>
+            <a:off x="6443980" y="3429000"/>
+            <a:ext cx="288290" cy="215900"/>
+          </a:xfrm>
+          <a:prstGeom prst="rect">
+            <a:avLst/>
+          </a:prstGeom>
+          <a:solidFill>
+            <a:srgbClr val="FFFFFF"/>
+          </a:solidFill>
+          <a:ln w="25400" cap="flat">
+            <a:solidFill>
+              <a:srgbClr val="4F81BD"/>
+            </a:solidFill>
+            <a:prstDash val="solid"/>
+            <a:bevel/>
+          </a:ln>
+          <a:effectLst>
+            <a:outerShdw blurRad="38100" dist="23000" dir="5400000" rotWithShape="0">
+              <a:srgbClr val="000000">
+                <a:alpha val="35000"/>
+              </a:srgbClr>
+            </a:outerShdw>
+          </a:effectLst>
+        </p:spPr>
+        <p:style>
+          <a:lnRef idx="0">
+            <a:scrgbClr r="0" g="0" b="0"/>
+          </a:lnRef>
+          <a:fillRef idx="0">
+            <a:scrgbClr r="0" g="0" b="0"/>
+          </a:fillRef>
+          <a:effectRef idx="0">
+            <a:scrgbClr r="0" g="0" b="0"/>
+          </a:effectRef>
+          <a:fontRef idx="none"/>
+        </p:style>
+        <p:txBody>
+          <a:bodyPr rot="0" vertOverflow="overflow" horzOverflow="overflow" vert="horz" wrap="square" lIns="45719" tIns="45719" rIns="45719" bIns="45719" numCol="1" spcCol="38100" rtlCol="0" anchor="ctr" forceAA="0">
+            <a:spAutoFit/>
+          </a:bodyPr>
+          <a:p>
+            <a:pPr marL="0" marR="0" indent="0" algn="l" defTabSz="914400" rtl="0" fontAlgn="auto" latinLnBrk="1" hangingPunct="0">
+              <a:lnSpc>
+                <a:spcPct val="100000"/>
+              </a:lnSpc>
+              <a:spcBef>
+                <a:spcPts val="0"/>
+              </a:spcBef>
+              <a:spcAft>
+                <a:spcPts val="0"/>
+              </a:spcAft>
+              <a:buClrTx/>
+              <a:buSzTx/>
+              <a:buFontTx/>
+              <a:buNone/>
+            </a:pPr>
+            <a:endParaRPr kumimoji="0" lang="zh-CN" altLang="en-US" sz="1800" b="0" i="0" u="none" strike="noStrike" cap="none" spc="0" normalizeH="0" baseline="0">
+              <a:ln>
+                <a:noFill/>
+              </a:ln>
+              <a:solidFill>
+                <a:srgbClr val="000000"/>
+              </a:solidFill>
+              <a:effectLst/>
+              <a:uFillTx/>
+              <a:latin typeface="Calibri"/>
+              <a:ea typeface="Calibri"/>
+              <a:cs typeface="Calibri"/>
+              <a:sym typeface="Calibri"/>
+            </a:endParaRPr>
+          </a:p>
+        </p:txBody>
+      </p:sp>
+      <p:cxnSp>
+        <p:nvCxnSpPr>
+          <p:cNvPr id="91" name="直接箭头连接符 90"/>
+          <p:cNvCxnSpPr>
+            <a:stCxn id="86" idx="2"/>
+            <a:endCxn id="96" idx="0"/>
+          </p:cNvCxnSpPr>
+          <p:nvPr/>
+        </p:nvCxnSpPr>
+        <p:spPr>
+          <a:xfrm flipH="1">
+            <a:off x="4860290" y="3644900"/>
+            <a:ext cx="575945" cy="792480"/>
+          </a:xfrm>
+          <a:prstGeom prst="straightConnector1">
+            <a:avLst/>
+          </a:prstGeom>
+          <a:noFill/>
+          <a:ln w="25400" cap="flat">
+            <a:solidFill>
+              <a:srgbClr val="4F81BD"/>
+            </a:solidFill>
+            <a:prstDash val="solid"/>
+            <a:bevel/>
+            <a:tailEnd type="arrow"/>
+          </a:ln>
+          <a:effectLst>
+            <a:outerShdw blurRad="38100" dist="20000" dir="5400000" rotWithShape="0">
+              <a:srgbClr val="000000">
+                <a:alpha val="38000"/>
+              </a:srgbClr>
+            </a:outerShdw>
+          </a:effectLst>
+        </p:spPr>
+        <p:style>
+          <a:lnRef idx="0">
+            <a:scrgbClr r="0" g="0" b="0"/>
+          </a:lnRef>
+          <a:fillRef idx="0">
+            <a:scrgbClr r="0" g="0" b="0"/>
+          </a:fillRef>
+          <a:effectRef idx="0">
+            <a:scrgbClr r="0" g="0" b="0"/>
+          </a:effectRef>
+          <a:fontRef idx="none"/>
+        </p:style>
+      </p:cxnSp>
+      <p:cxnSp>
+        <p:nvCxnSpPr>
+          <p:cNvPr id="92" name="直接箭头连接符 91"/>
+          <p:cNvCxnSpPr>
+            <a:stCxn id="88" idx="2"/>
+            <a:endCxn id="102" idx="0"/>
+          </p:cNvCxnSpPr>
+          <p:nvPr/>
+        </p:nvCxnSpPr>
+        <p:spPr>
+          <a:xfrm>
+            <a:off x="6012180" y="3644900"/>
+            <a:ext cx="864235" cy="1008380"/>
+          </a:xfrm>
+          <a:prstGeom prst="straightConnector1">
+            <a:avLst/>
+          </a:prstGeom>
+          <a:noFill/>
+          <a:ln w="25400" cap="flat">
+            <a:solidFill>
+              <a:srgbClr val="4F81BD"/>
+            </a:solidFill>
+            <a:prstDash val="solid"/>
+            <a:bevel/>
+            <a:tailEnd type="arrow"/>
+          </a:ln>
+          <a:effectLst>
+            <a:outerShdw blurRad="38100" dist="20000" dir="5400000" rotWithShape="0">
+              <a:srgbClr val="000000">
+                <a:alpha val="38000"/>
+              </a:srgbClr>
+            </a:outerShdw>
+          </a:effectLst>
+        </p:spPr>
+        <p:style>
+          <a:lnRef idx="0">
+            <a:scrgbClr r="0" g="0" b="0"/>
+          </a:lnRef>
+          <a:fillRef idx="0">
+            <a:scrgbClr r="0" g="0" b="0"/>
+          </a:fillRef>
+          <a:effectRef idx="0">
+            <a:scrgbClr r="0" g="0" b="0"/>
+          </a:effectRef>
+          <a:fontRef idx="none"/>
+        </p:style>
+      </p:cxnSp>
+      <p:cxnSp>
+        <p:nvCxnSpPr>
+          <p:cNvPr id="93" name="直接箭头连接符 92"/>
+          <p:cNvCxnSpPr>
+            <a:stCxn id="90" idx="2"/>
+            <a:endCxn id="107" idx="0"/>
+          </p:cNvCxnSpPr>
+          <p:nvPr/>
+        </p:nvCxnSpPr>
+        <p:spPr>
+          <a:xfrm>
+            <a:off x="6588125" y="3644900"/>
+            <a:ext cx="1224280" cy="360680"/>
+          </a:xfrm>
+          <a:prstGeom prst="straightConnector1">
+            <a:avLst/>
+          </a:prstGeom>
+          <a:noFill/>
+          <a:ln w="25400" cap="flat">
+            <a:solidFill>
+              <a:srgbClr val="4F81BD"/>
+            </a:solidFill>
+            <a:prstDash val="solid"/>
+            <a:bevel/>
+            <a:tailEnd type="arrow"/>
+          </a:ln>
+          <a:effectLst>
+            <a:outerShdw blurRad="38100" dist="20000" dir="5400000" rotWithShape="0">
+              <a:srgbClr val="000000">
+                <a:alpha val="38000"/>
+              </a:srgbClr>
+            </a:outerShdw>
+          </a:effectLst>
+        </p:spPr>
+        <p:style>
+          <a:lnRef idx="0">
+            <a:scrgbClr r="0" g="0" b="0"/>
+          </a:lnRef>
+          <a:fillRef idx="0">
+            <a:scrgbClr r="0" g="0" b="0"/>
+          </a:fillRef>
+          <a:effectRef idx="0">
+            <a:scrgbClr r="0" g="0" b="0"/>
+          </a:effectRef>
+          <a:fontRef idx="none"/>
+        </p:style>
+      </p:cxnSp>
+      <p:sp>
+        <p:nvSpPr>
+          <p:cNvPr id="94" name="矩形 93"/>
+          <p:cNvSpPr/>
+          <p:nvPr/>
+        </p:nvSpPr>
+        <p:spPr>
+          <a:xfrm>
+            <a:off x="4139565" y="4437380"/>
+            <a:ext cx="288290" cy="215900"/>
+          </a:xfrm>
+          <a:prstGeom prst="rect">
+            <a:avLst/>
+          </a:prstGeom>
+          <a:solidFill>
+            <a:schemeClr val="accent5"/>
+          </a:solidFill>
+          <a:ln w="25400" cap="flat">
+            <a:solidFill>
+              <a:srgbClr val="4F81BD"/>
+            </a:solidFill>
+            <a:prstDash val="solid"/>
+            <a:bevel/>
+          </a:ln>
+          <a:effectLst>
+            <a:outerShdw blurRad="38100" dist="23000" dir="5400000" rotWithShape="0">
+              <a:srgbClr val="000000">
+                <a:alpha val="35000"/>
+              </a:srgbClr>
+            </a:outerShdw>
+          </a:effectLst>
+        </p:spPr>
+        <p:style>
+          <a:lnRef idx="0">
+            <a:scrgbClr r="0" g="0" b="0"/>
+          </a:lnRef>
+          <a:fillRef idx="0">
+            <a:scrgbClr r="0" g="0" b="0"/>
+          </a:fillRef>
+          <a:effectRef idx="0">
+            <a:scrgbClr r="0" g="0" b="0"/>
+          </a:effectRef>
+          <a:fontRef idx="none"/>
+        </p:style>
+        <p:txBody>
+          <a:bodyPr rot="0" vertOverflow="overflow" horzOverflow="overflow" vert="horz" wrap="square" lIns="45719" tIns="45719" rIns="45719" bIns="45719" numCol="1" spcCol="38100" rtlCol="0" anchor="ctr" forceAA="0">
+            <a:spAutoFit/>
+          </a:bodyPr>
+          <a:p>
+            <a:pPr marL="0" marR="0" indent="0" algn="l" defTabSz="914400" rtl="0" fontAlgn="auto" latinLnBrk="1" hangingPunct="0">
+              <a:lnSpc>
+                <a:spcPct val="100000"/>
+              </a:lnSpc>
+              <a:spcBef>
+                <a:spcPts val="0"/>
+              </a:spcBef>
+              <a:spcAft>
+                <a:spcPts val="0"/>
+              </a:spcAft>
+              <a:buClrTx/>
+              <a:buSzTx/>
+              <a:buFontTx/>
+              <a:buNone/>
+            </a:pPr>
+            <a:endParaRPr kumimoji="0" lang="zh-CN" altLang="en-US" sz="1800" b="0" i="0" u="none" strike="noStrike" cap="none" spc="0" normalizeH="0" baseline="0">
+              <a:ln>
+                <a:noFill/>
+              </a:ln>
+              <a:solidFill>
+                <a:srgbClr val="000000"/>
+              </a:solidFill>
+              <a:effectLst/>
+              <a:uFillTx/>
+              <a:latin typeface="Calibri"/>
+              <a:ea typeface="Calibri"/>
+              <a:cs typeface="Calibri"/>
+              <a:sym typeface="Calibri"/>
+            </a:endParaRPr>
+          </a:p>
+        </p:txBody>
+      </p:sp>
+      <p:sp>
+        <p:nvSpPr>
+          <p:cNvPr id="95" name="矩形 94"/>
+          <p:cNvSpPr/>
+          <p:nvPr/>
+        </p:nvSpPr>
+        <p:spPr>
+          <a:xfrm>
+            <a:off x="4427855" y="4437380"/>
+            <a:ext cx="288290" cy="215900"/>
+          </a:xfrm>
+          <a:prstGeom prst="rect">
+            <a:avLst/>
+          </a:prstGeom>
+          <a:solidFill>
+            <a:srgbClr val="FFFFFF"/>
+          </a:solidFill>
+          <a:ln w="25400" cap="flat">
+            <a:solidFill>
+              <a:srgbClr val="4F81BD"/>
+            </a:solidFill>
+            <a:prstDash val="solid"/>
+            <a:bevel/>
+          </a:ln>
+          <a:effectLst>
+            <a:outerShdw blurRad="38100" dist="23000" dir="5400000" rotWithShape="0">
+              <a:srgbClr val="000000">
+                <a:alpha val="35000"/>
+              </a:srgbClr>
+            </a:outerShdw>
+          </a:effectLst>
+        </p:spPr>
+        <p:style>
+          <a:lnRef idx="0">
+            <a:scrgbClr r="0" g="0" b="0"/>
+          </a:lnRef>
+          <a:fillRef idx="0">
+            <a:scrgbClr r="0" g="0" b="0"/>
+          </a:fillRef>
+          <a:effectRef idx="0">
+            <a:scrgbClr r="0" g="0" b="0"/>
+          </a:effectRef>
+          <a:fontRef idx="none"/>
+        </p:style>
+        <p:txBody>
+          <a:bodyPr rot="0" vertOverflow="overflow" horzOverflow="overflow" vert="horz" wrap="square" lIns="45719" tIns="45719" rIns="45719" bIns="45719" numCol="1" spcCol="38100" rtlCol="0" anchor="ctr" forceAA="0">
+            <a:spAutoFit/>
+          </a:bodyPr>
+          <a:p>
+            <a:pPr marL="0" marR="0" indent="0" algn="l" defTabSz="914400" rtl="0" fontAlgn="auto" latinLnBrk="1" hangingPunct="0">
+              <a:lnSpc>
+                <a:spcPct val="100000"/>
+              </a:lnSpc>
+              <a:spcBef>
+                <a:spcPts val="0"/>
+              </a:spcBef>
+              <a:spcAft>
+                <a:spcPts val="0"/>
+              </a:spcAft>
+              <a:buClrTx/>
+              <a:buSzTx/>
+              <a:buFontTx/>
+              <a:buNone/>
+            </a:pPr>
+            <a:endParaRPr kumimoji="0" lang="zh-CN" altLang="en-US" sz="1800" b="0" i="0" u="none" strike="noStrike" cap="none" spc="0" normalizeH="0" baseline="0">
+              <a:ln>
+                <a:noFill/>
+              </a:ln>
+              <a:solidFill>
+                <a:srgbClr val="000000"/>
+              </a:solidFill>
+              <a:effectLst/>
+              <a:uFillTx/>
+              <a:latin typeface="Calibri"/>
+              <a:ea typeface="Calibri"/>
+              <a:cs typeface="Calibri"/>
+              <a:sym typeface="Calibri"/>
+            </a:endParaRPr>
+          </a:p>
+        </p:txBody>
+      </p:sp>
+      <p:sp>
+        <p:nvSpPr>
+          <p:cNvPr id="96" name="矩形 95"/>
+          <p:cNvSpPr/>
+          <p:nvPr/>
+        </p:nvSpPr>
+        <p:spPr>
+          <a:xfrm>
+            <a:off x="4716145" y="4437380"/>
+            <a:ext cx="288290" cy="215900"/>
+          </a:xfrm>
+          <a:prstGeom prst="rect">
+            <a:avLst/>
+          </a:prstGeom>
+          <a:solidFill>
+            <a:schemeClr val="accent5"/>
+          </a:solidFill>
+          <a:ln w="25400" cap="flat">
+            <a:solidFill>
+              <a:srgbClr val="4F81BD"/>
+            </a:solidFill>
+            <a:prstDash val="solid"/>
+            <a:bevel/>
+          </a:ln>
+          <a:effectLst>
+            <a:outerShdw blurRad="38100" dist="23000" dir="5400000" rotWithShape="0">
+              <a:srgbClr val="000000">
+                <a:alpha val="35000"/>
+              </a:srgbClr>
+            </a:outerShdw>
+          </a:effectLst>
+        </p:spPr>
+        <p:style>
+          <a:lnRef idx="0">
+            <a:scrgbClr r="0" g="0" b="0"/>
+          </a:lnRef>
+          <a:fillRef idx="0">
+            <a:scrgbClr r="0" g="0" b="0"/>
+          </a:fillRef>
+          <a:effectRef idx="0">
+            <a:scrgbClr r="0" g="0" b="0"/>
+          </a:effectRef>
+          <a:fontRef idx="none"/>
+        </p:style>
+        <p:txBody>
+          <a:bodyPr rot="0" vertOverflow="overflow" horzOverflow="overflow" vert="horz" wrap="square" lIns="45719" tIns="45719" rIns="45719" bIns="45719" numCol="1" spcCol="38100" rtlCol="0" anchor="ctr" forceAA="0">
+            <a:spAutoFit/>
+          </a:bodyPr>
+          <a:p>
+            <a:pPr marL="0" marR="0" indent="0" algn="l" defTabSz="914400" rtl="0" fontAlgn="auto" latinLnBrk="1" hangingPunct="0">
+              <a:lnSpc>
+                <a:spcPct val="100000"/>
+              </a:lnSpc>
+              <a:spcBef>
+                <a:spcPts val="0"/>
+              </a:spcBef>
+              <a:spcAft>
+                <a:spcPts val="0"/>
+              </a:spcAft>
+              <a:buClrTx/>
+              <a:buSzTx/>
+              <a:buFontTx/>
+              <a:buNone/>
+            </a:pPr>
+            <a:endParaRPr kumimoji="0" lang="zh-CN" altLang="en-US" sz="1800" b="0" i="0" u="none" strike="noStrike" cap="none" spc="0" normalizeH="0" baseline="0">
+              <a:ln>
+                <a:noFill/>
+              </a:ln>
+              <a:solidFill>
+                <a:srgbClr val="000000"/>
+              </a:solidFill>
+              <a:effectLst/>
+              <a:uFillTx/>
+              <a:latin typeface="Calibri"/>
+              <a:ea typeface="Calibri"/>
+              <a:cs typeface="Calibri"/>
+              <a:sym typeface="Calibri"/>
+            </a:endParaRPr>
+          </a:p>
+        </p:txBody>
+      </p:sp>
+      <p:sp>
+        <p:nvSpPr>
+          <p:cNvPr id="97" name="矩形 96"/>
+          <p:cNvSpPr/>
+          <p:nvPr/>
+        </p:nvSpPr>
+        <p:spPr>
+          <a:xfrm>
+            <a:off x="5003800" y="4437380"/>
+            <a:ext cx="288290" cy="215900"/>
+          </a:xfrm>
+          <a:prstGeom prst="rect">
+            <a:avLst/>
+          </a:prstGeom>
+          <a:solidFill>
+            <a:srgbClr val="FFFFFF"/>
+          </a:solidFill>
+          <a:ln w="25400" cap="flat">
+            <a:solidFill>
+              <a:srgbClr val="4F81BD"/>
+            </a:solidFill>
+            <a:prstDash val="solid"/>
+            <a:bevel/>
+          </a:ln>
+          <a:effectLst>
+            <a:outerShdw blurRad="38100" dist="23000" dir="5400000" rotWithShape="0">
+              <a:srgbClr val="000000">
+                <a:alpha val="35000"/>
+              </a:srgbClr>
+            </a:outerShdw>
+          </a:effectLst>
+        </p:spPr>
+        <p:style>
+          <a:lnRef idx="0">
+            <a:scrgbClr r="0" g="0" b="0"/>
+          </a:lnRef>
+          <a:fillRef idx="0">
+            <a:scrgbClr r="0" g="0" b="0"/>
+          </a:fillRef>
+          <a:effectRef idx="0">
+            <a:scrgbClr r="0" g="0" b="0"/>
+          </a:effectRef>
+          <a:fontRef idx="none"/>
+        </p:style>
+        <p:txBody>
+          <a:bodyPr rot="0" vertOverflow="overflow" horzOverflow="overflow" vert="horz" wrap="square" lIns="45719" tIns="45719" rIns="45719" bIns="45719" numCol="1" spcCol="38100" rtlCol="0" anchor="ctr" forceAA="0">
+            <a:spAutoFit/>
+          </a:bodyPr>
+          <a:p>
+            <a:pPr marL="0" marR="0" indent="0" algn="l" defTabSz="914400" rtl="0" fontAlgn="auto" latinLnBrk="1" hangingPunct="0">
+              <a:lnSpc>
+                <a:spcPct val="100000"/>
+              </a:lnSpc>
+              <a:spcBef>
+                <a:spcPts val="0"/>
+              </a:spcBef>
+              <a:spcAft>
+                <a:spcPts val="0"/>
+              </a:spcAft>
+              <a:buClrTx/>
+              <a:buSzTx/>
+              <a:buFontTx/>
+              <a:buNone/>
+            </a:pPr>
+            <a:endParaRPr kumimoji="0" lang="zh-CN" altLang="en-US" sz="1800" b="0" i="0" u="none" strike="noStrike" cap="none" spc="0" normalizeH="0" baseline="0">
+              <a:ln>
+                <a:noFill/>
+              </a:ln>
+              <a:solidFill>
+                <a:srgbClr val="000000"/>
+              </a:solidFill>
+              <a:effectLst/>
+              <a:uFillTx/>
+              <a:latin typeface="Calibri"/>
+              <a:ea typeface="Calibri"/>
+              <a:cs typeface="Calibri"/>
+              <a:sym typeface="Calibri"/>
+            </a:endParaRPr>
+          </a:p>
+        </p:txBody>
+      </p:sp>
+      <p:sp>
+        <p:nvSpPr>
+          <p:cNvPr id="98" name="矩形 97"/>
+          <p:cNvSpPr/>
+          <p:nvPr/>
+        </p:nvSpPr>
+        <p:spPr>
+          <a:xfrm>
+            <a:off x="5292090" y="4437380"/>
+            <a:ext cx="288290" cy="215900"/>
+          </a:xfrm>
+          <a:prstGeom prst="rect">
+            <a:avLst/>
+          </a:prstGeom>
+          <a:solidFill>
+            <a:schemeClr val="accent5"/>
+          </a:solidFill>
+          <a:ln w="25400" cap="flat">
+            <a:solidFill>
+              <a:srgbClr val="4F81BD"/>
+            </a:solidFill>
+            <a:prstDash val="solid"/>
+            <a:bevel/>
+          </a:ln>
+          <a:effectLst>
+            <a:outerShdw blurRad="38100" dist="23000" dir="5400000" rotWithShape="0">
+              <a:srgbClr val="000000">
+                <a:alpha val="35000"/>
+              </a:srgbClr>
+            </a:outerShdw>
+          </a:effectLst>
+        </p:spPr>
+        <p:style>
+          <a:lnRef idx="0">
+            <a:scrgbClr r="0" g="0" b="0"/>
+          </a:lnRef>
+          <a:fillRef idx="0">
+            <a:scrgbClr r="0" g="0" b="0"/>
+          </a:fillRef>
+          <a:effectRef idx="0">
+            <a:scrgbClr r="0" g="0" b="0"/>
+          </a:effectRef>
+          <a:fontRef idx="none"/>
+        </p:style>
+        <p:txBody>
+          <a:bodyPr rot="0" vertOverflow="overflow" horzOverflow="overflow" vert="horz" wrap="square" lIns="45719" tIns="45719" rIns="45719" bIns="45719" numCol="1" spcCol="38100" rtlCol="0" anchor="ctr" forceAA="0">
+            <a:spAutoFit/>
+          </a:bodyPr>
+          <a:p>
+            <a:pPr marL="0" marR="0" indent="0" algn="l" defTabSz="914400" rtl="0" fontAlgn="auto" latinLnBrk="1" hangingPunct="0">
+              <a:lnSpc>
+                <a:spcPct val="100000"/>
+              </a:lnSpc>
+              <a:spcBef>
+                <a:spcPts val="0"/>
+              </a:spcBef>
+              <a:spcAft>
+                <a:spcPts val="0"/>
+              </a:spcAft>
+              <a:buClrTx/>
+              <a:buSzTx/>
+              <a:buFontTx/>
+              <a:buNone/>
+            </a:pPr>
+            <a:endParaRPr kumimoji="0" lang="zh-CN" altLang="en-US" sz="1800" b="0" i="0" u="none" strike="noStrike" cap="none" spc="0" normalizeH="0" baseline="0">
+              <a:ln>
+                <a:noFill/>
+              </a:ln>
+              <a:solidFill>
+                <a:srgbClr val="000000"/>
+              </a:solidFill>
+              <a:effectLst/>
+              <a:uFillTx/>
+              <a:latin typeface="Calibri"/>
+              <a:ea typeface="Calibri"/>
+              <a:cs typeface="Calibri"/>
+              <a:sym typeface="Calibri"/>
+            </a:endParaRPr>
+          </a:p>
+        </p:txBody>
+      </p:sp>
+      <p:sp>
+        <p:nvSpPr>
+          <p:cNvPr id="99" name="矩形 98"/>
+          <p:cNvSpPr/>
+          <p:nvPr/>
+        </p:nvSpPr>
+        <p:spPr>
+          <a:xfrm>
+            <a:off x="5579745" y="4437380"/>
+            <a:ext cx="288290" cy="215900"/>
+          </a:xfrm>
+          <a:prstGeom prst="rect">
+            <a:avLst/>
+          </a:prstGeom>
+          <a:solidFill>
+            <a:srgbClr val="FFFFFF"/>
+          </a:solidFill>
+          <a:ln w="25400" cap="flat">
+            <a:solidFill>
+              <a:srgbClr val="4F81BD"/>
+            </a:solidFill>
+            <a:prstDash val="solid"/>
+            <a:bevel/>
+          </a:ln>
+          <a:effectLst>
+            <a:outerShdw blurRad="38100" dist="23000" dir="5400000" rotWithShape="0">
+              <a:srgbClr val="000000">
+                <a:alpha val="35000"/>
+              </a:srgbClr>
+            </a:outerShdw>
+          </a:effectLst>
+        </p:spPr>
+        <p:style>
+          <a:lnRef idx="0">
+            <a:scrgbClr r="0" g="0" b="0"/>
+          </a:lnRef>
+          <a:fillRef idx="0">
+            <a:scrgbClr r="0" g="0" b="0"/>
+          </a:fillRef>
+          <a:effectRef idx="0">
+            <a:scrgbClr r="0" g="0" b="0"/>
+          </a:effectRef>
+          <a:fontRef idx="none"/>
+        </p:style>
+        <p:txBody>
+          <a:bodyPr rot="0" vertOverflow="overflow" horzOverflow="overflow" vert="horz" wrap="square" lIns="45719" tIns="45719" rIns="45719" bIns="45719" numCol="1" spcCol="38100" rtlCol="0" anchor="ctr" forceAA="0">
+            <a:spAutoFit/>
+          </a:bodyPr>
+          <a:p>
+            <a:pPr marL="0" marR="0" indent="0" algn="l" defTabSz="914400" rtl="0" fontAlgn="auto" latinLnBrk="1" hangingPunct="0">
+              <a:lnSpc>
+                <a:spcPct val="100000"/>
+              </a:lnSpc>
+              <a:spcBef>
+                <a:spcPts val="0"/>
+              </a:spcBef>
+              <a:spcAft>
+                <a:spcPts val="0"/>
+              </a:spcAft>
+              <a:buClrTx/>
+              <a:buSzTx/>
+              <a:buFontTx/>
+              <a:buNone/>
+            </a:pPr>
+            <a:endParaRPr kumimoji="0" lang="zh-CN" altLang="en-US" sz="1800" b="0" i="0" u="none" strike="noStrike" cap="none" spc="0" normalizeH="0" baseline="0">
+              <a:ln>
+                <a:noFill/>
+              </a:ln>
+              <a:solidFill>
+                <a:srgbClr val="000000"/>
+              </a:solidFill>
+              <a:effectLst/>
+              <a:uFillTx/>
+              <a:latin typeface="Calibri"/>
+              <a:ea typeface="Calibri"/>
+              <a:cs typeface="Calibri"/>
+              <a:sym typeface="Calibri"/>
+            </a:endParaRPr>
+          </a:p>
+        </p:txBody>
+      </p:sp>
+      <p:sp>
+        <p:nvSpPr>
+          <p:cNvPr id="100" name="矩形 99"/>
+          <p:cNvSpPr/>
+          <p:nvPr/>
+        </p:nvSpPr>
+        <p:spPr>
+          <a:xfrm>
+            <a:off x="6155690" y="4653280"/>
+            <a:ext cx="288290" cy="215900"/>
+          </a:xfrm>
+          <a:prstGeom prst="rect">
+            <a:avLst/>
+          </a:prstGeom>
+          <a:solidFill>
+            <a:schemeClr val="accent5"/>
+          </a:solidFill>
+          <a:ln w="25400" cap="flat">
+            <a:solidFill>
+              <a:srgbClr val="4F81BD"/>
+            </a:solidFill>
+            <a:prstDash val="solid"/>
+            <a:bevel/>
+          </a:ln>
+          <a:effectLst>
+            <a:outerShdw blurRad="38100" dist="23000" dir="5400000" rotWithShape="0">
+              <a:srgbClr val="000000">
+                <a:alpha val="35000"/>
+              </a:srgbClr>
+            </a:outerShdw>
+          </a:effectLst>
+        </p:spPr>
+        <p:style>
+          <a:lnRef idx="0">
+            <a:scrgbClr r="0" g="0" b="0"/>
+          </a:lnRef>
+          <a:fillRef idx="0">
+            <a:scrgbClr r="0" g="0" b="0"/>
+          </a:fillRef>
+          <a:effectRef idx="0">
+            <a:scrgbClr r="0" g="0" b="0"/>
+          </a:effectRef>
+          <a:fontRef idx="none"/>
+        </p:style>
+        <p:txBody>
+          <a:bodyPr rot="0" vertOverflow="overflow" horzOverflow="overflow" vert="horz" wrap="square" lIns="45719" tIns="45719" rIns="45719" bIns="45719" numCol="1" spcCol="38100" rtlCol="0" anchor="ctr" forceAA="0">
+            <a:spAutoFit/>
+          </a:bodyPr>
+          <a:p>
+            <a:pPr marL="0" marR="0" indent="0" algn="l" defTabSz="914400" rtl="0" fontAlgn="auto" latinLnBrk="1" hangingPunct="0">
+              <a:lnSpc>
+                <a:spcPct val="100000"/>
+              </a:lnSpc>
+              <a:spcBef>
+                <a:spcPts val="0"/>
+              </a:spcBef>
+              <a:spcAft>
+                <a:spcPts val="0"/>
+              </a:spcAft>
+              <a:buClrTx/>
+              <a:buSzTx/>
+              <a:buFontTx/>
+              <a:buNone/>
+            </a:pPr>
+            <a:endParaRPr kumimoji="0" lang="zh-CN" altLang="en-US" sz="1800" b="0" i="0" u="none" strike="noStrike" cap="none" spc="0" normalizeH="0" baseline="0">
+              <a:ln>
+                <a:noFill/>
+              </a:ln>
+              <a:solidFill>
+                <a:srgbClr val="000000"/>
+              </a:solidFill>
+              <a:effectLst/>
+              <a:uFillTx/>
+              <a:latin typeface="Calibri"/>
+              <a:ea typeface="Calibri"/>
+              <a:cs typeface="Calibri"/>
+              <a:sym typeface="Calibri"/>
+            </a:endParaRPr>
+          </a:p>
+        </p:txBody>
+      </p:sp>
+      <p:sp>
+        <p:nvSpPr>
+          <p:cNvPr id="101" name="矩形 100"/>
+          <p:cNvSpPr/>
+          <p:nvPr/>
+        </p:nvSpPr>
+        <p:spPr>
+          <a:xfrm>
+            <a:off x="6443980" y="4653280"/>
+            <a:ext cx="288290" cy="215900"/>
+          </a:xfrm>
+          <a:prstGeom prst="rect">
+            <a:avLst/>
+          </a:prstGeom>
+          <a:solidFill>
+            <a:srgbClr val="FFFFFF"/>
+          </a:solidFill>
+          <a:ln w="25400" cap="flat">
+            <a:solidFill>
+              <a:srgbClr val="4F81BD"/>
+            </a:solidFill>
+            <a:prstDash val="solid"/>
+            <a:bevel/>
+          </a:ln>
+          <a:effectLst>
+            <a:outerShdw blurRad="38100" dist="23000" dir="5400000" rotWithShape="0">
+              <a:srgbClr val="000000">
+                <a:alpha val="35000"/>
+              </a:srgbClr>
+            </a:outerShdw>
+          </a:effectLst>
+        </p:spPr>
+        <p:style>
+          <a:lnRef idx="0">
+            <a:scrgbClr r="0" g="0" b="0"/>
+          </a:lnRef>
+          <a:fillRef idx="0">
+            <a:scrgbClr r="0" g="0" b="0"/>
+          </a:fillRef>
+          <a:effectRef idx="0">
+            <a:scrgbClr r="0" g="0" b="0"/>
+          </a:effectRef>
+          <a:fontRef idx="none"/>
+        </p:style>
+        <p:txBody>
+          <a:bodyPr rot="0" vertOverflow="overflow" horzOverflow="overflow" vert="horz" wrap="square" lIns="45719" tIns="45719" rIns="45719" bIns="45719" numCol="1" spcCol="38100" rtlCol="0" anchor="ctr" forceAA="0">
+            <a:spAutoFit/>
+          </a:bodyPr>
+          <a:p>
+            <a:pPr marL="0" marR="0" indent="0" algn="l" defTabSz="914400" rtl="0" fontAlgn="auto" latinLnBrk="1" hangingPunct="0">
+              <a:lnSpc>
+                <a:spcPct val="100000"/>
+              </a:lnSpc>
+              <a:spcBef>
+                <a:spcPts val="0"/>
+              </a:spcBef>
+              <a:spcAft>
+                <a:spcPts val="0"/>
+              </a:spcAft>
+              <a:buClrTx/>
+              <a:buSzTx/>
+              <a:buFontTx/>
+              <a:buNone/>
+            </a:pPr>
+            <a:endParaRPr kumimoji="0" lang="zh-CN" altLang="en-US" sz="1800" b="0" i="0" u="none" strike="noStrike" cap="none" spc="0" normalizeH="0" baseline="0">
+              <a:ln>
+                <a:noFill/>
+              </a:ln>
+              <a:solidFill>
+                <a:srgbClr val="000000"/>
+              </a:solidFill>
+              <a:effectLst/>
+              <a:uFillTx/>
+              <a:latin typeface="Calibri"/>
+              <a:ea typeface="Calibri"/>
+              <a:cs typeface="Calibri"/>
+              <a:sym typeface="Calibri"/>
+            </a:endParaRPr>
+          </a:p>
+        </p:txBody>
+      </p:sp>
+      <p:sp>
+        <p:nvSpPr>
+          <p:cNvPr id="102" name="矩形 101"/>
+          <p:cNvSpPr/>
+          <p:nvPr/>
+        </p:nvSpPr>
+        <p:spPr>
+          <a:xfrm>
+            <a:off x="6732270" y="4653280"/>
+            <a:ext cx="288290" cy="215900"/>
+          </a:xfrm>
+          <a:prstGeom prst="rect">
+            <a:avLst/>
+          </a:prstGeom>
+          <a:solidFill>
+            <a:schemeClr val="accent5"/>
+          </a:solidFill>
+          <a:ln w="25400" cap="flat">
+            <a:solidFill>
+              <a:srgbClr val="4F81BD"/>
+            </a:solidFill>
+            <a:prstDash val="solid"/>
+            <a:bevel/>
+          </a:ln>
+          <a:effectLst>
+            <a:outerShdw blurRad="38100" dist="23000" dir="5400000" rotWithShape="0">
+              <a:srgbClr val="000000">
+                <a:alpha val="35000"/>
+              </a:srgbClr>
+            </a:outerShdw>
+          </a:effectLst>
+        </p:spPr>
+        <p:style>
+          <a:lnRef idx="0">
+            <a:scrgbClr r="0" g="0" b="0"/>
+          </a:lnRef>
+          <a:fillRef idx="0">
+            <a:scrgbClr r="0" g="0" b="0"/>
+          </a:fillRef>
+          <a:effectRef idx="0">
+            <a:scrgbClr r="0" g="0" b="0"/>
+          </a:effectRef>
+          <a:fontRef idx="none"/>
+        </p:style>
+        <p:txBody>
+          <a:bodyPr rot="0" vertOverflow="overflow" horzOverflow="overflow" vert="horz" wrap="square" lIns="45719" tIns="45719" rIns="45719" bIns="45719" numCol="1" spcCol="38100" rtlCol="0" anchor="ctr" forceAA="0">
+            <a:spAutoFit/>
+          </a:bodyPr>
+          <a:p>
+            <a:pPr marL="0" marR="0" indent="0" algn="l" defTabSz="914400" rtl="0" fontAlgn="auto" latinLnBrk="1" hangingPunct="0">
+              <a:lnSpc>
+                <a:spcPct val="100000"/>
+              </a:lnSpc>
+              <a:spcBef>
+                <a:spcPts val="0"/>
+              </a:spcBef>
+              <a:spcAft>
+                <a:spcPts val="0"/>
+              </a:spcAft>
+              <a:buClrTx/>
+              <a:buSzTx/>
+              <a:buFontTx/>
+              <a:buNone/>
+            </a:pPr>
+            <a:endParaRPr kumimoji="0" lang="zh-CN" altLang="en-US" sz="1800" b="0" i="0" u="none" strike="noStrike" cap="none" spc="0" normalizeH="0" baseline="0">
+              <a:ln>
+                <a:noFill/>
+              </a:ln>
+              <a:solidFill>
+                <a:srgbClr val="000000"/>
+              </a:solidFill>
+              <a:effectLst/>
+              <a:uFillTx/>
+              <a:latin typeface="Calibri"/>
+              <a:ea typeface="Calibri"/>
+              <a:cs typeface="Calibri"/>
+              <a:sym typeface="Calibri"/>
+            </a:endParaRPr>
+          </a:p>
+        </p:txBody>
+      </p:sp>
+      <p:sp>
+        <p:nvSpPr>
+          <p:cNvPr id="103" name="矩形 102"/>
+          <p:cNvSpPr/>
+          <p:nvPr/>
+        </p:nvSpPr>
+        <p:spPr>
+          <a:xfrm>
+            <a:off x="7019925" y="4653280"/>
+            <a:ext cx="288290" cy="215900"/>
+          </a:xfrm>
+          <a:prstGeom prst="rect">
+            <a:avLst/>
+          </a:prstGeom>
+          <a:solidFill>
+            <a:srgbClr val="FFFFFF"/>
+          </a:solidFill>
+          <a:ln w="25400" cap="flat">
+            <a:solidFill>
+              <a:srgbClr val="4F81BD"/>
+            </a:solidFill>
+            <a:prstDash val="solid"/>
+            <a:bevel/>
+          </a:ln>
+          <a:effectLst>
+            <a:outerShdw blurRad="38100" dist="23000" dir="5400000" rotWithShape="0">
+              <a:srgbClr val="000000">
+                <a:alpha val="35000"/>
+              </a:srgbClr>
+            </a:outerShdw>
+          </a:effectLst>
+        </p:spPr>
+        <p:style>
+          <a:lnRef idx="0">
+            <a:scrgbClr r="0" g="0" b="0"/>
+          </a:lnRef>
+          <a:fillRef idx="0">
+            <a:scrgbClr r="0" g="0" b="0"/>
+          </a:fillRef>
+          <a:effectRef idx="0">
+            <a:scrgbClr r="0" g="0" b="0"/>
+          </a:effectRef>
+          <a:fontRef idx="none"/>
+        </p:style>
+        <p:txBody>
+          <a:bodyPr rot="0" vertOverflow="overflow" horzOverflow="overflow" vert="horz" wrap="square" lIns="45719" tIns="45719" rIns="45719" bIns="45719" numCol="1" spcCol="38100" rtlCol="0" anchor="ctr" forceAA="0">
+            <a:spAutoFit/>
+          </a:bodyPr>
+          <a:p>
+            <a:pPr marL="0" marR="0" indent="0" algn="l" defTabSz="914400" rtl="0" fontAlgn="auto" latinLnBrk="1" hangingPunct="0">
+              <a:lnSpc>
+                <a:spcPct val="100000"/>
+              </a:lnSpc>
+              <a:spcBef>
+                <a:spcPts val="0"/>
+              </a:spcBef>
+              <a:spcAft>
+                <a:spcPts val="0"/>
+              </a:spcAft>
+              <a:buClrTx/>
+              <a:buSzTx/>
+              <a:buFontTx/>
+              <a:buNone/>
+            </a:pPr>
+            <a:endParaRPr kumimoji="0" lang="zh-CN" altLang="en-US" sz="1800" b="0" i="0" u="none" strike="noStrike" cap="none" spc="0" normalizeH="0" baseline="0">
+              <a:ln>
+                <a:noFill/>
+              </a:ln>
+              <a:solidFill>
+                <a:srgbClr val="000000"/>
+              </a:solidFill>
+              <a:effectLst/>
+              <a:uFillTx/>
+              <a:latin typeface="Calibri"/>
+              <a:ea typeface="Calibri"/>
+              <a:cs typeface="Calibri"/>
+              <a:sym typeface="Calibri"/>
+            </a:endParaRPr>
+          </a:p>
+        </p:txBody>
+      </p:sp>
+      <p:sp>
+        <p:nvSpPr>
+          <p:cNvPr id="104" name="矩形 103"/>
+          <p:cNvSpPr/>
+          <p:nvPr/>
+        </p:nvSpPr>
+        <p:spPr>
+          <a:xfrm>
+            <a:off x="7308215" y="4653280"/>
+            <a:ext cx="288290" cy="215900"/>
+          </a:xfrm>
+          <a:prstGeom prst="rect">
+            <a:avLst/>
+          </a:prstGeom>
+          <a:solidFill>
+            <a:schemeClr val="accent5"/>
+          </a:solidFill>
+          <a:ln w="25400" cap="flat">
+            <a:solidFill>
+              <a:srgbClr val="4F81BD"/>
+            </a:solidFill>
+            <a:prstDash val="solid"/>
+            <a:bevel/>
+          </a:ln>
+          <a:effectLst>
+            <a:outerShdw blurRad="38100" dist="23000" dir="5400000" rotWithShape="0">
+              <a:srgbClr val="000000">
+                <a:alpha val="35000"/>
+              </a:srgbClr>
+            </a:outerShdw>
+          </a:effectLst>
+        </p:spPr>
+        <p:style>
+          <a:lnRef idx="0">
+            <a:scrgbClr r="0" g="0" b="0"/>
+          </a:lnRef>
+          <a:fillRef idx="0">
+            <a:scrgbClr r="0" g="0" b="0"/>
+          </a:fillRef>
+          <a:effectRef idx="0">
+            <a:scrgbClr r="0" g="0" b="0"/>
+          </a:effectRef>
+          <a:fontRef idx="none"/>
+        </p:style>
+        <p:txBody>
+          <a:bodyPr rot="0" vertOverflow="overflow" horzOverflow="overflow" vert="horz" wrap="square" lIns="45719" tIns="45719" rIns="45719" bIns="45719" numCol="1" spcCol="38100" rtlCol="0" anchor="ctr" forceAA="0">
+            <a:spAutoFit/>
+          </a:bodyPr>
+          <a:p>
+            <a:pPr marL="0" marR="0" indent="0" algn="l" defTabSz="914400" rtl="0" fontAlgn="auto" latinLnBrk="1" hangingPunct="0">
+              <a:lnSpc>
+                <a:spcPct val="100000"/>
+              </a:lnSpc>
+              <a:spcBef>
+                <a:spcPts val="0"/>
+              </a:spcBef>
+              <a:spcAft>
+                <a:spcPts val="0"/>
+              </a:spcAft>
+              <a:buClrTx/>
+              <a:buSzTx/>
+              <a:buFontTx/>
+              <a:buNone/>
+            </a:pPr>
+            <a:endParaRPr kumimoji="0" lang="zh-CN" altLang="en-US" sz="1800" b="0" i="0" u="none" strike="noStrike" cap="none" spc="0" normalizeH="0" baseline="0">
+              <a:ln>
+                <a:noFill/>
+              </a:ln>
+              <a:solidFill>
+                <a:srgbClr val="000000"/>
+              </a:solidFill>
+              <a:effectLst/>
+              <a:uFillTx/>
+              <a:latin typeface="Calibri"/>
+              <a:ea typeface="Calibri"/>
+              <a:cs typeface="Calibri"/>
+              <a:sym typeface="Calibri"/>
+            </a:endParaRPr>
+          </a:p>
+        </p:txBody>
+      </p:sp>
+      <p:sp>
+        <p:nvSpPr>
+          <p:cNvPr id="105" name="矩形 104"/>
+          <p:cNvSpPr/>
+          <p:nvPr/>
+        </p:nvSpPr>
+        <p:spPr>
+          <a:xfrm>
+            <a:off x="7595870" y="4653280"/>
+            <a:ext cx="288290" cy="215900"/>
+          </a:xfrm>
+          <a:prstGeom prst="rect">
+            <a:avLst/>
+          </a:prstGeom>
+          <a:solidFill>
+            <a:srgbClr val="FFFFFF"/>
+          </a:solidFill>
+          <a:ln w="25400" cap="flat">
+            <a:solidFill>
+              <a:srgbClr val="4F81BD"/>
+            </a:solidFill>
+            <a:prstDash val="solid"/>
+            <a:bevel/>
+          </a:ln>
+          <a:effectLst>
+            <a:outerShdw blurRad="38100" dist="23000" dir="5400000" rotWithShape="0">
+              <a:srgbClr val="000000">
+                <a:alpha val="35000"/>
+              </a:srgbClr>
+            </a:outerShdw>
+          </a:effectLst>
+        </p:spPr>
+        <p:style>
+          <a:lnRef idx="0">
+            <a:scrgbClr r="0" g="0" b="0"/>
+          </a:lnRef>
+          <a:fillRef idx="0">
+            <a:scrgbClr r="0" g="0" b="0"/>
+          </a:fillRef>
+          <a:effectRef idx="0">
+            <a:scrgbClr r="0" g="0" b="0"/>
+          </a:effectRef>
+          <a:fontRef idx="none"/>
+        </p:style>
+        <p:txBody>
+          <a:bodyPr rot="0" vertOverflow="overflow" horzOverflow="overflow" vert="horz" wrap="square" lIns="45719" tIns="45719" rIns="45719" bIns="45719" numCol="1" spcCol="38100" rtlCol="0" anchor="ctr" forceAA="0">
+            <a:spAutoFit/>
+          </a:bodyPr>
+          <a:p>
+            <a:pPr marL="0" marR="0" indent="0" algn="l" defTabSz="914400" rtl="0" fontAlgn="auto" latinLnBrk="1" hangingPunct="0">
+              <a:lnSpc>
+                <a:spcPct val="100000"/>
+              </a:lnSpc>
+              <a:spcBef>
+                <a:spcPts val="0"/>
+              </a:spcBef>
+              <a:spcAft>
+                <a:spcPts val="0"/>
+              </a:spcAft>
+              <a:buClrTx/>
+              <a:buSzTx/>
+              <a:buFontTx/>
+              <a:buNone/>
+            </a:pPr>
+            <a:endParaRPr kumimoji="0" lang="zh-CN" altLang="en-US" sz="1800" b="0" i="0" u="none" strike="noStrike" cap="none" spc="0" normalizeH="0" baseline="0">
+              <a:ln>
+                <a:noFill/>
+              </a:ln>
+              <a:solidFill>
+                <a:srgbClr val="000000"/>
+              </a:solidFill>
+              <a:effectLst/>
+              <a:uFillTx/>
+              <a:latin typeface="Calibri"/>
+              <a:ea typeface="Calibri"/>
+              <a:cs typeface="Calibri"/>
+              <a:sym typeface="Calibri"/>
+            </a:endParaRPr>
+          </a:p>
+        </p:txBody>
+      </p:sp>
+      <p:sp>
+        <p:nvSpPr>
+          <p:cNvPr id="106" name="矩形 105"/>
+          <p:cNvSpPr/>
+          <p:nvPr/>
+        </p:nvSpPr>
+        <p:spPr>
+          <a:xfrm>
+            <a:off x="7379970" y="4005580"/>
+            <a:ext cx="288290" cy="215900"/>
+          </a:xfrm>
+          <a:prstGeom prst="rect">
+            <a:avLst/>
+          </a:prstGeom>
+          <a:solidFill>
+            <a:schemeClr val="accent5"/>
+          </a:solidFill>
+          <a:ln w="25400" cap="flat">
+            <a:solidFill>
+              <a:srgbClr val="4F81BD"/>
+            </a:solidFill>
+            <a:prstDash val="solid"/>
+            <a:bevel/>
+          </a:ln>
+          <a:effectLst>
+            <a:outerShdw blurRad="38100" dist="23000" dir="5400000" rotWithShape="0">
+              <a:srgbClr val="000000">
+                <a:alpha val="35000"/>
+              </a:srgbClr>
+            </a:outerShdw>
+          </a:effectLst>
+        </p:spPr>
+        <p:style>
+          <a:lnRef idx="0">
+            <a:scrgbClr r="0" g="0" b="0"/>
+          </a:lnRef>
+          <a:fillRef idx="0">
+            <a:scrgbClr r="0" g="0" b="0"/>
+          </a:fillRef>
+          <a:effectRef idx="0">
+            <a:scrgbClr r="0" g="0" b="0"/>
+          </a:effectRef>
+          <a:fontRef idx="none"/>
+        </p:style>
+        <p:txBody>
+          <a:bodyPr rot="0" vertOverflow="overflow" horzOverflow="overflow" vert="horz" wrap="square" lIns="45719" tIns="45719" rIns="45719" bIns="45719" numCol="1" spcCol="38100" rtlCol="0" anchor="ctr" forceAA="0">
+            <a:spAutoFit/>
+          </a:bodyPr>
+          <a:p>
+            <a:pPr marL="0" marR="0" indent="0" algn="l" defTabSz="914400" rtl="0" fontAlgn="auto" latinLnBrk="1" hangingPunct="0">
+              <a:lnSpc>
+                <a:spcPct val="100000"/>
+              </a:lnSpc>
+              <a:spcBef>
+                <a:spcPts val="0"/>
+              </a:spcBef>
+              <a:spcAft>
+                <a:spcPts val="0"/>
+              </a:spcAft>
+              <a:buClrTx/>
+              <a:buSzTx/>
+              <a:buFontTx/>
+              <a:buNone/>
+            </a:pPr>
+            <a:endParaRPr kumimoji="0" lang="zh-CN" altLang="en-US" sz="1800" b="0" i="0" u="none" strike="noStrike" cap="none" spc="0" normalizeH="0" baseline="0">
+              <a:ln>
+                <a:noFill/>
+              </a:ln>
+              <a:solidFill>
+                <a:srgbClr val="000000"/>
+              </a:solidFill>
+              <a:effectLst/>
+              <a:uFillTx/>
+              <a:latin typeface="Calibri"/>
+              <a:ea typeface="Calibri"/>
+              <a:cs typeface="Calibri"/>
+              <a:sym typeface="Calibri"/>
+            </a:endParaRPr>
+          </a:p>
+        </p:txBody>
+      </p:sp>
+      <p:sp>
+        <p:nvSpPr>
+          <p:cNvPr id="107" name="矩形 106"/>
+          <p:cNvSpPr/>
+          <p:nvPr/>
+        </p:nvSpPr>
+        <p:spPr>
+          <a:xfrm>
+            <a:off x="7668260" y="4005580"/>
+            <a:ext cx="288290" cy="215900"/>
+          </a:xfrm>
+          <a:prstGeom prst="rect">
+            <a:avLst/>
+          </a:prstGeom>
+          <a:solidFill>
+            <a:srgbClr val="FFFFFF"/>
+          </a:solidFill>
+          <a:ln w="25400" cap="flat">
+            <a:solidFill>
+              <a:srgbClr val="4F81BD"/>
+            </a:solidFill>
+            <a:prstDash val="solid"/>
+            <a:bevel/>
+          </a:ln>
+          <a:effectLst>
+            <a:outerShdw blurRad="38100" dist="23000" dir="5400000" rotWithShape="0">
+              <a:srgbClr val="000000">
+                <a:alpha val="35000"/>
+              </a:srgbClr>
+            </a:outerShdw>
+          </a:effectLst>
+        </p:spPr>
+        <p:style>
+          <a:lnRef idx="0">
+            <a:scrgbClr r="0" g="0" b="0"/>
+          </a:lnRef>
+          <a:fillRef idx="0">
+            <a:scrgbClr r="0" g="0" b="0"/>
+          </a:fillRef>
+          <a:effectRef idx="0">
+            <a:scrgbClr r="0" g="0" b="0"/>
+          </a:effectRef>
+          <a:fontRef idx="none"/>
+        </p:style>
+        <p:txBody>
+          <a:bodyPr rot="0" vertOverflow="overflow" horzOverflow="overflow" vert="horz" wrap="square" lIns="45719" tIns="45719" rIns="45719" bIns="45719" numCol="1" spcCol="38100" rtlCol="0" anchor="ctr" forceAA="0">
+            <a:spAutoFit/>
+          </a:bodyPr>
+          <a:p>
+            <a:pPr marL="0" marR="0" indent="0" algn="l" defTabSz="914400" rtl="0" fontAlgn="auto" latinLnBrk="1" hangingPunct="0">
+              <a:lnSpc>
+                <a:spcPct val="100000"/>
+              </a:lnSpc>
+              <a:spcBef>
+                <a:spcPts val="0"/>
+              </a:spcBef>
+              <a:spcAft>
+                <a:spcPts val="0"/>
+              </a:spcAft>
+              <a:buClrTx/>
+              <a:buSzTx/>
+              <a:buFontTx/>
+              <a:buNone/>
+            </a:pPr>
+            <a:endParaRPr kumimoji="0" lang="zh-CN" altLang="en-US" sz="1800" b="0" i="0" u="none" strike="noStrike" cap="none" spc="0" normalizeH="0" baseline="0">
+              <a:ln>
+                <a:noFill/>
+              </a:ln>
+              <a:solidFill>
+                <a:srgbClr val="000000"/>
+              </a:solidFill>
+              <a:effectLst/>
+              <a:uFillTx/>
+              <a:latin typeface="Calibri"/>
+              <a:ea typeface="Calibri"/>
+              <a:cs typeface="Calibri"/>
+              <a:sym typeface="Calibri"/>
+            </a:endParaRPr>
+          </a:p>
+        </p:txBody>
+      </p:sp>
+      <p:sp>
+        <p:nvSpPr>
+          <p:cNvPr id="108" name="矩形 107"/>
+          <p:cNvSpPr/>
+          <p:nvPr/>
+        </p:nvSpPr>
+        <p:spPr>
+          <a:xfrm>
+            <a:off x="7956550" y="4005580"/>
+            <a:ext cx="288290" cy="215900"/>
+          </a:xfrm>
+          <a:prstGeom prst="rect">
+            <a:avLst/>
+          </a:prstGeom>
+          <a:solidFill>
+            <a:schemeClr val="accent5"/>
+          </a:solidFill>
+          <a:ln w="25400" cap="flat">
+            <a:solidFill>
+              <a:srgbClr val="4F81BD"/>
+            </a:solidFill>
+            <a:prstDash val="solid"/>
+            <a:bevel/>
+          </a:ln>
+          <a:effectLst>
+            <a:outerShdw blurRad="38100" dist="23000" dir="5400000" rotWithShape="0">
+              <a:srgbClr val="000000">
+                <a:alpha val="35000"/>
+              </a:srgbClr>
+            </a:outerShdw>
+          </a:effectLst>
+        </p:spPr>
+        <p:style>
+          <a:lnRef idx="0">
+            <a:scrgbClr r="0" g="0" b="0"/>
+          </a:lnRef>
+          <a:fillRef idx="0">
+            <a:scrgbClr r="0" g="0" b="0"/>
+          </a:fillRef>
+          <a:effectRef idx="0">
+            <a:scrgbClr r="0" g="0" b="0"/>
+          </a:effectRef>
+          <a:fontRef idx="none"/>
+        </p:style>
+        <p:txBody>
+          <a:bodyPr rot="0" vertOverflow="overflow" horzOverflow="overflow" vert="horz" wrap="square" lIns="45719" tIns="45719" rIns="45719" bIns="45719" numCol="1" spcCol="38100" rtlCol="0" anchor="ctr" forceAA="0">
+            <a:spAutoFit/>
+          </a:bodyPr>
+          <a:p>
+            <a:pPr marL="0" marR="0" indent="0" algn="l" defTabSz="914400" rtl="0" fontAlgn="auto" latinLnBrk="1" hangingPunct="0">
+              <a:lnSpc>
+                <a:spcPct val="100000"/>
+              </a:lnSpc>
+              <a:spcBef>
+                <a:spcPts val="0"/>
+              </a:spcBef>
+              <a:spcAft>
+                <a:spcPts val="0"/>
+              </a:spcAft>
+              <a:buClrTx/>
+              <a:buSzTx/>
+              <a:buFontTx/>
+              <a:buNone/>
+            </a:pPr>
+            <a:endParaRPr kumimoji="0" lang="zh-CN" altLang="en-US" sz="1800" b="0" i="0" u="none" strike="noStrike" cap="none" spc="0" normalizeH="0" baseline="0">
+              <a:ln>
+                <a:noFill/>
+              </a:ln>
+              <a:solidFill>
+                <a:srgbClr val="000000"/>
+              </a:solidFill>
+              <a:effectLst/>
+              <a:uFillTx/>
+              <a:latin typeface="Calibri"/>
+              <a:ea typeface="Calibri"/>
+              <a:cs typeface="Calibri"/>
+              <a:sym typeface="Calibri"/>
+            </a:endParaRPr>
+          </a:p>
+        </p:txBody>
+      </p:sp>
+      <p:sp>
+        <p:nvSpPr>
+          <p:cNvPr id="109" name="矩形 108"/>
+          <p:cNvSpPr/>
+          <p:nvPr/>
+        </p:nvSpPr>
+        <p:spPr>
+          <a:xfrm>
+            <a:off x="8244205" y="4005580"/>
+            <a:ext cx="288290" cy="215900"/>
+          </a:xfrm>
+          <a:prstGeom prst="rect">
+            <a:avLst/>
+          </a:prstGeom>
+          <a:solidFill>
+            <a:srgbClr val="FFFFFF"/>
+          </a:solidFill>
+          <a:ln w="25400" cap="flat">
+            <a:solidFill>
+              <a:srgbClr val="4F81BD"/>
+            </a:solidFill>
+            <a:prstDash val="solid"/>
+            <a:bevel/>
+          </a:ln>
+          <a:effectLst>
+            <a:outerShdw blurRad="38100" dist="23000" dir="5400000" rotWithShape="0">
+              <a:srgbClr val="000000">
+                <a:alpha val="35000"/>
+              </a:srgbClr>
+            </a:outerShdw>
+          </a:effectLst>
+        </p:spPr>
+        <p:style>
+          <a:lnRef idx="0">
+            <a:scrgbClr r="0" g="0" b="0"/>
+          </a:lnRef>
+          <a:fillRef idx="0">
+            <a:scrgbClr r="0" g="0" b="0"/>
+          </a:fillRef>
+          <a:effectRef idx="0">
+            <a:scrgbClr r="0" g="0" b="0"/>
+          </a:effectRef>
+          <a:fontRef idx="none"/>
+        </p:style>
+        <p:txBody>
+          <a:bodyPr rot="0" vertOverflow="overflow" horzOverflow="overflow" vert="horz" wrap="square" lIns="45719" tIns="45719" rIns="45719" bIns="45719" numCol="1" spcCol="38100" rtlCol="0" anchor="ctr" forceAA="0">
+            <a:spAutoFit/>
+          </a:bodyPr>
+          <a:p>
+            <a:pPr marL="0" marR="0" indent="0" algn="l" defTabSz="914400" rtl="0" fontAlgn="auto" latinLnBrk="1" hangingPunct="0">
+              <a:lnSpc>
+                <a:spcPct val="100000"/>
+              </a:lnSpc>
+              <a:spcBef>
+                <a:spcPts val="0"/>
+              </a:spcBef>
+              <a:spcAft>
+                <a:spcPts val="0"/>
+              </a:spcAft>
+              <a:buClrTx/>
+              <a:buSzTx/>
+              <a:buFontTx/>
+              <a:buNone/>
+            </a:pPr>
+            <a:endParaRPr kumimoji="0" lang="zh-CN" altLang="en-US" sz="1800" b="0" i="0" u="none" strike="noStrike" cap="none" spc="0" normalizeH="0" baseline="0">
+              <a:ln>
+                <a:noFill/>
+              </a:ln>
+              <a:solidFill>
+                <a:srgbClr val="000000"/>
+              </a:solidFill>
+              <a:effectLst/>
+              <a:uFillTx/>
+              <a:latin typeface="Calibri"/>
+              <a:ea typeface="Calibri"/>
+              <a:cs typeface="Calibri"/>
+              <a:sym typeface="Calibri"/>
+            </a:endParaRPr>
+          </a:p>
+        </p:txBody>
+      </p:sp>
+      <p:sp>
+        <p:nvSpPr>
+          <p:cNvPr id="110" name="矩形 109"/>
+          <p:cNvSpPr/>
+          <p:nvPr/>
+        </p:nvSpPr>
+        <p:spPr>
+          <a:xfrm>
+            <a:off x="8532495" y="4005580"/>
+            <a:ext cx="288290" cy="215900"/>
+          </a:xfrm>
+          <a:prstGeom prst="rect">
+            <a:avLst/>
+          </a:prstGeom>
+          <a:solidFill>
+            <a:schemeClr val="accent5"/>
+          </a:solidFill>
+          <a:ln w="25400" cap="flat">
+            <a:solidFill>
+              <a:srgbClr val="4F81BD"/>
+            </a:solidFill>
+            <a:prstDash val="solid"/>
+            <a:bevel/>
+          </a:ln>
+          <a:effectLst>
+            <a:outerShdw blurRad="38100" dist="23000" dir="5400000" rotWithShape="0">
+              <a:srgbClr val="000000">
+                <a:alpha val="35000"/>
+              </a:srgbClr>
+            </a:outerShdw>
+          </a:effectLst>
+        </p:spPr>
+        <p:style>
+          <a:lnRef idx="0">
+            <a:scrgbClr r="0" g="0" b="0"/>
+          </a:lnRef>
+          <a:fillRef idx="0">
+            <a:scrgbClr r="0" g="0" b="0"/>
+          </a:fillRef>
+          <a:effectRef idx="0">
+            <a:scrgbClr r="0" g="0" b="0"/>
+          </a:effectRef>
+          <a:fontRef idx="none"/>
+        </p:style>
+        <p:txBody>
+          <a:bodyPr rot="0" vertOverflow="overflow" horzOverflow="overflow" vert="horz" wrap="square" lIns="45719" tIns="45719" rIns="45719" bIns="45719" numCol="1" spcCol="38100" rtlCol="0" anchor="ctr" forceAA="0">
+            <a:spAutoFit/>
+          </a:bodyPr>
+          <a:p>
+            <a:pPr marL="0" marR="0" indent="0" algn="l" defTabSz="914400" rtl="0" fontAlgn="auto" latinLnBrk="1" hangingPunct="0">
+              <a:lnSpc>
+                <a:spcPct val="100000"/>
+              </a:lnSpc>
+              <a:spcBef>
+                <a:spcPts val="0"/>
+              </a:spcBef>
+              <a:spcAft>
+                <a:spcPts val="0"/>
+              </a:spcAft>
+              <a:buClrTx/>
+              <a:buSzTx/>
+              <a:buFontTx/>
+              <a:buNone/>
+            </a:pPr>
+            <a:endParaRPr kumimoji="0" lang="zh-CN" altLang="en-US" sz="1800" b="0" i="0" u="none" strike="noStrike" cap="none" spc="0" normalizeH="0" baseline="0">
+              <a:ln>
+                <a:noFill/>
+              </a:ln>
+              <a:solidFill>
+                <a:srgbClr val="000000"/>
+              </a:solidFill>
+              <a:effectLst/>
+              <a:uFillTx/>
+              <a:latin typeface="Calibri"/>
+              <a:ea typeface="Calibri"/>
+              <a:cs typeface="Calibri"/>
+              <a:sym typeface="Calibri"/>
+            </a:endParaRPr>
+          </a:p>
+        </p:txBody>
+      </p:sp>
+      <p:sp>
+        <p:nvSpPr>
+          <p:cNvPr id="111" name="矩形 110"/>
+          <p:cNvSpPr/>
+          <p:nvPr/>
+        </p:nvSpPr>
+        <p:spPr>
+          <a:xfrm>
+            <a:off x="8820150" y="4005580"/>
+            <a:ext cx="288290" cy="215900"/>
+          </a:xfrm>
+          <a:prstGeom prst="rect">
+            <a:avLst/>
+          </a:prstGeom>
+          <a:solidFill>
+            <a:srgbClr val="FFFFFF"/>
+          </a:solidFill>
+          <a:ln w="25400" cap="flat">
+            <a:solidFill>
+              <a:srgbClr val="4F81BD"/>
+            </a:solidFill>
+            <a:prstDash val="solid"/>
+            <a:bevel/>
+          </a:ln>
+          <a:effectLst>
+            <a:outerShdw blurRad="38100" dist="23000" dir="5400000" rotWithShape="0">
+              <a:srgbClr val="000000">
+                <a:alpha val="35000"/>
+              </a:srgbClr>
+            </a:outerShdw>
+          </a:effectLst>
+        </p:spPr>
+        <p:style>
+          <a:lnRef idx="0">
+            <a:scrgbClr r="0" g="0" b="0"/>
+          </a:lnRef>
+          <a:fillRef idx="0">
+            <a:scrgbClr r="0" g="0" b="0"/>
+          </a:fillRef>
+          <a:effectRef idx="0">
+            <a:scrgbClr r="0" g="0" b="0"/>
+          </a:effectRef>
+          <a:fontRef idx="none"/>
+        </p:style>
+        <p:txBody>
+          <a:bodyPr rot="0" vertOverflow="overflow" horzOverflow="overflow" vert="horz" wrap="square" lIns="45719" tIns="45719" rIns="45719" bIns="45719" numCol="1" spcCol="38100" rtlCol="0" anchor="ctr" forceAA="0">
+            <a:spAutoFit/>
+          </a:bodyPr>
+          <a:p>
+            <a:pPr marL="0" marR="0" indent="0" algn="l" defTabSz="914400" rtl="0" fontAlgn="auto" latinLnBrk="1" hangingPunct="0">
+              <a:lnSpc>
+                <a:spcPct val="100000"/>
+              </a:lnSpc>
+              <a:spcBef>
+                <a:spcPts val="0"/>
+              </a:spcBef>
+              <a:spcAft>
+                <a:spcPts val="0"/>
+              </a:spcAft>
+              <a:buClrTx/>
+              <a:buSzTx/>
+              <a:buFontTx/>
+              <a:buNone/>
+            </a:pPr>
+            <a:endParaRPr kumimoji="0" lang="zh-CN" altLang="en-US" sz="1800" b="0" i="0" u="none" strike="noStrike" cap="none" spc="0" normalizeH="0" baseline="0">
+              <a:ln>
+                <a:noFill/>
+              </a:ln>
+              <a:solidFill>
+                <a:srgbClr val="000000"/>
+              </a:solidFill>
+              <a:effectLst/>
+              <a:uFillTx/>
+              <a:latin typeface="Calibri"/>
+              <a:ea typeface="Calibri"/>
+              <a:cs typeface="Calibri"/>
+              <a:sym typeface="Calibri"/>
+            </a:endParaRPr>
+          </a:p>
+        </p:txBody>
+      </p:sp>
+      <p:sp>
+        <p:nvSpPr>
+          <p:cNvPr id="112" name="圆角矩形 111"/>
+          <p:cNvSpPr/>
+          <p:nvPr/>
+        </p:nvSpPr>
+        <p:spPr>
+          <a:xfrm>
+            <a:off x="4139565" y="4725670"/>
+            <a:ext cx="1367790" cy="215900"/>
+          </a:xfrm>
+          <a:prstGeom prst="roundRect">
+            <a:avLst/>
+          </a:prstGeom>
+          <a:solidFill>
+            <a:srgbClr val="FFFFFF"/>
+          </a:solidFill>
+          <a:ln w="25400" cap="flat">
+            <a:solidFill>
+              <a:srgbClr val="4F81BD"/>
+            </a:solidFill>
+            <a:prstDash val="solid"/>
+            <a:bevel/>
+          </a:ln>
+          <a:effectLst>
+            <a:outerShdw blurRad="38100" dist="23000" dir="5400000" rotWithShape="0">
+              <a:srgbClr val="000000">
+                <a:alpha val="35000"/>
+              </a:srgbClr>
+            </a:outerShdw>
+          </a:effectLst>
+        </p:spPr>
+        <p:style>
+          <a:lnRef idx="0">
+            <a:scrgbClr r="0" g="0" b="0"/>
+          </a:lnRef>
+          <a:fillRef idx="0">
+            <a:scrgbClr r="0" g="0" b="0"/>
+          </a:fillRef>
+          <a:effectRef idx="0">
+            <a:scrgbClr r="0" g="0" b="0"/>
+          </a:effectRef>
+          <a:fontRef idx="none"/>
+        </p:style>
+        <p:txBody>
+          <a:bodyPr rot="0" vertOverflow="overflow" horzOverflow="overflow" vert="horz" wrap="square" lIns="45719" tIns="45719" rIns="45719" bIns="45719" numCol="1" spcCol="38100" rtlCol="0" anchor="ctr" forceAA="0">
+            <a:spAutoFit/>
+          </a:bodyPr>
+          <a:p>
+            <a:pPr marL="0" marR="0" indent="0" algn="l" defTabSz="914400" rtl="0" fontAlgn="auto" latinLnBrk="1" hangingPunct="0">
+              <a:lnSpc>
+                <a:spcPct val="100000"/>
+              </a:lnSpc>
+              <a:spcBef>
+                <a:spcPts val="0"/>
+              </a:spcBef>
+              <a:spcAft>
+                <a:spcPts val="0"/>
+              </a:spcAft>
+              <a:buClrTx/>
+              <a:buSzTx/>
+              <a:buFontTx/>
+              <a:buNone/>
+            </a:pPr>
+            <a:endParaRPr kumimoji="0" lang="zh-CN" altLang="en-US" sz="1800" b="0" i="0" u="none" strike="noStrike" cap="none" spc="0" normalizeH="0" baseline="0">
+              <a:ln>
+                <a:noFill/>
+              </a:ln>
+              <a:solidFill>
+                <a:srgbClr val="000000"/>
+              </a:solidFill>
+              <a:effectLst/>
+              <a:uFillTx/>
+              <a:latin typeface="Calibri"/>
+              <a:ea typeface="Calibri"/>
+              <a:cs typeface="Calibri"/>
+              <a:sym typeface="Calibri"/>
+            </a:endParaRPr>
+          </a:p>
+        </p:txBody>
+      </p:sp>
+      <p:sp>
+        <p:nvSpPr>
+          <p:cNvPr id="113" name="圆角矩形 112"/>
+          <p:cNvSpPr/>
+          <p:nvPr/>
+        </p:nvSpPr>
+        <p:spPr>
+          <a:xfrm>
+            <a:off x="5003800" y="3141345"/>
+            <a:ext cx="1367790" cy="215900"/>
+          </a:xfrm>
+          <a:prstGeom prst="roundRect">
+            <a:avLst/>
+          </a:prstGeom>
+          <a:solidFill>
+            <a:srgbClr val="FFFFFF"/>
+          </a:solidFill>
+          <a:ln w="25400" cap="flat">
+            <a:solidFill>
+              <a:srgbClr val="4F81BD"/>
+            </a:solidFill>
+            <a:prstDash val="solid"/>
+            <a:bevel/>
+          </a:ln>
+          <a:effectLst>
+            <a:outerShdw blurRad="38100" dist="23000" dir="5400000" rotWithShape="0">
+              <a:srgbClr val="000000">
+                <a:alpha val="35000"/>
+              </a:srgbClr>
+            </a:outerShdw>
+          </a:effectLst>
+        </p:spPr>
+        <p:style>
+          <a:lnRef idx="0">
+            <a:scrgbClr r="0" g="0" b="0"/>
+          </a:lnRef>
+          <a:fillRef idx="0">
+            <a:scrgbClr r="0" g="0" b="0"/>
+          </a:fillRef>
+          <a:effectRef idx="0">
+            <a:scrgbClr r="0" g="0" b="0"/>
+          </a:effectRef>
+          <a:fontRef idx="none"/>
+        </p:style>
+        <p:txBody>
+          <a:bodyPr rot="0" vertOverflow="overflow" horzOverflow="overflow" vert="horz" wrap="square" lIns="45719" tIns="45719" rIns="45719" bIns="45719" numCol="1" spcCol="38100" rtlCol="0" anchor="ctr" forceAA="0">
+            <a:spAutoFit/>
+          </a:bodyPr>
+          <a:p>
+            <a:pPr marL="0" marR="0" indent="0" algn="l" defTabSz="914400" rtl="0" fontAlgn="auto" latinLnBrk="1" hangingPunct="0">
+              <a:lnSpc>
+                <a:spcPct val="100000"/>
+              </a:lnSpc>
+              <a:spcBef>
+                <a:spcPts val="0"/>
+              </a:spcBef>
+              <a:spcAft>
+                <a:spcPts val="0"/>
+              </a:spcAft>
+              <a:buClrTx/>
+              <a:buSzTx/>
+              <a:buFontTx/>
+              <a:buNone/>
+            </a:pPr>
+            <a:endParaRPr kumimoji="0" lang="zh-CN" altLang="en-US" sz="1800" b="0" i="0" u="none" strike="noStrike" cap="none" spc="0" normalizeH="0" baseline="0">
+              <a:ln>
+                <a:noFill/>
+              </a:ln>
+              <a:solidFill>
+                <a:srgbClr val="000000"/>
+              </a:solidFill>
+              <a:effectLst/>
+              <a:uFillTx/>
+              <a:latin typeface="Calibri"/>
+              <a:ea typeface="Calibri"/>
+              <a:cs typeface="Calibri"/>
+              <a:sym typeface="Calibri"/>
+            </a:endParaRPr>
+          </a:p>
+        </p:txBody>
+      </p:sp>
+      <p:sp>
+        <p:nvSpPr>
+          <p:cNvPr id="114" name="圆角矩形 113"/>
+          <p:cNvSpPr/>
+          <p:nvPr/>
+        </p:nvSpPr>
+        <p:spPr>
+          <a:xfrm>
+            <a:off x="6156325" y="4941570"/>
+            <a:ext cx="1367790" cy="215900"/>
+          </a:xfrm>
+          <a:prstGeom prst="roundRect">
+            <a:avLst/>
+          </a:prstGeom>
+          <a:solidFill>
+            <a:srgbClr val="FFFFFF"/>
+          </a:solidFill>
+          <a:ln w="25400" cap="flat">
+            <a:solidFill>
+              <a:srgbClr val="4F81BD"/>
+            </a:solidFill>
+            <a:prstDash val="solid"/>
+            <a:bevel/>
+          </a:ln>
+          <a:effectLst>
+            <a:outerShdw blurRad="38100" dist="23000" dir="5400000" rotWithShape="0">
+              <a:srgbClr val="000000">
+                <a:alpha val="35000"/>
+              </a:srgbClr>
+            </a:outerShdw>
+          </a:effectLst>
+        </p:spPr>
+        <p:style>
+          <a:lnRef idx="0">
+            <a:scrgbClr r="0" g="0" b="0"/>
+          </a:lnRef>
+          <a:fillRef idx="0">
+            <a:scrgbClr r="0" g="0" b="0"/>
+          </a:fillRef>
+          <a:effectRef idx="0">
+            <a:scrgbClr r="0" g="0" b="0"/>
+          </a:effectRef>
+          <a:fontRef idx="none"/>
+        </p:style>
+        <p:txBody>
+          <a:bodyPr rot="0" vertOverflow="overflow" horzOverflow="overflow" vert="horz" wrap="square" lIns="45719" tIns="45719" rIns="45719" bIns="45719" numCol="1" spcCol="38100" rtlCol="0" anchor="ctr" forceAA="0">
+            <a:spAutoFit/>
+          </a:bodyPr>
+          <a:p>
+            <a:pPr marL="0" marR="0" indent="0" algn="l" defTabSz="914400" rtl="0" fontAlgn="auto" latinLnBrk="1" hangingPunct="0">
+              <a:lnSpc>
+                <a:spcPct val="100000"/>
+              </a:lnSpc>
+              <a:spcBef>
+                <a:spcPts val="0"/>
+              </a:spcBef>
+              <a:spcAft>
+                <a:spcPts val="0"/>
+              </a:spcAft>
+              <a:buClrTx/>
+              <a:buSzTx/>
+              <a:buFontTx/>
+              <a:buNone/>
+            </a:pPr>
+            <a:endParaRPr kumimoji="0" lang="zh-CN" altLang="en-US" sz="1800" b="0" i="0" u="none" strike="noStrike" cap="none" spc="0" normalizeH="0" baseline="0">
+              <a:ln>
+                <a:noFill/>
+              </a:ln>
+              <a:solidFill>
+                <a:srgbClr val="000000"/>
+              </a:solidFill>
+              <a:effectLst/>
+              <a:uFillTx/>
+              <a:latin typeface="Calibri"/>
+              <a:ea typeface="Calibri"/>
+              <a:cs typeface="Calibri"/>
+              <a:sym typeface="Calibri"/>
+            </a:endParaRPr>
+          </a:p>
+        </p:txBody>
+      </p:sp>
+      <p:sp>
+        <p:nvSpPr>
+          <p:cNvPr id="115" name="圆角矩形 114"/>
+          <p:cNvSpPr/>
+          <p:nvPr/>
+        </p:nvSpPr>
+        <p:spPr>
+          <a:xfrm>
+            <a:off x="7379970" y="4293235"/>
+            <a:ext cx="1367790" cy="215900"/>
+          </a:xfrm>
+          <a:prstGeom prst="roundRect">
+            <a:avLst/>
+          </a:prstGeom>
+          <a:solidFill>
+            <a:srgbClr val="FFFFFF"/>
+          </a:solidFill>
+          <a:ln w="25400" cap="flat">
+            <a:solidFill>
+              <a:srgbClr val="4F81BD"/>
+            </a:solidFill>
+            <a:prstDash val="solid"/>
+            <a:bevel/>
+          </a:ln>
+          <a:effectLst>
+            <a:outerShdw blurRad="38100" dist="23000" dir="5400000" rotWithShape="0">
+              <a:srgbClr val="000000">
+                <a:alpha val="35000"/>
+              </a:srgbClr>
+            </a:outerShdw>
+          </a:effectLst>
+        </p:spPr>
+        <p:style>
+          <a:lnRef idx="0">
+            <a:scrgbClr r="0" g="0" b="0"/>
+          </a:lnRef>
+          <a:fillRef idx="0">
+            <a:scrgbClr r="0" g="0" b="0"/>
+          </a:fillRef>
+          <a:effectRef idx="0">
+            <a:scrgbClr r="0" g="0" b="0"/>
+          </a:effectRef>
+          <a:fontRef idx="none"/>
+        </p:style>
+        <p:txBody>
+          <a:bodyPr rot="0" vertOverflow="overflow" horzOverflow="overflow" vert="horz" wrap="square" lIns="45719" tIns="45719" rIns="45719" bIns="45719" numCol="1" spcCol="38100" rtlCol="0" anchor="ctr" forceAA="0">
+            <a:spAutoFit/>
+          </a:bodyPr>
+          <a:p>
+            <a:pPr marL="0" marR="0" indent="0" algn="l" defTabSz="914400" rtl="0" fontAlgn="auto" latinLnBrk="1" hangingPunct="0">
+              <a:lnSpc>
+                <a:spcPct val="100000"/>
+              </a:lnSpc>
+              <a:spcBef>
+                <a:spcPts val="0"/>
+              </a:spcBef>
+              <a:spcAft>
+                <a:spcPts val="0"/>
+              </a:spcAft>
+              <a:buClrTx/>
+              <a:buSzTx/>
+              <a:buFontTx/>
+              <a:buNone/>
+            </a:pPr>
+            <a:endParaRPr kumimoji="0" lang="zh-CN" altLang="en-US" sz="1800" b="0" i="0" u="none" strike="noStrike" cap="none" spc="0" normalizeH="0" baseline="0">
+              <a:ln>
+                <a:noFill/>
+              </a:ln>
+              <a:solidFill>
+                <a:srgbClr val="000000"/>
+              </a:solidFill>
+              <a:effectLst/>
+              <a:uFillTx/>
+              <a:latin typeface="Calibri"/>
+              <a:ea typeface="Calibri"/>
+              <a:cs typeface="Calibri"/>
+              <a:sym typeface="Calibri"/>
+            </a:endParaRPr>
+          </a:p>
+        </p:txBody>
+      </p:sp>
+      <p:sp>
+        <p:nvSpPr>
+          <p:cNvPr id="116" name="椭圆 115"/>
+          <p:cNvSpPr/>
+          <p:nvPr/>
+        </p:nvSpPr>
+        <p:spPr>
+          <a:xfrm>
+            <a:off x="4211955" y="4797425"/>
+            <a:ext cx="143510" cy="144145"/>
+          </a:xfrm>
+          <a:prstGeom prst="ellipse">
+            <a:avLst/>
+          </a:prstGeom>
+          <a:solidFill>
+            <a:srgbClr val="FFFFFF"/>
+          </a:solidFill>
+          <a:ln w="25400" cap="flat">
+            <a:solidFill>
+              <a:srgbClr val="4F81BD"/>
+            </a:solidFill>
+            <a:prstDash val="solid"/>
+            <a:bevel/>
+          </a:ln>
+          <a:effectLst>
+            <a:outerShdw blurRad="38100" dist="23000" dir="5400000" rotWithShape="0">
+              <a:srgbClr val="000000">
+                <a:alpha val="35000"/>
+              </a:srgbClr>
+            </a:outerShdw>
+          </a:effectLst>
+        </p:spPr>
+        <p:style>
+          <a:lnRef idx="0">
+            <a:scrgbClr r="0" g="0" b="0"/>
+          </a:lnRef>
+          <a:fillRef idx="0">
+            <a:scrgbClr r="0" g="0" b="0"/>
+          </a:fillRef>
+          <a:effectRef idx="0">
+            <a:scrgbClr r="0" g="0" b="0"/>
+          </a:effectRef>
+          <a:fontRef idx="none"/>
+        </p:style>
+        <p:txBody>
+          <a:bodyPr rot="0" vertOverflow="overflow" horzOverflow="overflow" vert="horz" wrap="square" lIns="45719" tIns="45719" rIns="45719" bIns="45719" numCol="1" spcCol="38100" rtlCol="0" anchor="ctr" forceAA="0">
+            <a:spAutoFit/>
+          </a:bodyPr>
+          <a:p>
+            <a:pPr marL="0" marR="0" indent="0" algn="l" defTabSz="914400" rtl="0" fontAlgn="auto" latinLnBrk="1" hangingPunct="0">
+              <a:lnSpc>
+                <a:spcPct val="100000"/>
+              </a:lnSpc>
+              <a:spcBef>
+                <a:spcPts val="0"/>
+              </a:spcBef>
+              <a:spcAft>
+                <a:spcPts val="0"/>
+              </a:spcAft>
+              <a:buClrTx/>
+              <a:buSzTx/>
+              <a:buFontTx/>
+              <a:buNone/>
+            </a:pPr>
+            <a:endParaRPr kumimoji="0" lang="zh-CN" altLang="en-US" sz="1800" b="0" i="0" u="none" strike="noStrike" cap="none" spc="0" normalizeH="0" baseline="0">
+              <a:ln>
+                <a:noFill/>
+              </a:ln>
+              <a:solidFill>
+                <a:srgbClr val="000000"/>
+              </a:solidFill>
+              <a:effectLst/>
+              <a:uFillTx/>
+              <a:latin typeface="Calibri"/>
+              <a:ea typeface="Calibri"/>
+              <a:cs typeface="Calibri"/>
+              <a:sym typeface="Calibri"/>
+            </a:endParaRPr>
+          </a:p>
+        </p:txBody>
+      </p:sp>
+      <p:sp>
+        <p:nvSpPr>
+          <p:cNvPr id="118" name="椭圆 117"/>
+          <p:cNvSpPr/>
+          <p:nvPr/>
+        </p:nvSpPr>
+        <p:spPr>
+          <a:xfrm>
+            <a:off x="4427855" y="4797425"/>
+            <a:ext cx="143510" cy="144145"/>
+          </a:xfrm>
+          <a:prstGeom prst="ellipse">
+            <a:avLst/>
+          </a:prstGeom>
+          <a:solidFill>
+            <a:srgbClr val="FFFFFF"/>
+          </a:solidFill>
+          <a:ln w="25400" cap="flat">
+            <a:solidFill>
+              <a:srgbClr val="4F81BD"/>
+            </a:solidFill>
+            <a:prstDash val="solid"/>
+            <a:bevel/>
+          </a:ln>
+          <a:effectLst>
+            <a:outerShdw blurRad="38100" dist="23000" dir="5400000" rotWithShape="0">
+              <a:srgbClr val="000000">
+                <a:alpha val="35000"/>
+              </a:srgbClr>
+            </a:outerShdw>
+          </a:effectLst>
+        </p:spPr>
+        <p:style>
+          <a:lnRef idx="0">
+            <a:scrgbClr r="0" g="0" b="0"/>
+          </a:lnRef>
+          <a:fillRef idx="0">
+            <a:scrgbClr r="0" g="0" b="0"/>
+          </a:fillRef>
+          <a:effectRef idx="0">
+            <a:scrgbClr r="0" g="0" b="0"/>
+          </a:effectRef>
+          <a:fontRef idx="none"/>
+        </p:style>
+        <p:txBody>
+          <a:bodyPr rot="0" vertOverflow="overflow" horzOverflow="overflow" vert="horz" wrap="square" lIns="45719" tIns="45719" rIns="45719" bIns="45719" numCol="1" spcCol="38100" rtlCol="0" anchor="ctr" forceAA="0">
+            <a:spAutoFit/>
+          </a:bodyPr>
+          <a:p>
+            <a:pPr marL="0" marR="0" indent="0" algn="l" defTabSz="914400" rtl="0" fontAlgn="auto" latinLnBrk="1" hangingPunct="0">
+              <a:lnSpc>
+                <a:spcPct val="100000"/>
+              </a:lnSpc>
+              <a:spcBef>
+                <a:spcPts val="0"/>
+              </a:spcBef>
+              <a:spcAft>
+                <a:spcPts val="0"/>
+              </a:spcAft>
+              <a:buClrTx/>
+              <a:buSzTx/>
+              <a:buFontTx/>
+              <a:buNone/>
+            </a:pPr>
+            <a:endParaRPr kumimoji="0" lang="zh-CN" altLang="en-US" sz="1800" b="0" i="0" u="none" strike="noStrike" cap="none" spc="0" normalizeH="0" baseline="0">
+              <a:ln>
+                <a:noFill/>
+              </a:ln>
+              <a:solidFill>
+                <a:srgbClr val="000000"/>
+              </a:solidFill>
+              <a:effectLst/>
+              <a:uFillTx/>
+              <a:latin typeface="Calibri"/>
+              <a:ea typeface="Calibri"/>
+              <a:cs typeface="Calibri"/>
+              <a:sym typeface="Calibri"/>
+            </a:endParaRPr>
+          </a:p>
+        </p:txBody>
+      </p:sp>
+      <p:sp>
+        <p:nvSpPr>
+          <p:cNvPr id="120" name="椭圆 119"/>
+          <p:cNvSpPr/>
+          <p:nvPr/>
+        </p:nvSpPr>
+        <p:spPr>
+          <a:xfrm>
+            <a:off x="4643755" y="4797425"/>
+            <a:ext cx="143510" cy="144145"/>
+          </a:xfrm>
+          <a:prstGeom prst="ellipse">
+            <a:avLst/>
+          </a:prstGeom>
+          <a:solidFill>
+            <a:srgbClr val="FFFFFF"/>
+          </a:solidFill>
+          <a:ln w="25400" cap="flat">
+            <a:solidFill>
+              <a:srgbClr val="4F81BD"/>
+            </a:solidFill>
+            <a:prstDash val="solid"/>
+            <a:bevel/>
+          </a:ln>
+          <a:effectLst>
+            <a:outerShdw blurRad="38100" dist="23000" dir="5400000" rotWithShape="0">
+              <a:srgbClr val="000000">
+                <a:alpha val="35000"/>
+              </a:srgbClr>
+            </a:outerShdw>
+          </a:effectLst>
+        </p:spPr>
+        <p:style>
+          <a:lnRef idx="0">
+            <a:scrgbClr r="0" g="0" b="0"/>
+          </a:lnRef>
+          <a:fillRef idx="0">
+            <a:scrgbClr r="0" g="0" b="0"/>
+          </a:fillRef>
+          <a:effectRef idx="0">
+            <a:scrgbClr r="0" g="0" b="0"/>
+          </a:effectRef>
+          <a:fontRef idx="none"/>
+        </p:style>
+        <p:txBody>
+          <a:bodyPr rot="0" vertOverflow="overflow" horzOverflow="overflow" vert="horz" wrap="square" lIns="45719" tIns="45719" rIns="45719" bIns="45719" numCol="1" spcCol="38100" rtlCol="0" anchor="ctr" forceAA="0">
+            <a:spAutoFit/>
+          </a:bodyPr>
+          <a:p>
+            <a:pPr marL="0" marR="0" indent="0" algn="l" defTabSz="914400" rtl="0" fontAlgn="auto" latinLnBrk="1" hangingPunct="0">
+              <a:lnSpc>
+                <a:spcPct val="100000"/>
+              </a:lnSpc>
+              <a:spcBef>
+                <a:spcPts val="0"/>
+              </a:spcBef>
+              <a:spcAft>
+                <a:spcPts val="0"/>
+              </a:spcAft>
+              <a:buClrTx/>
+              <a:buSzTx/>
+              <a:buFontTx/>
+              <a:buNone/>
+            </a:pPr>
+            <a:endParaRPr kumimoji="0" lang="zh-CN" altLang="en-US" sz="1800" b="0" i="0" u="none" strike="noStrike" cap="none" spc="0" normalizeH="0" baseline="0">
+              <a:ln>
+                <a:noFill/>
+              </a:ln>
+              <a:solidFill>
+                <a:srgbClr val="000000"/>
+              </a:solidFill>
+              <a:effectLst/>
+              <a:uFillTx/>
+              <a:latin typeface="Calibri"/>
+              <a:ea typeface="Calibri"/>
+              <a:cs typeface="Calibri"/>
+              <a:sym typeface="Calibri"/>
+            </a:endParaRPr>
+          </a:p>
+        </p:txBody>
+      </p:sp>
+      <p:sp>
+        <p:nvSpPr>
+          <p:cNvPr id="121" name="椭圆 120"/>
+          <p:cNvSpPr/>
+          <p:nvPr/>
+        </p:nvSpPr>
+        <p:spPr>
+          <a:xfrm>
+            <a:off x="4859655" y="4797425"/>
+            <a:ext cx="143510" cy="144145"/>
+          </a:xfrm>
+          <a:prstGeom prst="ellipse">
+            <a:avLst/>
+          </a:prstGeom>
+          <a:solidFill>
+            <a:srgbClr val="FFFFFF"/>
+          </a:solidFill>
+          <a:ln w="25400" cap="flat">
+            <a:solidFill>
+              <a:srgbClr val="4F81BD"/>
+            </a:solidFill>
+            <a:prstDash val="solid"/>
+            <a:bevel/>
+          </a:ln>
+          <a:effectLst>
+            <a:outerShdw blurRad="38100" dist="23000" dir="5400000" rotWithShape="0">
+              <a:srgbClr val="000000">
+                <a:alpha val="35000"/>
+              </a:srgbClr>
+            </a:outerShdw>
+          </a:effectLst>
+        </p:spPr>
+        <p:style>
+          <a:lnRef idx="0">
+            <a:scrgbClr r="0" g="0" b="0"/>
+          </a:lnRef>
+          <a:fillRef idx="0">
+            <a:scrgbClr r="0" g="0" b="0"/>
+          </a:fillRef>
+          <a:effectRef idx="0">
+            <a:scrgbClr r="0" g="0" b="0"/>
+          </a:effectRef>
+          <a:fontRef idx="none"/>
+        </p:style>
+        <p:txBody>
+          <a:bodyPr rot="0" vertOverflow="overflow" horzOverflow="overflow" vert="horz" wrap="square" lIns="45719" tIns="45719" rIns="45719" bIns="45719" numCol="1" spcCol="38100" rtlCol="0" anchor="ctr" forceAA="0">
+            <a:spAutoFit/>
+          </a:bodyPr>
+          <a:p>
+            <a:pPr marL="0" marR="0" indent="0" algn="l" defTabSz="914400" rtl="0" fontAlgn="auto" latinLnBrk="1" hangingPunct="0">
+              <a:lnSpc>
+                <a:spcPct val="100000"/>
+              </a:lnSpc>
+              <a:spcBef>
+                <a:spcPts val="0"/>
+              </a:spcBef>
+              <a:spcAft>
+                <a:spcPts val="0"/>
+              </a:spcAft>
+              <a:buClrTx/>
+              <a:buSzTx/>
+              <a:buFontTx/>
+              <a:buNone/>
+            </a:pPr>
+            <a:endParaRPr kumimoji="0" lang="zh-CN" altLang="en-US" sz="1800" b="0" i="0" u="none" strike="noStrike" cap="none" spc="0" normalizeH="0" baseline="0">
+              <a:ln>
+                <a:noFill/>
+              </a:ln>
+              <a:solidFill>
+                <a:srgbClr val="000000"/>
+              </a:solidFill>
+              <a:effectLst/>
+              <a:uFillTx/>
+              <a:latin typeface="Calibri"/>
+              <a:ea typeface="Calibri"/>
+              <a:cs typeface="Calibri"/>
+              <a:sym typeface="Calibri"/>
+            </a:endParaRPr>
+          </a:p>
+        </p:txBody>
+      </p:sp>
+      <p:sp>
+        <p:nvSpPr>
+          <p:cNvPr id="122" name="椭圆 121"/>
+          <p:cNvSpPr/>
+          <p:nvPr/>
+        </p:nvSpPr>
+        <p:spPr>
+          <a:xfrm>
+            <a:off x="6228080" y="5013325"/>
+            <a:ext cx="143510" cy="144145"/>
+          </a:xfrm>
+          <a:prstGeom prst="ellipse">
+            <a:avLst/>
+          </a:prstGeom>
+          <a:solidFill>
+            <a:srgbClr val="FFFFFF"/>
+          </a:solidFill>
+          <a:ln w="25400" cap="flat">
+            <a:solidFill>
+              <a:srgbClr val="4F81BD"/>
+            </a:solidFill>
+            <a:prstDash val="solid"/>
+            <a:bevel/>
+          </a:ln>
+          <a:effectLst>
+            <a:outerShdw blurRad="38100" dist="23000" dir="5400000" rotWithShape="0">
+              <a:srgbClr val="000000">
+                <a:alpha val="35000"/>
+              </a:srgbClr>
+            </a:outerShdw>
+          </a:effectLst>
+        </p:spPr>
+        <p:style>
+          <a:lnRef idx="0">
+            <a:scrgbClr r="0" g="0" b="0"/>
+          </a:lnRef>
+          <a:fillRef idx="0">
+            <a:scrgbClr r="0" g="0" b="0"/>
+          </a:fillRef>
+          <a:effectRef idx="0">
+            <a:scrgbClr r="0" g="0" b="0"/>
+          </a:effectRef>
+          <a:fontRef idx="none"/>
+        </p:style>
+        <p:txBody>
+          <a:bodyPr rot="0" vertOverflow="overflow" horzOverflow="overflow" vert="horz" wrap="square" lIns="45719" tIns="45719" rIns="45719" bIns="45719" numCol="1" spcCol="38100" rtlCol="0" anchor="ctr" forceAA="0">
+            <a:spAutoFit/>
+          </a:bodyPr>
+          <a:p>
+            <a:pPr marL="0" marR="0" indent="0" algn="l" defTabSz="914400" rtl="0" fontAlgn="auto" latinLnBrk="1" hangingPunct="0">
+              <a:lnSpc>
+                <a:spcPct val="100000"/>
+              </a:lnSpc>
+              <a:spcBef>
+                <a:spcPts val="0"/>
+              </a:spcBef>
+              <a:spcAft>
+                <a:spcPts val="0"/>
+              </a:spcAft>
+              <a:buClrTx/>
+              <a:buSzTx/>
+              <a:buFontTx/>
+              <a:buNone/>
+            </a:pPr>
+            <a:endParaRPr kumimoji="0" lang="zh-CN" altLang="en-US" sz="1800" b="0" i="0" u="none" strike="noStrike" cap="none" spc="0" normalizeH="0" baseline="0">
+              <a:ln>
+                <a:noFill/>
+              </a:ln>
+              <a:solidFill>
+                <a:srgbClr val="000000"/>
+              </a:solidFill>
+              <a:effectLst/>
+              <a:uFillTx/>
+              <a:latin typeface="Calibri"/>
+              <a:ea typeface="Calibri"/>
+              <a:cs typeface="Calibri"/>
+              <a:sym typeface="Calibri"/>
+            </a:endParaRPr>
+          </a:p>
+        </p:txBody>
+      </p:sp>
+      <p:sp>
+        <p:nvSpPr>
+          <p:cNvPr id="123" name="椭圆 122"/>
+          <p:cNvSpPr/>
+          <p:nvPr/>
+        </p:nvSpPr>
+        <p:spPr>
+          <a:xfrm>
+            <a:off x="6443980" y="5013325"/>
+            <a:ext cx="143510" cy="144145"/>
+          </a:xfrm>
+          <a:prstGeom prst="ellipse">
+            <a:avLst/>
+          </a:prstGeom>
+          <a:solidFill>
+            <a:srgbClr val="FFFFFF"/>
+          </a:solidFill>
+          <a:ln w="25400" cap="flat">
+            <a:solidFill>
+              <a:srgbClr val="4F81BD"/>
+            </a:solidFill>
+            <a:prstDash val="solid"/>
+            <a:bevel/>
+          </a:ln>
+          <a:effectLst>
+            <a:outerShdw blurRad="38100" dist="23000" dir="5400000" rotWithShape="0">
+              <a:srgbClr val="000000">
+                <a:alpha val="35000"/>
+              </a:srgbClr>
+            </a:outerShdw>
+          </a:effectLst>
+        </p:spPr>
+        <p:style>
+          <a:lnRef idx="0">
+            <a:scrgbClr r="0" g="0" b="0"/>
+          </a:lnRef>
+          <a:fillRef idx="0">
+            <a:scrgbClr r="0" g="0" b="0"/>
+          </a:fillRef>
+          <a:effectRef idx="0">
+            <a:scrgbClr r="0" g="0" b="0"/>
+          </a:effectRef>
+          <a:fontRef idx="none"/>
+        </p:style>
+        <p:txBody>
+          <a:bodyPr rot="0" vertOverflow="overflow" horzOverflow="overflow" vert="horz" wrap="square" lIns="45719" tIns="45719" rIns="45719" bIns="45719" numCol="1" spcCol="38100" rtlCol="0" anchor="ctr" forceAA="0">
+            <a:spAutoFit/>
+          </a:bodyPr>
+          <a:p>
+            <a:pPr marL="0" marR="0" indent="0" algn="l" defTabSz="914400" rtl="0" fontAlgn="auto" latinLnBrk="1" hangingPunct="0">
+              <a:lnSpc>
+                <a:spcPct val="100000"/>
+              </a:lnSpc>
+              <a:spcBef>
+                <a:spcPts val="0"/>
+              </a:spcBef>
+              <a:spcAft>
+                <a:spcPts val="0"/>
+              </a:spcAft>
+              <a:buClrTx/>
+              <a:buSzTx/>
+              <a:buFontTx/>
+              <a:buNone/>
+            </a:pPr>
+            <a:endParaRPr kumimoji="0" lang="zh-CN" altLang="en-US" sz="1800" b="0" i="0" u="none" strike="noStrike" cap="none" spc="0" normalizeH="0" baseline="0">
+              <a:ln>
+                <a:noFill/>
+              </a:ln>
+              <a:solidFill>
+                <a:srgbClr val="000000"/>
+              </a:solidFill>
+              <a:effectLst/>
+              <a:uFillTx/>
+              <a:latin typeface="Calibri"/>
+              <a:ea typeface="Calibri"/>
+              <a:cs typeface="Calibri"/>
+              <a:sym typeface="Calibri"/>
+            </a:endParaRPr>
+          </a:p>
+        </p:txBody>
+      </p:sp>
+      <p:sp>
+        <p:nvSpPr>
+          <p:cNvPr id="124" name="椭圆 123"/>
+          <p:cNvSpPr/>
+          <p:nvPr/>
+        </p:nvSpPr>
+        <p:spPr>
+          <a:xfrm>
+            <a:off x="6659880" y="5013325"/>
+            <a:ext cx="143510" cy="144145"/>
+          </a:xfrm>
+          <a:prstGeom prst="ellipse">
+            <a:avLst/>
+          </a:prstGeom>
+          <a:solidFill>
+            <a:srgbClr val="FFFFFF"/>
+          </a:solidFill>
+          <a:ln w="25400" cap="flat">
+            <a:solidFill>
+              <a:srgbClr val="4F81BD"/>
+            </a:solidFill>
+            <a:prstDash val="solid"/>
+            <a:bevel/>
+          </a:ln>
+          <a:effectLst>
+            <a:outerShdw blurRad="38100" dist="23000" dir="5400000" rotWithShape="0">
+              <a:srgbClr val="000000">
+                <a:alpha val="35000"/>
+              </a:srgbClr>
+            </a:outerShdw>
+          </a:effectLst>
+        </p:spPr>
+        <p:style>
+          <a:lnRef idx="0">
+            <a:scrgbClr r="0" g="0" b="0"/>
+          </a:lnRef>
+          <a:fillRef idx="0">
+            <a:scrgbClr r="0" g="0" b="0"/>
+          </a:fillRef>
+          <a:effectRef idx="0">
+            <a:scrgbClr r="0" g="0" b="0"/>
+          </a:effectRef>
+          <a:fontRef idx="none"/>
+        </p:style>
+        <p:txBody>
+          <a:bodyPr rot="0" vertOverflow="overflow" horzOverflow="overflow" vert="horz" wrap="square" lIns="45719" tIns="45719" rIns="45719" bIns="45719" numCol="1" spcCol="38100" rtlCol="0" anchor="ctr" forceAA="0">
+            <a:spAutoFit/>
+          </a:bodyPr>
+          <a:p>
+            <a:pPr marL="0" marR="0" indent="0" algn="l" defTabSz="914400" rtl="0" fontAlgn="auto" latinLnBrk="1" hangingPunct="0">
+              <a:lnSpc>
+                <a:spcPct val="100000"/>
+              </a:lnSpc>
+              <a:spcBef>
+                <a:spcPts val="0"/>
+              </a:spcBef>
+              <a:spcAft>
+                <a:spcPts val="0"/>
+              </a:spcAft>
+              <a:buClrTx/>
+              <a:buSzTx/>
+              <a:buFontTx/>
+              <a:buNone/>
+            </a:pPr>
+            <a:endParaRPr kumimoji="0" lang="zh-CN" altLang="en-US" sz="1800" b="0" i="0" u="none" strike="noStrike" cap="none" spc="0" normalizeH="0" baseline="0">
+              <a:ln>
+                <a:noFill/>
+              </a:ln>
+              <a:solidFill>
+                <a:srgbClr val="000000"/>
+              </a:solidFill>
+              <a:effectLst/>
+              <a:uFillTx/>
+              <a:latin typeface="Calibri"/>
+              <a:ea typeface="Calibri"/>
+              <a:cs typeface="Calibri"/>
+              <a:sym typeface="Calibri"/>
+            </a:endParaRPr>
+          </a:p>
+        </p:txBody>
+      </p:sp>
+      <p:sp>
+        <p:nvSpPr>
+          <p:cNvPr id="125" name="椭圆 124"/>
+          <p:cNvSpPr/>
+          <p:nvPr/>
+        </p:nvSpPr>
+        <p:spPr>
+          <a:xfrm>
+            <a:off x="5076190" y="3213100"/>
+            <a:ext cx="143510" cy="144145"/>
+          </a:xfrm>
+          <a:prstGeom prst="ellipse">
+            <a:avLst/>
+          </a:prstGeom>
+          <a:solidFill>
+            <a:srgbClr val="FFFFFF"/>
+          </a:solidFill>
+          <a:ln w="25400" cap="flat">
+            <a:solidFill>
+              <a:srgbClr val="4F81BD"/>
+            </a:solidFill>
+            <a:prstDash val="solid"/>
+            <a:bevel/>
+          </a:ln>
+          <a:effectLst>
+            <a:outerShdw blurRad="38100" dist="23000" dir="5400000" rotWithShape="0">
+              <a:srgbClr val="000000">
+                <a:alpha val="35000"/>
+              </a:srgbClr>
+            </a:outerShdw>
+          </a:effectLst>
+        </p:spPr>
+        <p:style>
+          <a:lnRef idx="0">
+            <a:scrgbClr r="0" g="0" b="0"/>
+          </a:lnRef>
+          <a:fillRef idx="0">
+            <a:scrgbClr r="0" g="0" b="0"/>
+          </a:fillRef>
+          <a:effectRef idx="0">
+            <a:scrgbClr r="0" g="0" b="0"/>
+          </a:effectRef>
+          <a:fontRef idx="none"/>
+        </p:style>
+        <p:txBody>
+          <a:bodyPr rot="0" vertOverflow="overflow" horzOverflow="overflow" vert="horz" wrap="square" lIns="45719" tIns="45719" rIns="45719" bIns="45719" numCol="1" spcCol="38100" rtlCol="0" anchor="ctr" forceAA="0">
+            <a:spAutoFit/>
+          </a:bodyPr>
+          <a:p>
+            <a:pPr marL="0" marR="0" indent="0" algn="l" defTabSz="914400" rtl="0" fontAlgn="auto" latinLnBrk="1" hangingPunct="0">
+              <a:lnSpc>
+                <a:spcPct val="100000"/>
+              </a:lnSpc>
+              <a:spcBef>
+                <a:spcPts val="0"/>
+              </a:spcBef>
+              <a:spcAft>
+                <a:spcPts val="0"/>
+              </a:spcAft>
+              <a:buClrTx/>
+              <a:buSzTx/>
+              <a:buFontTx/>
+              <a:buNone/>
+            </a:pPr>
+            <a:endParaRPr kumimoji="0" lang="zh-CN" altLang="en-US" sz="1800" b="0" i="0" u="none" strike="noStrike" cap="none" spc="0" normalizeH="0" baseline="0">
+              <a:ln>
+                <a:noFill/>
+              </a:ln>
+              <a:solidFill>
+                <a:srgbClr val="000000"/>
+              </a:solidFill>
+              <a:effectLst/>
+              <a:uFillTx/>
+              <a:latin typeface="Calibri"/>
+              <a:ea typeface="Calibri"/>
+              <a:cs typeface="Calibri"/>
+              <a:sym typeface="Calibri"/>
+            </a:endParaRPr>
+          </a:p>
+        </p:txBody>
+      </p:sp>
+      <p:sp>
+        <p:nvSpPr>
+          <p:cNvPr id="126" name="椭圆 125"/>
+          <p:cNvSpPr/>
+          <p:nvPr/>
+        </p:nvSpPr>
+        <p:spPr>
+          <a:xfrm>
+            <a:off x="7452360" y="4365625"/>
+            <a:ext cx="143510" cy="144145"/>
+          </a:xfrm>
+          <a:prstGeom prst="ellipse">
+            <a:avLst/>
+          </a:prstGeom>
+          <a:solidFill>
+            <a:srgbClr val="FFFFFF"/>
+          </a:solidFill>
+          <a:ln w="25400" cap="flat">
+            <a:solidFill>
+              <a:srgbClr val="4F81BD"/>
+            </a:solidFill>
+            <a:prstDash val="solid"/>
+            <a:bevel/>
+          </a:ln>
+          <a:effectLst>
+            <a:outerShdw blurRad="38100" dist="23000" dir="5400000" rotWithShape="0">
+              <a:srgbClr val="000000">
+                <a:alpha val="35000"/>
+              </a:srgbClr>
+            </a:outerShdw>
+          </a:effectLst>
+        </p:spPr>
+        <p:style>
+          <a:lnRef idx="0">
+            <a:scrgbClr r="0" g="0" b="0"/>
+          </a:lnRef>
+          <a:fillRef idx="0">
+            <a:scrgbClr r="0" g="0" b="0"/>
+          </a:fillRef>
+          <a:effectRef idx="0">
+            <a:scrgbClr r="0" g="0" b="0"/>
+          </a:effectRef>
+          <a:fontRef idx="none"/>
+        </p:style>
+        <p:txBody>
+          <a:bodyPr rot="0" vertOverflow="overflow" horzOverflow="overflow" vert="horz" wrap="square" lIns="45719" tIns="45719" rIns="45719" bIns="45719" numCol="1" spcCol="38100" rtlCol="0" anchor="ctr" forceAA="0">
+            <a:spAutoFit/>
+          </a:bodyPr>
+          <a:p>
+            <a:pPr marL="0" marR="0" indent="0" algn="l" defTabSz="914400" rtl="0" fontAlgn="auto" latinLnBrk="1" hangingPunct="0">
+              <a:lnSpc>
+                <a:spcPct val="100000"/>
+              </a:lnSpc>
+              <a:spcBef>
+                <a:spcPts val="0"/>
+              </a:spcBef>
+              <a:spcAft>
+                <a:spcPts val="0"/>
+              </a:spcAft>
+              <a:buClrTx/>
+              <a:buSzTx/>
+              <a:buFontTx/>
+              <a:buNone/>
+            </a:pPr>
+            <a:endParaRPr kumimoji="0" lang="zh-CN" altLang="en-US" sz="1800" b="0" i="0" u="none" strike="noStrike" cap="none" spc="0" normalizeH="0" baseline="0">
+              <a:ln>
+                <a:noFill/>
+              </a:ln>
+              <a:solidFill>
+                <a:srgbClr val="000000"/>
+              </a:solidFill>
+              <a:effectLst/>
+              <a:uFillTx/>
+              <a:latin typeface="Calibri"/>
+              <a:ea typeface="Calibri"/>
+              <a:cs typeface="Calibri"/>
+              <a:sym typeface="Calibri"/>
+            </a:endParaRPr>
+          </a:p>
+        </p:txBody>
+      </p:sp>
+      <p:cxnSp>
+        <p:nvCxnSpPr>
+          <p:cNvPr id="127" name="直接连接符 126"/>
+          <p:cNvCxnSpPr/>
+          <p:nvPr/>
+        </p:nvCxnSpPr>
+        <p:spPr>
+          <a:xfrm flipV="1">
+            <a:off x="95885" y="2997200"/>
+            <a:ext cx="9012555" cy="3175"/>
+          </a:xfrm>
+          <a:prstGeom prst="line">
+            <a:avLst/>
+          </a:prstGeom>
+          <a:noFill/>
+          <a:ln w="12700" cap="flat" cmpd="sng">
+            <a:solidFill>
+              <a:srgbClr val="4F81BD"/>
+            </a:solidFill>
+            <a:prstDash val="dashDot"/>
+            <a:bevel/>
+          </a:ln>
+          <a:effectLst>
+            <a:outerShdw blurRad="38100" dist="20000" dir="5400000" rotWithShape="0">
+              <a:srgbClr val="000000">
+                <a:alpha val="38000"/>
+              </a:srgbClr>
+            </a:outerShdw>
+          </a:effectLst>
+        </p:spPr>
+        <p:style>
+          <a:lnRef idx="0">
+            <a:scrgbClr r="0" g="0" b="0"/>
+          </a:lnRef>
+          <a:fillRef idx="0">
+            <a:scrgbClr r="0" g="0" b="0"/>
+          </a:fillRef>
+          <a:effectRef idx="0">
+            <a:scrgbClr r="0" g="0" b="0"/>
+          </a:effectRef>
+          <a:fontRef idx="none"/>
+        </p:style>
+      </p:cxnSp>
+      <p:cxnSp>
+        <p:nvCxnSpPr>
+          <p:cNvPr id="128" name="直接连接符 127"/>
+          <p:cNvCxnSpPr/>
+          <p:nvPr/>
+        </p:nvCxnSpPr>
+        <p:spPr>
+          <a:xfrm flipV="1">
+            <a:off x="35560" y="5373370"/>
+            <a:ext cx="9012555" cy="3175"/>
+          </a:xfrm>
+          <a:prstGeom prst="line">
+            <a:avLst/>
+          </a:prstGeom>
+          <a:noFill/>
+          <a:ln w="12700" cap="flat" cmpd="sng">
+            <a:solidFill>
+              <a:srgbClr val="4F81BD"/>
+            </a:solidFill>
+            <a:prstDash val="dashDot"/>
+            <a:bevel/>
+          </a:ln>
+          <a:effectLst>
+            <a:outerShdw blurRad="38100" dist="20000" dir="5400000" rotWithShape="0">
+              <a:srgbClr val="000000">
+                <a:alpha val="38000"/>
+              </a:srgbClr>
+            </a:outerShdw>
+          </a:effectLst>
+        </p:spPr>
+        <p:style>
+          <a:lnRef idx="0">
+            <a:scrgbClr r="0" g="0" b="0"/>
+          </a:lnRef>
+          <a:fillRef idx="0">
+            <a:scrgbClr r="0" g="0" b="0"/>
+          </a:fillRef>
+          <a:effectRef idx="0">
+            <a:scrgbClr r="0" g="0" b="0"/>
+          </a:effectRef>
+          <a:fontRef idx="none"/>
+        </p:style>
+      </p:cxnSp>
+      <p:sp>
+        <p:nvSpPr>
+          <p:cNvPr id="129" name="矩形 128"/>
+          <p:cNvSpPr/>
+          <p:nvPr/>
+        </p:nvSpPr>
+        <p:spPr>
+          <a:xfrm>
+            <a:off x="7092315" y="1917065"/>
+            <a:ext cx="805180" cy="460375"/>
+          </a:xfrm>
+          <a:prstGeom prst="rect">
+            <a:avLst/>
+          </a:prstGeom>
+          <a:noFill/>
+          <a:ln>
+            <a:noFill/>
+          </a:ln>
+        </p:spPr>
+        <p:txBody>
+          <a:bodyPr wrap="none" rtlCol="0" anchor="t">
+            <a:spAutoFit/>
+          </a:bodyPr>
+          <a:p>
+            <a:pPr algn="ctr"/>
+            <a:r>
+              <a:rPr lang="en-US" altLang="zh-CN" sz="2400">
+                <a:ln/>
+                <a:solidFill>
+                  <a:schemeClr val="tx1"/>
+                </a:solidFill>
+                <a:effectLst>
+                  <a:outerShdw blurRad="38100" dist="19050" dir="2700000" algn="tl" rotWithShape="0">
+                    <a:schemeClr val="dk1">
+                      <a:alpha val="40000"/>
+                    </a:schemeClr>
+                  </a:outerShdw>
+                </a:effectLst>
+              </a:rPr>
+              <a:t>B+</a:t>
+            </a:r>
+            <a:r>
+              <a:rPr lang="zh-CN" altLang="zh-CN" sz="2400">
+                <a:ln/>
+                <a:solidFill>
+                  <a:schemeClr val="tx1"/>
+                </a:solidFill>
+                <a:effectLst>
+                  <a:outerShdw blurRad="38100" dist="19050" dir="2700000" algn="tl" rotWithShape="0">
+                    <a:schemeClr val="dk1">
+                      <a:alpha val="40000"/>
+                    </a:schemeClr>
+                  </a:outerShdw>
+                </a:effectLst>
+                <a:ea typeface="宋体" charset="0"/>
+              </a:rPr>
+              <a:t>树</a:t>
+            </a:r>
+            <a:endParaRPr lang="zh-CN" altLang="zh-CN" sz="2400">
+              <a:ln/>
+              <a:solidFill>
+                <a:schemeClr val="tx1"/>
+              </a:solidFill>
+              <a:effectLst>
+                <a:outerShdw blurRad="38100" dist="19050" dir="2700000" algn="tl" rotWithShape="0">
+                  <a:schemeClr val="dk1">
+                    <a:alpha val="40000"/>
+                  </a:schemeClr>
+                </a:outerShdw>
+              </a:effectLst>
+              <a:ea typeface="宋体" charset="0"/>
+            </a:endParaRPr>
+          </a:p>
+        </p:txBody>
+      </p:sp>
+      <p:sp>
+        <p:nvSpPr>
+          <p:cNvPr id="130" name="矩形 129"/>
+          <p:cNvSpPr/>
+          <p:nvPr/>
+        </p:nvSpPr>
+        <p:spPr>
+          <a:xfrm>
+            <a:off x="753745" y="3860800"/>
+            <a:ext cx="1097280" cy="457200"/>
+          </a:xfrm>
+          <a:prstGeom prst="rect">
+            <a:avLst/>
+          </a:prstGeom>
+          <a:noFill/>
+          <a:ln>
+            <a:noFill/>
+          </a:ln>
+        </p:spPr>
+        <p:txBody>
+          <a:bodyPr wrap="none" rtlCol="0" anchor="t">
+            <a:spAutoFit/>
+          </a:bodyPr>
+          <a:p>
+            <a:pPr algn="ctr"/>
+            <a:r>
+              <a:rPr lang="zh-CN" altLang="zh-CN" sz="2400">
+                <a:solidFill>
+                  <a:schemeClr val="tx1"/>
+                </a:solidFill>
+                <a:effectLst>
+                  <a:outerShdw blurRad="38100" dist="19050" dir="2700000" algn="tl" rotWithShape="0">
+                    <a:schemeClr val="dk1">
+                      <a:alpha val="40000"/>
+                    </a:schemeClr>
+                  </a:outerShdw>
+                </a:effectLst>
+                <a:ea typeface="宋体" charset="0"/>
+              </a:rPr>
+              <a:t>分形树</a:t>
+            </a:r>
+            <a:endParaRPr lang="en-US" altLang="zh-CN" sz="2400">
+              <a:solidFill>
+                <a:schemeClr val="tx1"/>
+              </a:solidFill>
+              <a:effectLst>
+                <a:outerShdw blurRad="38100" dist="19050" dir="2700000" algn="tl" rotWithShape="0">
+                  <a:schemeClr val="dk1">
+                    <a:alpha val="40000"/>
+                  </a:schemeClr>
+                </a:outerShdw>
+              </a:effectLst>
+              <a:ea typeface="宋体" charset="0"/>
+            </a:endParaRPr>
+          </a:p>
+        </p:txBody>
+      </p:sp>
+      <p:sp>
+        <p:nvSpPr>
+          <p:cNvPr id="131" name="矩形 130"/>
+          <p:cNvSpPr/>
+          <p:nvPr/>
+        </p:nvSpPr>
+        <p:spPr>
+          <a:xfrm>
+            <a:off x="7204393" y="6165215"/>
+            <a:ext cx="1016635" cy="460375"/>
+          </a:xfrm>
+          <a:prstGeom prst="rect">
+            <a:avLst/>
+          </a:prstGeom>
+          <a:noFill/>
+          <a:ln>
+            <a:noFill/>
+          </a:ln>
+        </p:spPr>
+        <p:txBody>
+          <a:bodyPr wrap="none" rtlCol="0" anchor="t">
+            <a:spAutoFit/>
+          </a:bodyPr>
+          <a:p>
+            <a:pPr algn="ctr"/>
+            <a:r>
+              <a:rPr lang="en-US" altLang="zh-CN" sz="2400">
+                <a:solidFill>
+                  <a:schemeClr val="tx1"/>
+                </a:solidFill>
+                <a:effectLst>
+                  <a:outerShdw blurRad="38100" dist="19050" dir="2700000" algn="tl" rotWithShape="0">
+                    <a:schemeClr val="dk1">
+                      <a:alpha val="40000"/>
+                    </a:schemeClr>
+                  </a:outerShdw>
+                </a:effectLst>
+                <a:ea typeface="宋体" charset="0"/>
+              </a:rPr>
+              <a:t>LSM</a:t>
+            </a:r>
+            <a:r>
+              <a:rPr lang="zh-CN" altLang="zh-CN" sz="2400">
+                <a:solidFill>
+                  <a:schemeClr val="tx1"/>
+                </a:solidFill>
+                <a:effectLst>
+                  <a:outerShdw blurRad="38100" dist="19050" dir="2700000" algn="tl" rotWithShape="0">
+                    <a:schemeClr val="dk1">
+                      <a:alpha val="40000"/>
+                    </a:schemeClr>
+                  </a:outerShdw>
+                </a:effectLst>
+                <a:ea typeface="宋体" charset="0"/>
+              </a:rPr>
+              <a:t>树</a:t>
+            </a:r>
+            <a:endParaRPr lang="en-US" altLang="zh-CN" sz="2400">
+              <a:solidFill>
+                <a:schemeClr val="tx1"/>
+              </a:solidFill>
+              <a:effectLst>
+                <a:outerShdw blurRad="38100" dist="19050" dir="2700000" algn="tl" rotWithShape="0">
+                  <a:schemeClr val="dk1">
+                    <a:alpha val="40000"/>
+                  </a:schemeClr>
+                </a:outerShdw>
+              </a:effectLst>
+              <a:ea typeface="宋体" charset="0"/>
+            </a:endParaRPr>
+          </a:p>
+        </p:txBody>
+      </p:sp>
+      <p:sp>
+        <p:nvSpPr>
+          <p:cNvPr id="132" name="矩形 131"/>
+          <p:cNvSpPr/>
+          <p:nvPr/>
+        </p:nvSpPr>
+        <p:spPr>
+          <a:xfrm>
+            <a:off x="539750" y="6525260"/>
+            <a:ext cx="288290" cy="215900"/>
+          </a:xfrm>
+          <a:prstGeom prst="rect">
+            <a:avLst/>
+          </a:prstGeom>
+          <a:solidFill>
+            <a:srgbClr val="FFFFFF"/>
+          </a:solidFill>
+          <a:ln w="25400" cap="flat">
+            <a:solidFill>
+              <a:srgbClr val="4F81BD"/>
+            </a:solidFill>
+            <a:prstDash val="solid"/>
+            <a:bevel/>
+          </a:ln>
+          <a:effectLst>
+            <a:outerShdw blurRad="38100" dist="23000" dir="5400000" rotWithShape="0">
+              <a:srgbClr val="000000">
+                <a:alpha val="35000"/>
+              </a:srgbClr>
+            </a:outerShdw>
+          </a:effectLst>
+        </p:spPr>
+        <p:style>
+          <a:lnRef idx="0">
+            <a:scrgbClr r="0" g="0" b="0"/>
+          </a:lnRef>
+          <a:fillRef idx="0">
+            <a:scrgbClr r="0" g="0" b="0"/>
+          </a:fillRef>
+          <a:effectRef idx="0">
+            <a:scrgbClr r="0" g="0" b="0"/>
+          </a:effectRef>
+          <a:fontRef idx="none"/>
+        </p:style>
+        <p:txBody>
+          <a:bodyPr rot="0" vertOverflow="overflow" horzOverflow="overflow" vert="horz" wrap="square" lIns="45719" tIns="45719" rIns="45719" bIns="45719" numCol="1" spcCol="38100" rtlCol="0" anchor="ctr" forceAA="0">
+            <a:spAutoFit/>
+          </a:bodyPr>
+          <a:p>
+            <a:pPr marL="0" marR="0" indent="0" algn="l" defTabSz="914400" rtl="0" fontAlgn="auto" latinLnBrk="1" hangingPunct="0">
+              <a:lnSpc>
+                <a:spcPct val="100000"/>
+              </a:lnSpc>
+              <a:spcBef>
+                <a:spcPts val="0"/>
+              </a:spcBef>
+              <a:spcAft>
+                <a:spcPts val="0"/>
+              </a:spcAft>
+              <a:buClrTx/>
+              <a:buSzTx/>
+              <a:buFontTx/>
+              <a:buNone/>
+            </a:pPr>
+            <a:endParaRPr kumimoji="0" lang="zh-CN" altLang="en-US" sz="1800" b="0" i="0" u="none" strike="noStrike" cap="none" spc="0" normalizeH="0" baseline="0">
+              <a:ln>
+                <a:noFill/>
+              </a:ln>
+              <a:solidFill>
+                <a:srgbClr val="000000"/>
+              </a:solidFill>
+              <a:effectLst/>
+              <a:uFillTx/>
+              <a:latin typeface="Calibri"/>
+              <a:ea typeface="Calibri"/>
+              <a:cs typeface="Calibri"/>
+              <a:sym typeface="Calibri"/>
+            </a:endParaRPr>
+          </a:p>
+        </p:txBody>
+      </p:sp>
+      <p:sp>
+        <p:nvSpPr>
+          <p:cNvPr id="133" name="矩形 132"/>
+          <p:cNvSpPr/>
+          <p:nvPr/>
+        </p:nvSpPr>
+        <p:spPr>
+          <a:xfrm>
+            <a:off x="971550" y="6525260"/>
+            <a:ext cx="288290" cy="215900"/>
+          </a:xfrm>
+          <a:prstGeom prst="rect">
+            <a:avLst/>
+          </a:prstGeom>
+          <a:solidFill>
+            <a:srgbClr val="FFFFFF"/>
+          </a:solidFill>
+          <a:ln w="25400" cap="flat">
+            <a:solidFill>
+              <a:srgbClr val="4F81BD"/>
+            </a:solidFill>
+            <a:prstDash val="solid"/>
+            <a:bevel/>
+          </a:ln>
+          <a:effectLst>
+            <a:outerShdw blurRad="38100" dist="23000" dir="5400000" rotWithShape="0">
+              <a:srgbClr val="000000">
+                <a:alpha val="35000"/>
+              </a:srgbClr>
+            </a:outerShdw>
+          </a:effectLst>
+        </p:spPr>
+        <p:style>
+          <a:lnRef idx="0">
+            <a:scrgbClr r="0" g="0" b="0"/>
+          </a:lnRef>
+          <a:fillRef idx="0">
+            <a:scrgbClr r="0" g="0" b="0"/>
+          </a:fillRef>
+          <a:effectRef idx="0">
+            <a:scrgbClr r="0" g="0" b="0"/>
+          </a:effectRef>
+          <a:fontRef idx="none"/>
+        </p:style>
+        <p:txBody>
+          <a:bodyPr rot="0" vertOverflow="overflow" horzOverflow="overflow" vert="horz" wrap="square" lIns="45719" tIns="45719" rIns="45719" bIns="45719" numCol="1" spcCol="38100" rtlCol="0" anchor="ctr" forceAA="0">
+            <a:spAutoFit/>
+          </a:bodyPr>
+          <a:p>
+            <a:pPr marL="0" marR="0" indent="0" algn="l" defTabSz="914400" rtl="0" fontAlgn="auto" latinLnBrk="1" hangingPunct="0">
+              <a:lnSpc>
+                <a:spcPct val="100000"/>
+              </a:lnSpc>
+              <a:spcBef>
+                <a:spcPts val="0"/>
+              </a:spcBef>
+              <a:spcAft>
+                <a:spcPts val="0"/>
+              </a:spcAft>
+              <a:buClrTx/>
+              <a:buSzTx/>
+              <a:buFontTx/>
+              <a:buNone/>
+            </a:pPr>
+            <a:endParaRPr kumimoji="0" lang="zh-CN" altLang="en-US" sz="1800" b="0" i="0" u="none" strike="noStrike" cap="none" spc="0" normalizeH="0" baseline="0">
+              <a:ln>
+                <a:noFill/>
+              </a:ln>
+              <a:solidFill>
+                <a:srgbClr val="000000"/>
+              </a:solidFill>
+              <a:effectLst/>
+              <a:uFillTx/>
+              <a:latin typeface="Calibri"/>
+              <a:ea typeface="Calibri"/>
+              <a:cs typeface="Calibri"/>
+              <a:sym typeface="Calibri"/>
+            </a:endParaRPr>
+          </a:p>
+        </p:txBody>
+      </p:sp>
+      <p:sp>
+        <p:nvSpPr>
+          <p:cNvPr id="134" name="矩形 133"/>
+          <p:cNvSpPr/>
+          <p:nvPr/>
+        </p:nvSpPr>
+        <p:spPr>
+          <a:xfrm>
+            <a:off x="1403985" y="6525260"/>
+            <a:ext cx="288290" cy="215900"/>
+          </a:xfrm>
+          <a:prstGeom prst="rect">
+            <a:avLst/>
+          </a:prstGeom>
+          <a:solidFill>
+            <a:srgbClr val="FFFFFF"/>
+          </a:solidFill>
+          <a:ln w="25400" cap="flat">
+            <a:solidFill>
+              <a:srgbClr val="4F81BD"/>
+            </a:solidFill>
+            <a:prstDash val="solid"/>
+            <a:bevel/>
+          </a:ln>
+          <a:effectLst>
+            <a:outerShdw blurRad="38100" dist="23000" dir="5400000" rotWithShape="0">
+              <a:srgbClr val="000000">
+                <a:alpha val="35000"/>
+              </a:srgbClr>
+            </a:outerShdw>
+          </a:effectLst>
+        </p:spPr>
+        <p:style>
+          <a:lnRef idx="0">
+            <a:scrgbClr r="0" g="0" b="0"/>
+          </a:lnRef>
+          <a:fillRef idx="0">
+            <a:scrgbClr r="0" g="0" b="0"/>
+          </a:fillRef>
+          <a:effectRef idx="0">
+            <a:scrgbClr r="0" g="0" b="0"/>
+          </a:effectRef>
+          <a:fontRef idx="none"/>
+        </p:style>
+        <p:txBody>
+          <a:bodyPr rot="0" vertOverflow="overflow" horzOverflow="overflow" vert="horz" wrap="square" lIns="45719" tIns="45719" rIns="45719" bIns="45719" numCol="1" spcCol="38100" rtlCol="0" anchor="ctr" forceAA="0">
+            <a:spAutoFit/>
+          </a:bodyPr>
+          <a:p>
+            <a:pPr marL="0" marR="0" indent="0" algn="l" defTabSz="914400" rtl="0" fontAlgn="auto" latinLnBrk="1" hangingPunct="0">
+              <a:lnSpc>
+                <a:spcPct val="100000"/>
+              </a:lnSpc>
+              <a:spcBef>
+                <a:spcPts val="0"/>
+              </a:spcBef>
+              <a:spcAft>
+                <a:spcPts val="0"/>
+              </a:spcAft>
+              <a:buClrTx/>
+              <a:buSzTx/>
+              <a:buFontTx/>
+              <a:buNone/>
+            </a:pPr>
+            <a:endParaRPr kumimoji="0" lang="zh-CN" altLang="en-US" sz="1800" b="0" i="0" u="none" strike="noStrike" cap="none" spc="0" normalizeH="0" baseline="0">
+              <a:ln>
+                <a:noFill/>
+              </a:ln>
+              <a:solidFill>
+                <a:srgbClr val="000000"/>
+              </a:solidFill>
+              <a:effectLst/>
+              <a:uFillTx/>
+              <a:latin typeface="Calibri"/>
+              <a:ea typeface="Calibri"/>
+              <a:cs typeface="Calibri"/>
+              <a:sym typeface="Calibri"/>
+            </a:endParaRPr>
+          </a:p>
+        </p:txBody>
+      </p:sp>
+      <p:sp>
+        <p:nvSpPr>
+          <p:cNvPr id="135" name="矩形 134"/>
+          <p:cNvSpPr/>
+          <p:nvPr/>
+        </p:nvSpPr>
+        <p:spPr>
+          <a:xfrm>
+            <a:off x="1764030" y="6525260"/>
+            <a:ext cx="288290" cy="215900"/>
+          </a:xfrm>
+          <a:prstGeom prst="rect">
+            <a:avLst/>
+          </a:prstGeom>
+          <a:solidFill>
+            <a:srgbClr val="FFFFFF"/>
+          </a:solidFill>
+          <a:ln w="25400" cap="flat">
+            <a:solidFill>
+              <a:srgbClr val="4F81BD"/>
+            </a:solidFill>
+            <a:prstDash val="solid"/>
+            <a:bevel/>
+          </a:ln>
+          <a:effectLst>
+            <a:outerShdw blurRad="38100" dist="23000" dir="5400000" rotWithShape="0">
+              <a:srgbClr val="000000">
+                <a:alpha val="35000"/>
+              </a:srgbClr>
+            </a:outerShdw>
+          </a:effectLst>
+        </p:spPr>
+        <p:style>
+          <a:lnRef idx="0">
+            <a:scrgbClr r="0" g="0" b="0"/>
+          </a:lnRef>
+          <a:fillRef idx="0">
+            <a:scrgbClr r="0" g="0" b="0"/>
+          </a:fillRef>
+          <a:effectRef idx="0">
+            <a:scrgbClr r="0" g="0" b="0"/>
+          </a:effectRef>
+          <a:fontRef idx="none"/>
+        </p:style>
+        <p:txBody>
+          <a:bodyPr rot="0" vertOverflow="overflow" horzOverflow="overflow" vert="horz" wrap="square" lIns="45719" tIns="45719" rIns="45719" bIns="45719" numCol="1" spcCol="38100" rtlCol="0" anchor="ctr" forceAA="0">
+            <a:spAutoFit/>
+          </a:bodyPr>
+          <a:p>
+            <a:pPr marL="0" marR="0" indent="0" algn="l" defTabSz="914400" rtl="0" fontAlgn="auto" latinLnBrk="1" hangingPunct="0">
+              <a:lnSpc>
+                <a:spcPct val="100000"/>
+              </a:lnSpc>
+              <a:spcBef>
+                <a:spcPts val="0"/>
+              </a:spcBef>
+              <a:spcAft>
+                <a:spcPts val="0"/>
+              </a:spcAft>
+              <a:buClrTx/>
+              <a:buSzTx/>
+              <a:buFontTx/>
+              <a:buNone/>
+            </a:pPr>
+            <a:endParaRPr kumimoji="0" lang="zh-CN" altLang="en-US" sz="1800" b="0" i="0" u="none" strike="noStrike" cap="none" spc="0" normalizeH="0" baseline="0">
+              <a:ln>
+                <a:noFill/>
+              </a:ln>
+              <a:solidFill>
+                <a:srgbClr val="000000"/>
+              </a:solidFill>
+              <a:effectLst/>
+              <a:uFillTx/>
+              <a:latin typeface="Calibri"/>
+              <a:ea typeface="Calibri"/>
+              <a:cs typeface="Calibri"/>
+              <a:sym typeface="Calibri"/>
+            </a:endParaRPr>
+          </a:p>
+        </p:txBody>
+      </p:sp>
+      <p:sp>
+        <p:nvSpPr>
+          <p:cNvPr id="136" name="矩形 135"/>
+          <p:cNvSpPr/>
+          <p:nvPr/>
+        </p:nvSpPr>
+        <p:spPr>
+          <a:xfrm>
+            <a:off x="2123440" y="6525260"/>
+            <a:ext cx="288290" cy="215900"/>
+          </a:xfrm>
+          <a:prstGeom prst="rect">
+            <a:avLst/>
+          </a:prstGeom>
+          <a:solidFill>
+            <a:srgbClr val="FFFFFF"/>
+          </a:solidFill>
+          <a:ln w="25400" cap="flat">
+            <a:solidFill>
+              <a:srgbClr val="4F81BD"/>
+            </a:solidFill>
+            <a:prstDash val="solid"/>
+            <a:bevel/>
+          </a:ln>
+          <a:effectLst>
+            <a:outerShdw blurRad="38100" dist="23000" dir="5400000" rotWithShape="0">
+              <a:srgbClr val="000000">
+                <a:alpha val="35000"/>
+              </a:srgbClr>
+            </a:outerShdw>
+          </a:effectLst>
+        </p:spPr>
+        <p:style>
+          <a:lnRef idx="0">
+            <a:scrgbClr r="0" g="0" b="0"/>
+          </a:lnRef>
+          <a:fillRef idx="0">
+            <a:scrgbClr r="0" g="0" b="0"/>
+          </a:fillRef>
+          <a:effectRef idx="0">
+            <a:scrgbClr r="0" g="0" b="0"/>
+          </a:effectRef>
+          <a:fontRef idx="none"/>
+        </p:style>
+        <p:txBody>
+          <a:bodyPr rot="0" vertOverflow="overflow" horzOverflow="overflow" vert="horz" wrap="square" lIns="45719" tIns="45719" rIns="45719" bIns="45719" numCol="1" spcCol="38100" rtlCol="0" anchor="ctr" forceAA="0">
+            <a:spAutoFit/>
+          </a:bodyPr>
+          <a:p>
+            <a:pPr marL="0" marR="0" indent="0" algn="l" defTabSz="914400" rtl="0" fontAlgn="auto" latinLnBrk="1" hangingPunct="0">
+              <a:lnSpc>
+                <a:spcPct val="100000"/>
+              </a:lnSpc>
+              <a:spcBef>
+                <a:spcPts val="0"/>
+              </a:spcBef>
+              <a:spcAft>
+                <a:spcPts val="0"/>
+              </a:spcAft>
+              <a:buClrTx/>
+              <a:buSzTx/>
+              <a:buFontTx/>
+              <a:buNone/>
+            </a:pPr>
+            <a:endParaRPr kumimoji="0" lang="zh-CN" altLang="en-US" sz="1800" b="0" i="0" u="none" strike="noStrike" cap="none" spc="0" normalizeH="0" baseline="0">
+              <a:ln>
+                <a:noFill/>
+              </a:ln>
+              <a:solidFill>
+                <a:srgbClr val="000000"/>
+              </a:solidFill>
+              <a:effectLst/>
+              <a:uFillTx/>
+              <a:latin typeface="Calibri"/>
+              <a:ea typeface="Calibri"/>
+              <a:cs typeface="Calibri"/>
+              <a:sym typeface="Calibri"/>
+            </a:endParaRPr>
+          </a:p>
+        </p:txBody>
+      </p:sp>
+      <p:sp>
+        <p:nvSpPr>
+          <p:cNvPr id="137" name="矩形 136"/>
+          <p:cNvSpPr/>
+          <p:nvPr/>
+        </p:nvSpPr>
+        <p:spPr>
+          <a:xfrm>
+            <a:off x="2555240" y="6525260"/>
+            <a:ext cx="288290" cy="215900"/>
+          </a:xfrm>
+          <a:prstGeom prst="rect">
+            <a:avLst/>
+          </a:prstGeom>
+          <a:solidFill>
+            <a:srgbClr val="FFFFFF"/>
+          </a:solidFill>
+          <a:ln w="25400" cap="flat">
+            <a:solidFill>
+              <a:srgbClr val="4F81BD"/>
+            </a:solidFill>
+            <a:prstDash val="solid"/>
+            <a:bevel/>
+          </a:ln>
+          <a:effectLst>
+            <a:outerShdw blurRad="38100" dist="23000" dir="5400000" rotWithShape="0">
+              <a:srgbClr val="000000">
+                <a:alpha val="35000"/>
+              </a:srgbClr>
+            </a:outerShdw>
+          </a:effectLst>
+        </p:spPr>
+        <p:style>
+          <a:lnRef idx="0">
+            <a:scrgbClr r="0" g="0" b="0"/>
+          </a:lnRef>
+          <a:fillRef idx="0">
+            <a:scrgbClr r="0" g="0" b="0"/>
+          </a:fillRef>
+          <a:effectRef idx="0">
+            <a:scrgbClr r="0" g="0" b="0"/>
+          </a:effectRef>
+          <a:fontRef idx="none"/>
+        </p:style>
+        <p:txBody>
+          <a:bodyPr rot="0" vertOverflow="overflow" horzOverflow="overflow" vert="horz" wrap="square" lIns="45719" tIns="45719" rIns="45719" bIns="45719" numCol="1" spcCol="38100" rtlCol="0" anchor="ctr" forceAA="0">
+            <a:spAutoFit/>
+          </a:bodyPr>
+          <a:p>
+            <a:pPr marL="0" marR="0" indent="0" algn="l" defTabSz="914400" rtl="0" fontAlgn="auto" latinLnBrk="1" hangingPunct="0">
+              <a:lnSpc>
+                <a:spcPct val="100000"/>
+              </a:lnSpc>
+              <a:spcBef>
+                <a:spcPts val="0"/>
+              </a:spcBef>
+              <a:spcAft>
+                <a:spcPts val="0"/>
+              </a:spcAft>
+              <a:buClrTx/>
+              <a:buSzTx/>
+              <a:buFontTx/>
+              <a:buNone/>
+            </a:pPr>
+            <a:endParaRPr kumimoji="0" lang="zh-CN" altLang="en-US" sz="1800" b="0" i="0" u="none" strike="noStrike" cap="none" spc="0" normalizeH="0" baseline="0">
+              <a:ln>
+                <a:noFill/>
+              </a:ln>
+              <a:solidFill>
+                <a:srgbClr val="000000"/>
+              </a:solidFill>
+              <a:effectLst/>
+              <a:uFillTx/>
+              <a:latin typeface="Calibri"/>
+              <a:ea typeface="Calibri"/>
+              <a:cs typeface="Calibri"/>
+              <a:sym typeface="Calibri"/>
+            </a:endParaRPr>
+          </a:p>
+        </p:txBody>
+      </p:sp>
+      <p:sp>
+        <p:nvSpPr>
+          <p:cNvPr id="138" name="矩形 137"/>
+          <p:cNvSpPr/>
+          <p:nvPr/>
+        </p:nvSpPr>
+        <p:spPr>
+          <a:xfrm>
+            <a:off x="2987675" y="6525260"/>
+            <a:ext cx="288290" cy="215900"/>
+          </a:xfrm>
+          <a:prstGeom prst="rect">
+            <a:avLst/>
+          </a:prstGeom>
+          <a:solidFill>
+            <a:srgbClr val="FFFFFF"/>
+          </a:solidFill>
+          <a:ln w="25400" cap="flat">
+            <a:solidFill>
+              <a:srgbClr val="4F81BD"/>
+            </a:solidFill>
+            <a:prstDash val="solid"/>
+            <a:bevel/>
+          </a:ln>
+          <a:effectLst>
+            <a:outerShdw blurRad="38100" dist="23000" dir="5400000" rotWithShape="0">
+              <a:srgbClr val="000000">
+                <a:alpha val="35000"/>
+              </a:srgbClr>
+            </a:outerShdw>
+          </a:effectLst>
+        </p:spPr>
+        <p:style>
+          <a:lnRef idx="0">
+            <a:scrgbClr r="0" g="0" b="0"/>
+          </a:lnRef>
+          <a:fillRef idx="0">
+            <a:scrgbClr r="0" g="0" b="0"/>
+          </a:fillRef>
+          <a:effectRef idx="0">
+            <a:scrgbClr r="0" g="0" b="0"/>
+          </a:effectRef>
+          <a:fontRef idx="none"/>
+        </p:style>
+        <p:txBody>
+          <a:bodyPr rot="0" vertOverflow="overflow" horzOverflow="overflow" vert="horz" wrap="square" lIns="45719" tIns="45719" rIns="45719" bIns="45719" numCol="1" spcCol="38100" rtlCol="0" anchor="ctr" forceAA="0">
+            <a:spAutoFit/>
+          </a:bodyPr>
+          <a:p>
+            <a:pPr marL="0" marR="0" indent="0" algn="l" defTabSz="914400" rtl="0" fontAlgn="auto" latinLnBrk="1" hangingPunct="0">
+              <a:lnSpc>
+                <a:spcPct val="100000"/>
+              </a:lnSpc>
+              <a:spcBef>
+                <a:spcPts val="0"/>
+              </a:spcBef>
+              <a:spcAft>
+                <a:spcPts val="0"/>
+              </a:spcAft>
+              <a:buClrTx/>
+              <a:buSzTx/>
+              <a:buFontTx/>
+              <a:buNone/>
+            </a:pPr>
+            <a:endParaRPr kumimoji="0" lang="zh-CN" altLang="en-US" sz="1800" b="0" i="0" u="none" strike="noStrike" cap="none" spc="0" normalizeH="0" baseline="0">
+              <a:ln>
+                <a:noFill/>
+              </a:ln>
+              <a:solidFill>
+                <a:srgbClr val="000000"/>
+              </a:solidFill>
+              <a:effectLst/>
+              <a:uFillTx/>
+              <a:latin typeface="Calibri"/>
+              <a:ea typeface="Calibri"/>
+              <a:cs typeface="Calibri"/>
+              <a:sym typeface="Calibri"/>
+            </a:endParaRPr>
+          </a:p>
+        </p:txBody>
+      </p:sp>
+      <p:sp>
+        <p:nvSpPr>
+          <p:cNvPr id="139" name="矩形 138"/>
+          <p:cNvSpPr/>
+          <p:nvPr/>
+        </p:nvSpPr>
+        <p:spPr>
+          <a:xfrm>
+            <a:off x="3347720" y="6525260"/>
+            <a:ext cx="288290" cy="215900"/>
+          </a:xfrm>
+          <a:prstGeom prst="rect">
+            <a:avLst/>
+          </a:prstGeom>
+          <a:solidFill>
+            <a:srgbClr val="FFFFFF"/>
+          </a:solidFill>
+          <a:ln w="25400" cap="flat">
+            <a:solidFill>
+              <a:srgbClr val="4F81BD"/>
+            </a:solidFill>
+            <a:prstDash val="solid"/>
+            <a:bevel/>
+          </a:ln>
+          <a:effectLst>
+            <a:outerShdw blurRad="38100" dist="23000" dir="5400000" rotWithShape="0">
+              <a:srgbClr val="000000">
+                <a:alpha val="35000"/>
+              </a:srgbClr>
+            </a:outerShdw>
+          </a:effectLst>
+        </p:spPr>
+        <p:style>
+          <a:lnRef idx="0">
+            <a:scrgbClr r="0" g="0" b="0"/>
+          </a:lnRef>
+          <a:fillRef idx="0">
+            <a:scrgbClr r="0" g="0" b="0"/>
+          </a:fillRef>
+          <a:effectRef idx="0">
+            <a:scrgbClr r="0" g="0" b="0"/>
+          </a:effectRef>
+          <a:fontRef idx="none"/>
+        </p:style>
+        <p:txBody>
+          <a:bodyPr rot="0" vertOverflow="overflow" horzOverflow="overflow" vert="horz" wrap="square" lIns="45719" tIns="45719" rIns="45719" bIns="45719" numCol="1" spcCol="38100" rtlCol="0" anchor="ctr" forceAA="0">
+            <a:spAutoFit/>
+          </a:bodyPr>
+          <a:p>
+            <a:pPr marL="0" marR="0" indent="0" algn="l" defTabSz="914400" rtl="0" fontAlgn="auto" latinLnBrk="1" hangingPunct="0">
+              <a:lnSpc>
+                <a:spcPct val="100000"/>
+              </a:lnSpc>
+              <a:spcBef>
+                <a:spcPts val="0"/>
+              </a:spcBef>
+              <a:spcAft>
+                <a:spcPts val="0"/>
+              </a:spcAft>
+              <a:buClrTx/>
+              <a:buSzTx/>
+              <a:buFontTx/>
+              <a:buNone/>
+            </a:pPr>
+            <a:endParaRPr kumimoji="0" lang="zh-CN" altLang="en-US" sz="1800" b="0" i="0" u="none" strike="noStrike" cap="none" spc="0" normalizeH="0" baseline="0">
+              <a:ln>
+                <a:noFill/>
+              </a:ln>
+              <a:solidFill>
+                <a:srgbClr val="000000"/>
+              </a:solidFill>
+              <a:effectLst/>
+              <a:uFillTx/>
+              <a:latin typeface="Calibri"/>
+              <a:ea typeface="Calibri"/>
+              <a:cs typeface="Calibri"/>
+              <a:sym typeface="Calibri"/>
+            </a:endParaRPr>
+          </a:p>
+        </p:txBody>
+      </p:sp>
+    </p:spTree>
+  </p:cSld>
+  <p:clrMapOvr>
+    <a:masterClrMapping/>
+  </p:clrMapOvr>
+  <p:transition spd="med"/>
+  <p:timing>
+    <p:tnLst>
+      <p:par>
+        <p:cTn id="1" dur="indefinite" restart="never" nodeType="tmRoot">
+          <p:childTnLst>
+            <p:seq concurrent="1" nextAc="seek">
+              <p:cTn id="2" dur="indefinite" nodeType="mainSeq">
+                <p:childTnLst>
+                  <p:par>
+                    <p:cTn id="3" fill="hold">
+                      <p:stCondLst>
+                        <p:cond delay="indefinite"/>
+                      </p:stCondLst>
+                      <p:childTnLst>
+                        <p:par>
+                          <p:cTn id="4" fill="hold">
+                            <p:stCondLst>
+                              <p:cond delay="0"/>
+                            </p:stCondLst>
+                            <p:childTnLst>
+                              <p:par>
+                                <p:cTn id="5" presetID="2" presetClass="entr" presetSubtype="4" fill="hold" grpId="0" nodeType="clickEffect">
+                                  <p:stCondLst>
+                                    <p:cond delay="0"/>
+                                  </p:stCondLst>
+                                  <p:childTnLst>
+                                    <p:set>
+                                      <p:cBhvr>
+                                        <p:cTn id="6" dur="1" fill="hold">
+                                          <p:stCondLst>
+                                            <p:cond delay="0"/>
+                                          </p:stCondLst>
+                                        </p:cTn>
+                                        <p:tgtEl>
+                                          <p:spTgt spid="129"/>
+                                        </p:tgtEl>
+                                        <p:attrNameLst>
+                                          <p:attrName>style.visibility</p:attrName>
+                                        </p:attrNameLst>
+                                      </p:cBhvr>
+                                      <p:to>
+                                        <p:strVal val="visible"/>
+                                      </p:to>
+                                    </p:set>
+                                    <p:anim calcmode="lin" valueType="num">
+                                      <p:cBhvr additive="base">
+                                        <p:cTn id="7" dur="500" fill="hold"/>
+                                        <p:tgtEl>
+                                          <p:spTgt spid="129"/>
+                                        </p:tgtEl>
+                                        <p:attrNameLst>
+                                          <p:attrName>ppt_x</p:attrName>
+                                        </p:attrNameLst>
+                                      </p:cBhvr>
+                                      <p:tavLst>
+                                        <p:tav tm="0">
+                                          <p:val>
+                                            <p:strVal val="#ppt_x"/>
+                                          </p:val>
+                                        </p:tav>
+                                        <p:tav tm="100000">
+                                          <p:val>
+                                            <p:strVal val="#ppt_x"/>
+                                          </p:val>
+                                        </p:tav>
+                                      </p:tavLst>
+                                    </p:anim>
+                                    <p:anim calcmode="lin" valueType="num">
+                                      <p:cBhvr additive="base">
+                                        <p:cTn id="8" dur="500" fill="hold"/>
+                                        <p:tgtEl>
+                                          <p:spTgt spid="129"/>
+                                        </p:tgtEl>
+                                        <p:attrNameLst>
+                                          <p:attrName>ppt_y</p:attrName>
+                                        </p:attrNameLst>
+                                      </p:cBhvr>
+                                      <p:tavLst>
+                                        <p:tav tm="0">
+                                          <p:val>
+                                            <p:strVal val="1+#ppt_h/2"/>
+                                          </p:val>
+                                        </p:tav>
+                                        <p:tav tm="100000">
+                                          <p:val>
+                                            <p:strVal val="#ppt_y"/>
+                                          </p:val>
+                                        </p:tav>
+                                      </p:tavLst>
+                                    </p:anim>
+                                  </p:childTnLst>
+                                </p:cTn>
+                              </p:par>
+                            </p:childTnLst>
+                          </p:cTn>
+                        </p:par>
+                      </p:childTnLst>
+                    </p:cTn>
+                  </p:par>
+                  <p:par>
+                    <p:cTn id="9" fill="hold">
+                      <p:stCondLst>
+                        <p:cond delay="indefinite"/>
+                      </p:stCondLst>
+                      <p:childTnLst>
+                        <p:par>
+                          <p:cTn id="10" fill="hold">
+                            <p:stCondLst>
+                              <p:cond delay="0"/>
+                            </p:stCondLst>
+                            <p:childTnLst>
+                              <p:par>
+                                <p:cTn id="11" presetID="2" presetClass="entr" presetSubtype="4" fill="hold" grpId="0" nodeType="clickEffect">
+                                  <p:stCondLst>
+                                    <p:cond delay="0"/>
+                                  </p:stCondLst>
+                                  <p:childTnLst>
+                                    <p:set>
+                                      <p:cBhvr>
+                                        <p:cTn id="12" dur="1" fill="hold">
+                                          <p:stCondLst>
+                                            <p:cond delay="0"/>
+                                          </p:stCondLst>
+                                        </p:cTn>
+                                        <p:tgtEl>
+                                          <p:spTgt spid="130"/>
+                                        </p:tgtEl>
+                                        <p:attrNameLst>
+                                          <p:attrName>style.visibility</p:attrName>
+                                        </p:attrNameLst>
+                                      </p:cBhvr>
+                                      <p:to>
+                                        <p:strVal val="visible"/>
+                                      </p:to>
+                                    </p:set>
+                                    <p:anim calcmode="lin" valueType="num">
+                                      <p:cBhvr additive="base">
+                                        <p:cTn id="13" dur="500" fill="hold"/>
+                                        <p:tgtEl>
+                                          <p:spTgt spid="130"/>
+                                        </p:tgtEl>
+                                        <p:attrNameLst>
+                                          <p:attrName>ppt_x</p:attrName>
+                                        </p:attrNameLst>
+                                      </p:cBhvr>
+                                      <p:tavLst>
+                                        <p:tav tm="0">
+                                          <p:val>
+                                            <p:strVal val="#ppt_x"/>
+                                          </p:val>
+                                        </p:tav>
+                                        <p:tav tm="100000">
+                                          <p:val>
+                                            <p:strVal val="#ppt_x"/>
+                                          </p:val>
+                                        </p:tav>
+                                      </p:tavLst>
+                                    </p:anim>
+                                    <p:anim calcmode="lin" valueType="num">
+                                      <p:cBhvr additive="base">
+                                        <p:cTn id="14" dur="500" fill="hold"/>
+                                        <p:tgtEl>
+                                          <p:spTgt spid="130"/>
+                                        </p:tgtEl>
+                                        <p:attrNameLst>
+                                          <p:attrName>ppt_y</p:attrName>
+                                        </p:attrNameLst>
+                                      </p:cBhvr>
+                                      <p:tavLst>
+                                        <p:tav tm="0">
+                                          <p:val>
+                                            <p:strVal val="1+#ppt_h/2"/>
+                                          </p:val>
+                                        </p:tav>
+                                        <p:tav tm="100000">
+                                          <p:val>
+                                            <p:strVal val="#ppt_y"/>
+                                          </p:val>
+                                        </p:tav>
+                                      </p:tavLst>
+                                    </p:anim>
+                                  </p:childTnLst>
+                                </p:cTn>
+                              </p:par>
+                            </p:childTnLst>
+                          </p:cTn>
+                        </p:par>
+                      </p:childTnLst>
+                    </p:cTn>
+                  </p:par>
+                  <p:par>
+                    <p:cTn id="15" fill="hold">
+                      <p:stCondLst>
+                        <p:cond delay="indefinite"/>
+                      </p:stCondLst>
+                      <p:childTnLst>
+                        <p:par>
+                          <p:cTn id="16" fill="hold">
+                            <p:stCondLst>
+                              <p:cond delay="0"/>
+                            </p:stCondLst>
+                            <p:childTnLst>
+                              <p:par>
+                                <p:cTn id="17" presetID="2" presetClass="entr" presetSubtype="4" fill="hold" grpId="0" nodeType="clickEffect">
+                                  <p:stCondLst>
+                                    <p:cond delay="0"/>
+                                  </p:stCondLst>
+                                  <p:childTnLst>
+                                    <p:set>
+                                      <p:cBhvr>
+                                        <p:cTn id="18" dur="1" fill="hold">
+                                          <p:stCondLst>
+                                            <p:cond delay="0"/>
+                                          </p:stCondLst>
+                                        </p:cTn>
+                                        <p:tgtEl>
+                                          <p:spTgt spid="131"/>
+                                        </p:tgtEl>
+                                        <p:attrNameLst>
+                                          <p:attrName>style.visibility</p:attrName>
+                                        </p:attrNameLst>
+                                      </p:cBhvr>
+                                      <p:to>
+                                        <p:strVal val="visible"/>
+                                      </p:to>
+                                    </p:set>
+                                    <p:anim calcmode="lin" valueType="num">
+                                      <p:cBhvr additive="base">
+                                        <p:cTn id="19" dur="500" fill="hold"/>
+                                        <p:tgtEl>
+                                          <p:spTgt spid="131"/>
+                                        </p:tgtEl>
+                                        <p:attrNameLst>
+                                          <p:attrName>ppt_x</p:attrName>
+                                        </p:attrNameLst>
+                                      </p:cBhvr>
+                                      <p:tavLst>
+                                        <p:tav tm="0">
+                                          <p:val>
+                                            <p:strVal val="#ppt_x"/>
+                                          </p:val>
+                                        </p:tav>
+                                        <p:tav tm="100000">
+                                          <p:val>
+                                            <p:strVal val="#ppt_x"/>
+                                          </p:val>
+                                        </p:tav>
+                                      </p:tavLst>
+                                    </p:anim>
+                                    <p:anim calcmode="lin" valueType="num">
+                                      <p:cBhvr additive="base">
+                                        <p:cTn id="20" dur="500" fill="hold"/>
+                                        <p:tgtEl>
+                                          <p:spTgt spid="131"/>
+                                        </p:tgtEl>
+                                        <p:attrNameLst>
+                                          <p:attrName>ppt_y</p:attrName>
+                                        </p:attrNameLst>
+                                      </p:cBhvr>
+                                      <p:tavLst>
+                                        <p:tav tm="0">
+                                          <p:val>
+                                            <p:strVal val="1+#ppt_h/2"/>
+                                          </p:val>
+                                        </p:tav>
+                                        <p:tav tm="100000">
+                                          <p:val>
+                                            <p:strVal val="#ppt_y"/>
+                                          </p:val>
+                                        </p:tav>
+                                      </p:tavLst>
+                                    </p:anim>
+                                  </p:childTnLst>
+                                </p:cTn>
+                              </p:par>
+                            </p:childTnLst>
+                          </p:cTn>
+                        </p:par>
+                      </p:childTnLst>
+                    </p:cTn>
+                  </p:par>
+                </p:childTnLst>
+              </p:cTn>
+              <p:prevCondLst>
+                <p:cond evt="onPrev" delay="0">
+                  <p:tgtEl>
+                    <p:sldTgt/>
+                  </p:tgtEl>
+                </p:cond>
+              </p:prevCondLst>
+              <p:nextCondLst>
+                <p:cond evt="onNext" delay="0">
+                  <p:tgtEl>
+                    <p:sldTgt/>
+                  </p:tgtEl>
+                </p:cond>
+              </p:nextCondLst>
+            </p:seq>
+          </p:childTnLst>
+        </p:cTn>
+      </p:par>
+    </p:tnLst>
+    <p:bldLst>
+      <p:bldP spid="129" grpId="0"/>
+      <p:bldP spid="130" grpId="0"/>
+      <p:bldP spid="131" grpId="0"/>
+    </p:bldLst>
+  </p:timing>
+</p:sld>
+</file>
+
+<file path=ppt/slides/slide17.xml><?xml version="1.0" encoding="utf-8"?>
+<p:sld xmlns:a="http://schemas.openxmlformats.org/drawingml/2006/main" xmlns:r="http://schemas.openxmlformats.org/officeDocument/2006/relationships" xmlns:p="http://schemas.openxmlformats.org/presentationml/2006/main">
+  <p:cSld>
+    <p:spTree>
+      <p:nvGrpSpPr>
+        <p:cNvPr id="1" name=""/>
+        <p:cNvGrpSpPr/>
+        <p:nvPr/>
+      </p:nvGrpSpPr>
+      <p:grpSpPr>
+        <a:xfrm>
+          <a:off x="0" y="0"/>
+          <a:ext cx="0" cy="0"/>
+          <a:chOff x="0" y="0"/>
+          <a:chExt cx="0" cy="0"/>
+        </a:xfrm>
+      </p:grpSpPr>
+      <p:sp>
+        <p:nvSpPr>
+          <p:cNvPr id="52" name="Shape 52"/>
+          <p:cNvSpPr>
+            <a:spLocks noGrp="1"/>
+          </p:cNvSpPr>
+          <p:nvPr>
+            <p:ph type="title"/>
+          </p:nvPr>
+        </p:nvSpPr>
+        <p:spPr>
+          <a:xfrm>
+            <a:off x="457200" y="274638"/>
+            <a:ext cx="8229600" cy="1143001"/>
+          </a:xfrm>
+          <a:prstGeom prst="rect">
+            <a:avLst/>
+          </a:prstGeom>
+        </p:spPr>
+        <p:txBody>
+          <a:bodyPr/>
+          <a:lstStyle/>
+          <a:p>
+            <a:pPr lvl="0">
+              <a:defRPr sz="1800"/>
+            </a:pPr>
+            <a:r>
+              <a:rPr lang="zh-CN" altLang="zh-CN" sz="4400">
+                <a:ea typeface="宋体" charset="0"/>
+              </a:rPr>
+              <a:t>总结（二）</a:t>
+            </a:r>
+            <a:endParaRPr lang="zh-CN" altLang="zh-CN" sz="4400">
+              <a:ea typeface="宋体" charset="0"/>
+            </a:endParaRPr>
+          </a:p>
+        </p:txBody>
+      </p:sp>
+      <p:pic>
+        <p:nvPicPr>
+          <p:cNvPr id="3" name="图片 2"/>
+          <p:cNvPicPr>
+            <a:picLocks noChangeAspect="1"/>
+          </p:cNvPicPr>
+          <p:nvPr/>
+        </p:nvPicPr>
+        <p:blipFill>
+          <a:blip r:embed="rId1"/>
+          <a:stretch>
+            <a:fillRect/>
+          </a:stretch>
+        </p:blipFill>
+        <p:spPr>
+          <a:xfrm>
+            <a:off x="35560" y="1989455"/>
+            <a:ext cx="9070975" cy="3331845"/>
+          </a:xfrm>
+          <a:prstGeom prst="rect">
+            <a:avLst/>
+          </a:prstGeom>
+        </p:spPr>
+      </p:pic>
+    </p:spTree>
+  </p:cSld>
+  <p:clrMapOvr>
+    <a:masterClrMapping/>
+  </p:clrMapOvr>
+  <p:transition spd="med"/>
+</p:sld>
+</file>
+
+<file path=ppt/slides/slide18.xml><?xml version="1.0" encoding="utf-8"?>
+<p:sld xmlns:a="http://schemas.openxmlformats.org/drawingml/2006/main" xmlns:r="http://schemas.openxmlformats.org/officeDocument/2006/relationships" xmlns:p="http://schemas.openxmlformats.org/presentationml/2006/main">
+  <p:cSld>
+    <p:spTree>
+      <p:nvGrpSpPr>
+        <p:cNvPr id="1" name=""/>
+        <p:cNvGrpSpPr/>
+        <p:nvPr/>
+      </p:nvGrpSpPr>
+      <p:grpSpPr>
+        <a:xfrm>
+          <a:off x="0" y="0"/>
+          <a:ext cx="0" cy="0"/>
+          <a:chOff x="0" y="0"/>
+          <a:chExt cx="0" cy="0"/>
+        </a:xfrm>
+      </p:grpSpPr>
+      <p:sp>
+        <p:nvSpPr>
           <p:cNvPr id="166" name="Shape 166"/>
           <p:cNvSpPr>
             <a:spLocks noGrp="1"/>
@@ -9197,7 +16634,7 @@
 </p:sld>
 </file>
 
-<file path=ppt/slides/slide17.xml><?xml version="1.0" encoding="utf-8"?>
+<file path=ppt/slides/slide19.xml><?xml version="1.0" encoding="utf-8"?>
 <p:sld xmlns:a="http://schemas.openxmlformats.org/drawingml/2006/main" xmlns:r="http://schemas.openxmlformats.org/officeDocument/2006/relationships" xmlns:p="http://schemas.openxmlformats.org/presentationml/2006/main">
   <p:cSld>
     <p:spTree>
@@ -10289,24 +17726,7 @@
                 <a:cs typeface="Calibri"/>
                 <a:sym typeface="Calibri"/>
               </a:rPr>
-              <a:t>文件系统</a:t>
-            </a:r>
-            <a:r>
-              <a:rPr kumimoji="0" lang="zh-CN" altLang="zh-CN" sz="1800" b="0" i="0" u="none" strike="noStrike" cap="none" spc="0" normalizeH="0" baseline="0">
-                <a:ln>
-                  <a:noFill/>
-                </a:ln>
-                <a:solidFill>
-                  <a:srgbClr val="000000"/>
-                </a:solidFill>
-                <a:effectLst/>
-                <a:uFillTx/>
-                <a:latin typeface="Calibri"/>
-                <a:ea typeface="宋体" charset="0"/>
-                <a:cs typeface="Calibri"/>
-                <a:sym typeface="Calibri"/>
-              </a:rPr>
-              <a:t>层</a:t>
+              <a:t>文件系统层</a:t>
             </a:r>
             <a:endParaRPr kumimoji="0" lang="zh-CN" altLang="zh-CN" sz="1800" b="0" i="0" u="none" strike="noStrike" cap="none" spc="0" normalizeH="0" baseline="0">
               <a:ln>
@@ -11631,7 +19051,6 @@
             </a:pPr>
             <a:r>
               <a:rPr lang="zh-CN" altLang="zh-CN" sz="3200" b="1">
-                <a:ln/>
                 <a:solidFill>
                   <a:schemeClr val="tx1"/>
                 </a:solidFill>
@@ -11648,7 +19067,6 @@
               <a:t>叶子节点</a:t>
             </a:r>
             <a:endParaRPr lang="zh-CN" altLang="zh-CN" sz="3200" b="1">
-              <a:ln/>
               <a:solidFill>
                 <a:schemeClr val="tx1"/>
               </a:solidFill>
@@ -11716,14 +19134,7 @@
                 <a:ea typeface="宋体" charset="0"/>
                 <a:sym typeface="+mn-ea"/>
               </a:rPr>
-              <a:t>则</a:t>
-            </a:r>
-            <a:r>
-              <a:rPr lang="zh-CN" altLang="zh-CN" sz="3200">
-                <a:ea typeface="宋体" charset="0"/>
-                <a:sym typeface="+mn-ea"/>
-              </a:rPr>
-              <a:t>合并</a:t>
+              <a:t>则合并</a:t>
             </a:r>
             <a:endParaRPr lang="zh-CN" altLang="zh-CN" sz="3200">
               <a:ea typeface="宋体" charset="0"/>
@@ -11753,14 +19164,7 @@
                 <a:ea typeface="宋体" charset="0"/>
                 <a:sym typeface="+mn-ea"/>
               </a:rPr>
-              <a:t>则</a:t>
-            </a:r>
-            <a:r>
-              <a:rPr lang="zh-CN" altLang="zh-CN" sz="3200">
-                <a:ea typeface="宋体" charset="0"/>
-                <a:sym typeface="+mn-ea"/>
-              </a:rPr>
-              <a:t>分裂。</a:t>
+              <a:t>则分裂。</a:t>
             </a:r>
             <a:endParaRPr lang="zh-CN" altLang="zh-CN" sz="3200">
               <a:ea typeface="宋体" charset="0"/>
@@ -12030,14 +19434,7 @@
                 <a:ea typeface="宋体" charset="0"/>
                 <a:sym typeface="+mn-ea"/>
               </a:rPr>
-              <a:t>则</a:t>
-            </a:r>
-            <a:r>
-              <a:rPr lang="zh-CN" altLang="zh-CN" sz="3200">
-                <a:ea typeface="宋体" charset="0"/>
-                <a:sym typeface="+mn-ea"/>
-              </a:rPr>
-              <a:t>合并</a:t>
+              <a:t>则合并</a:t>
             </a:r>
             <a:endParaRPr lang="zh-CN" altLang="zh-CN" sz="3200">
               <a:ea typeface="宋体" charset="0"/>
@@ -12067,14 +19464,7 @@
                 <a:ea typeface="宋体" charset="0"/>
                 <a:sym typeface="+mn-ea"/>
               </a:rPr>
-              <a:t>则</a:t>
-            </a:r>
-            <a:r>
-              <a:rPr lang="zh-CN" altLang="zh-CN" sz="3200">
-                <a:ea typeface="宋体" charset="0"/>
-                <a:sym typeface="+mn-ea"/>
-              </a:rPr>
-              <a:t>分裂。</a:t>
+              <a:t>则分裂。</a:t>
             </a:r>
             <a:endParaRPr lang="zh-CN" altLang="zh-CN" sz="3200">
               <a:ea typeface="宋体" charset="0"/>
@@ -14311,7 +21701,6 @@
             </a:pPr>
             <a:r>
               <a:rPr lang="en-US" altLang="zh-CN" sz="2400" b="1">
-                <a:ln/>
                 <a:solidFill>
                   <a:schemeClr val="tx1"/>
                 </a:solidFill>
@@ -14328,7 +21717,6 @@
             </a:r>
             <a:r>
               <a:rPr lang="zh-CN" altLang="zh-CN" sz="2400" b="1">
-                <a:ln/>
                 <a:solidFill>
                   <a:schemeClr val="tx1"/>
                 </a:solidFill>
@@ -14344,7 +21732,6 @@
               <a:t>节点分裂</a:t>
             </a:r>
             <a:endParaRPr lang="zh-CN" altLang="zh-CN" sz="2400" b="1">
-              <a:ln/>
               <a:solidFill>
                 <a:schemeClr val="tx1"/>
               </a:solidFill>
@@ -14403,7 +21790,6 @@
               <a:defRPr sz="1800"/>
             </a:pPr>
             <a:endParaRPr lang="zh-CN" altLang="zh-CN" sz="2400" b="1">
-              <a:ln/>
               <a:solidFill>
                 <a:schemeClr val="tx1"/>
               </a:solidFill>
@@ -15024,24 +22410,7 @@
                 <a:cs typeface="Calibri"/>
                 <a:sym typeface="Calibri"/>
               </a:rPr>
-              <a:t>树</a:t>
-            </a:r>
-            <a:r>
-              <a:rPr kumimoji="0" lang="zh-CN" altLang="zh-CN" sz="1800" b="0" i="0" u="none" strike="noStrike" cap="none" spc="0" normalizeH="0" baseline="0">
-                <a:ln>
-                  <a:noFill/>
-                </a:ln>
-                <a:solidFill>
-                  <a:srgbClr val="000000"/>
-                </a:solidFill>
-                <a:effectLst/>
-                <a:uFillTx/>
-                <a:latin typeface="Calibri"/>
-                <a:ea typeface="宋体" charset="0"/>
-                <a:cs typeface="Calibri"/>
-                <a:sym typeface="Calibri"/>
-              </a:rPr>
-              <a:t>随机插入热点数据分布图</a:t>
+              <a:t>树随机插入热点数据分布图</a:t>
             </a:r>
             <a:endParaRPr kumimoji="0" lang="en-US" altLang="zh-CN" sz="1800" b="0" i="0" u="none" strike="noStrike" cap="none" spc="0" normalizeH="0" baseline="0">
               <a:ln>
